--- a/Internship Presentation.pptx
+++ b/Internship Presentation.pptx
@@ -3,29 +3,36 @@
 <p:presentation xmlns:a="http://schemas.openxmlformats.org/drawingml/2006/main" xmlns:r="http://schemas.openxmlformats.org/officeDocument/2006/relationships" xmlns:p="http://schemas.openxmlformats.org/presentationml/2006/main" saveSubsetFonts="1">
   <p:sldMasterIdLst>
     <p:sldMasterId id="2147483648" r:id="rId1"/>
+    <p:sldMasterId id="2147483660" r:id="rId2"/>
   </p:sldMasterIdLst>
+  <p:notesMasterIdLst>
+    <p:notesMasterId r:id="rId24"/>
+  </p:notesMasterIdLst>
+  <p:handoutMasterIdLst>
+    <p:handoutMasterId r:id="rId25"/>
+  </p:handoutMasterIdLst>
   <p:sldIdLst>
-    <p:sldId id="256" r:id="rId2"/>
-    <p:sldId id="257" r:id="rId3"/>
-    <p:sldId id="263" r:id="rId4"/>
-    <p:sldId id="266" r:id="rId5"/>
-    <p:sldId id="267" r:id="rId6"/>
-    <p:sldId id="258" r:id="rId7"/>
-    <p:sldId id="280" r:id="rId8"/>
-    <p:sldId id="281" r:id="rId9"/>
-    <p:sldId id="274" r:id="rId10"/>
-    <p:sldId id="271" r:id="rId11"/>
-    <p:sldId id="272" r:id="rId12"/>
-    <p:sldId id="273" r:id="rId13"/>
-    <p:sldId id="269" r:id="rId14"/>
-    <p:sldId id="276" r:id="rId15"/>
-    <p:sldId id="282" r:id="rId16"/>
-    <p:sldId id="283" r:id="rId17"/>
-    <p:sldId id="284" r:id="rId18"/>
-    <p:sldId id="285" r:id="rId19"/>
-    <p:sldId id="259" r:id="rId20"/>
-    <p:sldId id="277" r:id="rId21"/>
-    <p:sldId id="261" r:id="rId22"/>
+    <p:sldId id="256" r:id="rId3"/>
+    <p:sldId id="257" r:id="rId4"/>
+    <p:sldId id="263" r:id="rId5"/>
+    <p:sldId id="266" r:id="rId6"/>
+    <p:sldId id="267" r:id="rId7"/>
+    <p:sldId id="258" r:id="rId8"/>
+    <p:sldId id="280" r:id="rId9"/>
+    <p:sldId id="281" r:id="rId10"/>
+    <p:sldId id="274" r:id="rId11"/>
+    <p:sldId id="271" r:id="rId12"/>
+    <p:sldId id="272" r:id="rId13"/>
+    <p:sldId id="273" r:id="rId14"/>
+    <p:sldId id="269" r:id="rId15"/>
+    <p:sldId id="276" r:id="rId16"/>
+    <p:sldId id="282" r:id="rId17"/>
+    <p:sldId id="283" r:id="rId18"/>
+    <p:sldId id="284" r:id="rId19"/>
+    <p:sldId id="285" r:id="rId20"/>
+    <p:sldId id="259" r:id="rId21"/>
+    <p:sldId id="277" r:id="rId22"/>
+    <p:sldId id="261" r:id="rId23"/>
   </p:sldIdLst>
   <p:sldSz cx="9144000" cy="6858000" type="screen4x3"/>
   <p:notesSz cx="6858000" cy="9144000"/>
@@ -127,6 +134,569 @@
 </p:presentation>
 </file>
 
+<file path=ppt/handoutMasters/handoutMaster1.xml><?xml version="1.0" encoding="utf-8"?>
+<p:handoutMaster xmlns:a="http://schemas.openxmlformats.org/drawingml/2006/main" xmlns:r="http://schemas.openxmlformats.org/officeDocument/2006/relationships" xmlns:p="http://schemas.openxmlformats.org/presentationml/2006/main">
+  <p:cSld>
+    <p:bg>
+      <p:bgRef idx="1001">
+        <a:schemeClr val="bg1"/>
+      </p:bgRef>
+    </p:bg>
+    <p:spTree>
+      <p:nvGrpSpPr>
+        <p:cNvPr id="1" name=""/>
+        <p:cNvGrpSpPr/>
+        <p:nvPr/>
+      </p:nvGrpSpPr>
+      <p:grpSpPr>
+        <a:xfrm>
+          <a:off x="0" y="0"/>
+          <a:ext cx="0" cy="0"/>
+          <a:chOff x="0" y="0"/>
+          <a:chExt cx="0" cy="0"/>
+        </a:xfrm>
+      </p:grpSpPr>
+      <p:sp>
+        <p:nvSpPr>
+          <p:cNvPr id="2" name="Header Placeholder 1"/>
+          <p:cNvSpPr>
+            <a:spLocks noGrp="1"/>
+          </p:cNvSpPr>
+          <p:nvPr>
+            <p:ph type="hdr" sz="quarter"/>
+          </p:nvPr>
+        </p:nvSpPr>
+        <p:spPr>
+          <a:xfrm>
+            <a:off x="0" y="0"/>
+            <a:ext cx="2971800" cy="457200"/>
+          </a:xfrm>
+          <a:prstGeom prst="rect">
+            <a:avLst/>
+          </a:prstGeom>
+        </p:spPr>
+        <p:txBody>
+          <a:bodyPr vert="horz" lIns="91440" tIns="45720" rIns="91440" bIns="45720" rtlCol="0"/>
+          <a:lstStyle>
+            <a:lvl1pPr algn="l">
+              <a:defRPr sz="1200"/>
+            </a:lvl1pPr>
+          </a:lstStyle>
+          <a:p>
+            <a:endParaRPr lang="en-IN" dirty="0"/>
+          </a:p>
+        </p:txBody>
+      </p:sp>
+      <p:pic>
+        <p:nvPicPr>
+          <p:cNvPr id="6" name="Picture 5"/>
+          <p:cNvPicPr>
+            <a:picLocks noChangeAspect="1"/>
+          </p:cNvPicPr>
+          <p:nvPr/>
+        </p:nvPicPr>
+        <p:blipFill>
+          <a:blip r:embed="rId2">
+            <a:extLst>
+              <a:ext uri="{28A0092B-C50C-407E-A947-70E740481C1C}">
+                <a14:useLocalDpi xmlns:a14="http://schemas.microsoft.com/office/drawing/2010/main" val="0"/>
+              </a:ext>
+            </a:extLst>
+          </a:blip>
+          <a:stretch>
+            <a:fillRect/>
+          </a:stretch>
+        </p:blipFill>
+        <p:spPr>
+          <a:xfrm>
+            <a:off x="0" y="0"/>
+            <a:ext cx="2996952" cy="478206"/>
+          </a:xfrm>
+          <a:prstGeom prst="rect">
+            <a:avLst/>
+          </a:prstGeom>
+        </p:spPr>
+      </p:pic>
+      <p:sp>
+        <p:nvSpPr>
+          <p:cNvPr id="7" name="Slide Number Placeholder 6"/>
+          <p:cNvSpPr>
+            <a:spLocks noGrp="1"/>
+          </p:cNvSpPr>
+          <p:nvPr>
+            <p:ph type="sldNum" sz="quarter" idx="3"/>
+          </p:nvPr>
+        </p:nvSpPr>
+        <p:spPr>
+          <a:xfrm>
+            <a:off x="3884613" y="8685213"/>
+            <a:ext cx="2971800" cy="457200"/>
+          </a:xfrm>
+          <a:prstGeom prst="rect">
+            <a:avLst/>
+          </a:prstGeom>
+        </p:spPr>
+        <p:txBody>
+          <a:bodyPr vert="horz" lIns="91440" tIns="45720" rIns="91440" bIns="45720" rtlCol="0" anchor="b"/>
+          <a:lstStyle>
+            <a:lvl1pPr algn="r">
+              <a:defRPr sz="1200"/>
+            </a:lvl1pPr>
+          </a:lstStyle>
+          <a:p>
+            <a:fld id="{2A4744AE-6304-45D9-8254-EB5FAA0F6F23}" type="slidenum">
+              <a:rPr lang="en-IN" smtClean="0"/>
+              <a:t>‹#›</a:t>
+            </a:fld>
+            <a:endParaRPr lang="en-IN"/>
+          </a:p>
+        </p:txBody>
+      </p:sp>
+    </p:spTree>
+    <p:extLst>
+      <p:ext uri="{BB962C8B-B14F-4D97-AF65-F5344CB8AC3E}">
+        <p14:creationId xmlns:p14="http://schemas.microsoft.com/office/powerpoint/2010/main" val="1929321197"/>
+      </p:ext>
+    </p:extLst>
+  </p:cSld>
+  <p:clrMap bg1="lt1" tx1="dk1" bg2="lt2" tx2="dk2" accent1="accent1" accent2="accent2" accent3="accent3" accent4="accent4" accent5="accent5" accent6="accent6" hlink="hlink" folHlink="folHlink"/>
+</p:handoutMaster>
+</file>
+
+<file path=ppt/notesMasters/notesMaster1.xml><?xml version="1.0" encoding="utf-8"?>
+<p:notesMaster xmlns:a="http://schemas.openxmlformats.org/drawingml/2006/main" xmlns:r="http://schemas.openxmlformats.org/officeDocument/2006/relationships" xmlns:p="http://schemas.openxmlformats.org/presentationml/2006/main">
+  <p:cSld>
+    <p:bg>
+      <p:bgRef idx="1001">
+        <a:schemeClr val="bg1"/>
+      </p:bgRef>
+    </p:bg>
+    <p:spTree>
+      <p:nvGrpSpPr>
+        <p:cNvPr id="1" name=""/>
+        <p:cNvGrpSpPr/>
+        <p:nvPr/>
+      </p:nvGrpSpPr>
+      <p:grpSpPr>
+        <a:xfrm>
+          <a:off x="0" y="0"/>
+          <a:ext cx="0" cy="0"/>
+          <a:chOff x="0" y="0"/>
+          <a:chExt cx="0" cy="0"/>
+        </a:xfrm>
+      </p:grpSpPr>
+      <p:sp>
+        <p:nvSpPr>
+          <p:cNvPr id="2" name="Header Placeholder 1"/>
+          <p:cNvSpPr>
+            <a:spLocks noGrp="1"/>
+          </p:cNvSpPr>
+          <p:nvPr>
+            <p:ph type="hdr" sz="quarter"/>
+          </p:nvPr>
+        </p:nvSpPr>
+        <p:spPr>
+          <a:xfrm>
+            <a:off x="0" y="0"/>
+            <a:ext cx="2971800" cy="457200"/>
+          </a:xfrm>
+          <a:prstGeom prst="rect">
+            <a:avLst/>
+          </a:prstGeom>
+        </p:spPr>
+        <p:txBody>
+          <a:bodyPr vert="horz" lIns="91440" tIns="45720" rIns="91440" bIns="45720" rtlCol="0"/>
+          <a:lstStyle>
+            <a:lvl1pPr algn="l">
+              <a:defRPr sz="1200"/>
+            </a:lvl1pPr>
+          </a:lstStyle>
+          <a:p>
+            <a:endParaRPr lang="en-IN"/>
+          </a:p>
+        </p:txBody>
+      </p:sp>
+      <p:sp>
+        <p:nvSpPr>
+          <p:cNvPr id="3" name="Date Placeholder 2"/>
+          <p:cNvSpPr>
+            <a:spLocks noGrp="1"/>
+          </p:cNvSpPr>
+          <p:nvPr>
+            <p:ph type="dt" idx="1"/>
+          </p:nvPr>
+        </p:nvSpPr>
+        <p:spPr>
+          <a:xfrm>
+            <a:off x="3884613" y="0"/>
+            <a:ext cx="2971800" cy="457200"/>
+          </a:xfrm>
+          <a:prstGeom prst="rect">
+            <a:avLst/>
+          </a:prstGeom>
+        </p:spPr>
+        <p:txBody>
+          <a:bodyPr vert="horz" lIns="91440" tIns="45720" rIns="91440" bIns="45720" rtlCol="0"/>
+          <a:lstStyle>
+            <a:lvl1pPr algn="r">
+              <a:defRPr sz="1200"/>
+            </a:lvl1pPr>
+          </a:lstStyle>
+          <a:p>
+            <a:fld id="{56837361-98D6-49CA-B012-6738E47AA5E5}" type="datetimeFigureOut">
+              <a:rPr lang="en-IN" smtClean="0"/>
+              <a:t>27-05-2020</a:t>
+            </a:fld>
+            <a:endParaRPr lang="en-IN"/>
+          </a:p>
+        </p:txBody>
+      </p:sp>
+      <p:sp>
+        <p:nvSpPr>
+          <p:cNvPr id="4" name="Slide Image Placeholder 3"/>
+          <p:cNvSpPr>
+            <a:spLocks noGrp="1" noRot="1" noChangeAspect="1"/>
+          </p:cNvSpPr>
+          <p:nvPr>
+            <p:ph type="sldImg" idx="2"/>
+          </p:nvPr>
+        </p:nvSpPr>
+        <p:spPr>
+          <a:xfrm>
+            <a:off x="1143000" y="685800"/>
+            <a:ext cx="4572000" cy="3429000"/>
+          </a:xfrm>
+          <a:prstGeom prst="rect">
+            <a:avLst/>
+          </a:prstGeom>
+          <a:noFill/>
+          <a:ln w="12700">
+            <a:solidFill>
+              <a:prstClr val="black"/>
+            </a:solidFill>
+          </a:ln>
+        </p:spPr>
+        <p:txBody>
+          <a:bodyPr vert="horz" lIns="91440" tIns="45720" rIns="91440" bIns="45720" rtlCol="0" anchor="ctr"/>
+          <a:lstStyle/>
+          <a:p>
+            <a:endParaRPr lang="en-IN"/>
+          </a:p>
+        </p:txBody>
+      </p:sp>
+      <p:sp>
+        <p:nvSpPr>
+          <p:cNvPr id="5" name="Notes Placeholder 4"/>
+          <p:cNvSpPr>
+            <a:spLocks noGrp="1"/>
+          </p:cNvSpPr>
+          <p:nvPr>
+            <p:ph type="body" sz="quarter" idx="3"/>
+          </p:nvPr>
+        </p:nvSpPr>
+        <p:spPr>
+          <a:xfrm>
+            <a:off x="685800" y="4343400"/>
+            <a:ext cx="5486400" cy="4114800"/>
+          </a:xfrm>
+          <a:prstGeom prst="rect">
+            <a:avLst/>
+          </a:prstGeom>
+        </p:spPr>
+        <p:txBody>
+          <a:bodyPr vert="horz" lIns="91440" tIns="45720" rIns="91440" bIns="45720" rtlCol="0"/>
+          <a:lstStyle/>
+          <a:p>
+            <a:pPr lvl="0"/>
+            <a:r>
+              <a:rPr lang="en-US" smtClean="0"/>
+              <a:t>Click to edit Master text styles</a:t>
+            </a:r>
+          </a:p>
+          <a:p>
+            <a:pPr lvl="1"/>
+            <a:r>
+              <a:rPr lang="en-US" smtClean="0"/>
+              <a:t>Second level</a:t>
+            </a:r>
+          </a:p>
+          <a:p>
+            <a:pPr lvl="2"/>
+            <a:r>
+              <a:rPr lang="en-US" smtClean="0"/>
+              <a:t>Third level</a:t>
+            </a:r>
+          </a:p>
+          <a:p>
+            <a:pPr lvl="3"/>
+            <a:r>
+              <a:rPr lang="en-US" smtClean="0"/>
+              <a:t>Fourth level</a:t>
+            </a:r>
+          </a:p>
+          <a:p>
+            <a:pPr lvl="4"/>
+            <a:r>
+              <a:rPr lang="en-US" smtClean="0"/>
+              <a:t>Fifth level</a:t>
+            </a:r>
+            <a:endParaRPr lang="en-IN"/>
+          </a:p>
+        </p:txBody>
+      </p:sp>
+      <p:sp>
+        <p:nvSpPr>
+          <p:cNvPr id="6" name="Footer Placeholder 5"/>
+          <p:cNvSpPr>
+            <a:spLocks noGrp="1"/>
+          </p:cNvSpPr>
+          <p:nvPr>
+            <p:ph type="ftr" sz="quarter" idx="4"/>
+          </p:nvPr>
+        </p:nvSpPr>
+        <p:spPr>
+          <a:xfrm>
+            <a:off x="0" y="8685213"/>
+            <a:ext cx="2971800" cy="457200"/>
+          </a:xfrm>
+          <a:prstGeom prst="rect">
+            <a:avLst/>
+          </a:prstGeom>
+        </p:spPr>
+        <p:txBody>
+          <a:bodyPr vert="horz" lIns="91440" tIns="45720" rIns="91440" bIns="45720" rtlCol="0" anchor="b"/>
+          <a:lstStyle>
+            <a:lvl1pPr algn="l">
+              <a:defRPr sz="1200"/>
+            </a:lvl1pPr>
+          </a:lstStyle>
+          <a:p>
+            <a:endParaRPr lang="en-IN"/>
+          </a:p>
+        </p:txBody>
+      </p:sp>
+      <p:sp>
+        <p:nvSpPr>
+          <p:cNvPr id="7" name="Slide Number Placeholder 6"/>
+          <p:cNvSpPr>
+            <a:spLocks noGrp="1"/>
+          </p:cNvSpPr>
+          <p:nvPr>
+            <p:ph type="sldNum" sz="quarter" idx="5"/>
+          </p:nvPr>
+        </p:nvSpPr>
+        <p:spPr>
+          <a:xfrm>
+            <a:off x="3884613" y="8685213"/>
+            <a:ext cx="2971800" cy="457200"/>
+          </a:xfrm>
+          <a:prstGeom prst="rect">
+            <a:avLst/>
+          </a:prstGeom>
+        </p:spPr>
+        <p:txBody>
+          <a:bodyPr vert="horz" lIns="91440" tIns="45720" rIns="91440" bIns="45720" rtlCol="0" anchor="b"/>
+          <a:lstStyle>
+            <a:lvl1pPr algn="r">
+              <a:defRPr sz="1200"/>
+            </a:lvl1pPr>
+          </a:lstStyle>
+          <a:p>
+            <a:fld id="{28988F8E-642C-4E33-859A-FE4CED7769AE}" type="slidenum">
+              <a:rPr lang="en-IN" smtClean="0"/>
+              <a:t>‹#›</a:t>
+            </a:fld>
+            <a:endParaRPr lang="en-IN"/>
+          </a:p>
+        </p:txBody>
+      </p:sp>
+    </p:spTree>
+    <p:extLst>
+      <p:ext uri="{BB962C8B-B14F-4D97-AF65-F5344CB8AC3E}">
+        <p14:creationId xmlns:p14="http://schemas.microsoft.com/office/powerpoint/2010/main" val="4111262083"/>
+      </p:ext>
+    </p:extLst>
+  </p:cSld>
+  <p:clrMap bg1="lt1" tx1="dk1" bg2="lt2" tx2="dk2" accent1="accent1" accent2="accent2" accent3="accent3" accent4="accent4" accent5="accent5" accent6="accent6" hlink="hlink" folHlink="folHlink"/>
+  <p:notesStyle>
+    <a:lvl1pPr marL="0" algn="l" defTabSz="914400" rtl="0" eaLnBrk="1" latinLnBrk="0" hangingPunct="1">
+      <a:defRPr sz="1200" kern="1200">
+        <a:solidFill>
+          <a:schemeClr val="tx1"/>
+        </a:solidFill>
+        <a:latin typeface="+mn-lt"/>
+        <a:ea typeface="+mn-ea"/>
+        <a:cs typeface="+mn-cs"/>
+      </a:defRPr>
+    </a:lvl1pPr>
+    <a:lvl2pPr marL="457200" algn="l" defTabSz="914400" rtl="0" eaLnBrk="1" latinLnBrk="0" hangingPunct="1">
+      <a:defRPr sz="1200" kern="1200">
+        <a:solidFill>
+          <a:schemeClr val="tx1"/>
+        </a:solidFill>
+        <a:latin typeface="+mn-lt"/>
+        <a:ea typeface="+mn-ea"/>
+        <a:cs typeface="+mn-cs"/>
+      </a:defRPr>
+    </a:lvl2pPr>
+    <a:lvl3pPr marL="914400" algn="l" defTabSz="914400" rtl="0" eaLnBrk="1" latinLnBrk="0" hangingPunct="1">
+      <a:defRPr sz="1200" kern="1200">
+        <a:solidFill>
+          <a:schemeClr val="tx1"/>
+        </a:solidFill>
+        <a:latin typeface="+mn-lt"/>
+        <a:ea typeface="+mn-ea"/>
+        <a:cs typeface="+mn-cs"/>
+      </a:defRPr>
+    </a:lvl3pPr>
+    <a:lvl4pPr marL="1371600" algn="l" defTabSz="914400" rtl="0" eaLnBrk="1" latinLnBrk="0" hangingPunct="1">
+      <a:defRPr sz="1200" kern="1200">
+        <a:solidFill>
+          <a:schemeClr val="tx1"/>
+        </a:solidFill>
+        <a:latin typeface="+mn-lt"/>
+        <a:ea typeface="+mn-ea"/>
+        <a:cs typeface="+mn-cs"/>
+      </a:defRPr>
+    </a:lvl4pPr>
+    <a:lvl5pPr marL="1828800" algn="l" defTabSz="914400" rtl="0" eaLnBrk="1" latinLnBrk="0" hangingPunct="1">
+      <a:defRPr sz="1200" kern="1200">
+        <a:solidFill>
+          <a:schemeClr val="tx1"/>
+        </a:solidFill>
+        <a:latin typeface="+mn-lt"/>
+        <a:ea typeface="+mn-ea"/>
+        <a:cs typeface="+mn-cs"/>
+      </a:defRPr>
+    </a:lvl5pPr>
+    <a:lvl6pPr marL="2286000" algn="l" defTabSz="914400" rtl="0" eaLnBrk="1" latinLnBrk="0" hangingPunct="1">
+      <a:defRPr sz="1200" kern="1200">
+        <a:solidFill>
+          <a:schemeClr val="tx1"/>
+        </a:solidFill>
+        <a:latin typeface="+mn-lt"/>
+        <a:ea typeface="+mn-ea"/>
+        <a:cs typeface="+mn-cs"/>
+      </a:defRPr>
+    </a:lvl6pPr>
+    <a:lvl7pPr marL="2743200" algn="l" defTabSz="914400" rtl="0" eaLnBrk="1" latinLnBrk="0" hangingPunct="1">
+      <a:defRPr sz="1200" kern="1200">
+        <a:solidFill>
+          <a:schemeClr val="tx1"/>
+        </a:solidFill>
+        <a:latin typeface="+mn-lt"/>
+        <a:ea typeface="+mn-ea"/>
+        <a:cs typeface="+mn-cs"/>
+      </a:defRPr>
+    </a:lvl7pPr>
+    <a:lvl8pPr marL="3200400" algn="l" defTabSz="914400" rtl="0" eaLnBrk="1" latinLnBrk="0" hangingPunct="1">
+      <a:defRPr sz="1200" kern="1200">
+        <a:solidFill>
+          <a:schemeClr val="tx1"/>
+        </a:solidFill>
+        <a:latin typeface="+mn-lt"/>
+        <a:ea typeface="+mn-ea"/>
+        <a:cs typeface="+mn-cs"/>
+      </a:defRPr>
+    </a:lvl8pPr>
+    <a:lvl9pPr marL="3657600" algn="l" defTabSz="914400" rtl="0" eaLnBrk="1" latinLnBrk="0" hangingPunct="1">
+      <a:defRPr sz="1200" kern="1200">
+        <a:solidFill>
+          <a:schemeClr val="tx1"/>
+        </a:solidFill>
+        <a:latin typeface="+mn-lt"/>
+        <a:ea typeface="+mn-ea"/>
+        <a:cs typeface="+mn-cs"/>
+      </a:defRPr>
+    </a:lvl9pPr>
+  </p:notesStyle>
+</p:notesMaster>
+</file>
+
+<file path=ppt/notesSlides/notesSlide1.xml><?xml version="1.0" encoding="utf-8"?>
+<p:notes xmlns:a="http://schemas.openxmlformats.org/drawingml/2006/main" xmlns:r="http://schemas.openxmlformats.org/officeDocument/2006/relationships" xmlns:p="http://schemas.openxmlformats.org/presentationml/2006/main">
+  <p:cSld>
+    <p:spTree>
+      <p:nvGrpSpPr>
+        <p:cNvPr id="1" name=""/>
+        <p:cNvGrpSpPr/>
+        <p:nvPr/>
+      </p:nvGrpSpPr>
+      <p:grpSpPr>
+        <a:xfrm>
+          <a:off x="0" y="0"/>
+          <a:ext cx="0" cy="0"/>
+          <a:chOff x="0" y="0"/>
+          <a:chExt cx="0" cy="0"/>
+        </a:xfrm>
+      </p:grpSpPr>
+      <p:sp>
+        <p:nvSpPr>
+          <p:cNvPr id="2" name="Slide Image Placeholder 1"/>
+          <p:cNvSpPr>
+            <a:spLocks noGrp="1" noRot="1" noChangeAspect="1"/>
+          </p:cNvSpPr>
+          <p:nvPr>
+            <p:ph type="sldImg"/>
+          </p:nvPr>
+        </p:nvSpPr>
+        <p:spPr/>
+      </p:sp>
+      <p:sp>
+        <p:nvSpPr>
+          <p:cNvPr id="3" name="Notes Placeholder 2"/>
+          <p:cNvSpPr>
+            <a:spLocks noGrp="1"/>
+          </p:cNvSpPr>
+          <p:nvPr>
+            <p:ph type="body" idx="1"/>
+          </p:nvPr>
+        </p:nvSpPr>
+        <p:spPr/>
+        <p:txBody>
+          <a:bodyPr/>
+          <a:lstStyle/>
+          <a:p>
+            <a:endParaRPr lang="en-IN"/>
+          </a:p>
+        </p:txBody>
+      </p:sp>
+      <p:sp>
+        <p:nvSpPr>
+          <p:cNvPr id="4" name="Slide Number Placeholder 3"/>
+          <p:cNvSpPr>
+            <a:spLocks noGrp="1"/>
+          </p:cNvSpPr>
+          <p:nvPr>
+            <p:ph type="sldNum" sz="quarter" idx="10"/>
+          </p:nvPr>
+        </p:nvSpPr>
+        <p:spPr/>
+        <p:txBody>
+          <a:bodyPr/>
+          <a:lstStyle/>
+          <a:p>
+            <a:fld id="{28988F8E-642C-4E33-859A-FE4CED7769AE}" type="slidenum">
+              <a:rPr lang="en-IN" smtClean="0"/>
+              <a:t>1</a:t>
+            </a:fld>
+            <a:endParaRPr lang="en-IN"/>
+          </a:p>
+        </p:txBody>
+      </p:sp>
+    </p:spTree>
+    <p:extLst>
+      <p:ext uri="{BB962C8B-B14F-4D97-AF65-F5344CB8AC3E}">
+        <p14:creationId xmlns:p14="http://schemas.microsoft.com/office/powerpoint/2010/main" val="2035744025"/>
+      </p:ext>
+    </p:extLst>
+  </p:cSld>
+  <p:clrMapOvr>
+    <a:masterClrMapping/>
+  </p:clrMapOvr>
+</p:notes>
+</file>
+
 <file path=ppt/slideLayouts/slideLayout1.xml><?xml version="1.0" encoding="utf-8"?>
 <p:sldLayout xmlns:a="http://schemas.openxmlformats.org/drawingml/2006/main" xmlns:r="http://schemas.openxmlformats.org/officeDocument/2006/relationships" xmlns:p="http://schemas.openxmlformats.org/presentationml/2006/main" type="title" preserve="1">
   <p:cSld name="Title Slide">
@@ -308,7 +878,7 @@
           <a:p>
             <a:fld id="{373E9597-6F13-4AD2-818F-A3E3DAA2519F}" type="datetimeFigureOut">
               <a:rPr lang="en-IN" smtClean="0"/>
-              <a:t>06-05-2020</a:t>
+              <a:t>27-05-2020</a:t>
             </a:fld>
             <a:endParaRPr lang="en-IN"/>
           </a:p>
@@ -478,7 +1048,7 @@
           <a:p>
             <a:fld id="{373E9597-6F13-4AD2-818F-A3E3DAA2519F}" type="datetimeFigureOut">
               <a:rPr lang="en-IN" smtClean="0"/>
-              <a:t>06-05-2020</a:t>
+              <a:t>27-05-2020</a:t>
             </a:fld>
             <a:endParaRPr lang="en-IN"/>
           </a:p>
@@ -658,7 +1228,7 @@
           <a:p>
             <a:fld id="{373E9597-6F13-4AD2-818F-A3E3DAA2519F}" type="datetimeFigureOut">
               <a:rPr lang="en-IN" smtClean="0"/>
-              <a:t>06-05-2020</a:t>
+              <a:t>27-05-2020</a:t>
             </a:fld>
             <a:endParaRPr lang="en-IN"/>
           </a:p>
@@ -710,6 +1280,1864 @@
     <p:extLst>
       <p:ext uri="{BB962C8B-B14F-4D97-AF65-F5344CB8AC3E}">
         <p14:creationId xmlns:p14="http://schemas.microsoft.com/office/powerpoint/2010/main" val="3972538957"/>
+      </p:ext>
+    </p:extLst>
+  </p:cSld>
+  <p:clrMapOvr>
+    <a:masterClrMapping/>
+  </p:clrMapOvr>
+</p:sldLayout>
+</file>
+
+<file path=ppt/slideLayouts/slideLayout12.xml><?xml version="1.0" encoding="utf-8"?>
+<p:sldLayout xmlns:a="http://schemas.openxmlformats.org/drawingml/2006/main" xmlns:r="http://schemas.openxmlformats.org/officeDocument/2006/relationships" xmlns:p="http://schemas.openxmlformats.org/presentationml/2006/main" type="title" preserve="1">
+  <p:cSld name="Title Slide">
+    <p:spTree>
+      <p:nvGrpSpPr>
+        <p:cNvPr id="1" name=""/>
+        <p:cNvGrpSpPr/>
+        <p:nvPr/>
+      </p:nvGrpSpPr>
+      <p:grpSpPr>
+        <a:xfrm>
+          <a:off x="0" y="0"/>
+          <a:ext cx="0" cy="0"/>
+          <a:chOff x="0" y="0"/>
+          <a:chExt cx="0" cy="0"/>
+        </a:xfrm>
+      </p:grpSpPr>
+      <p:sp>
+        <p:nvSpPr>
+          <p:cNvPr id="2" name="Title 1"/>
+          <p:cNvSpPr>
+            <a:spLocks noGrp="1"/>
+          </p:cNvSpPr>
+          <p:nvPr>
+            <p:ph type="ctrTitle"/>
+          </p:nvPr>
+        </p:nvSpPr>
+        <p:spPr>
+          <a:xfrm>
+            <a:off x="685800" y="2130425"/>
+            <a:ext cx="7772400" cy="1470025"/>
+          </a:xfrm>
+        </p:spPr>
+        <p:txBody>
+          <a:bodyPr/>
+          <a:lstStyle/>
+          <a:p>
+            <a:r>
+              <a:rPr lang="en-US" smtClean="0"/>
+              <a:t>Click to edit Master title style</a:t>
+            </a:r>
+            <a:endParaRPr lang="en-IN"/>
+          </a:p>
+        </p:txBody>
+      </p:sp>
+      <p:sp>
+        <p:nvSpPr>
+          <p:cNvPr id="3" name="Subtitle 2"/>
+          <p:cNvSpPr>
+            <a:spLocks noGrp="1"/>
+          </p:cNvSpPr>
+          <p:nvPr>
+            <p:ph type="subTitle" idx="1"/>
+          </p:nvPr>
+        </p:nvSpPr>
+        <p:spPr>
+          <a:xfrm>
+            <a:off x="1371600" y="3886200"/>
+            <a:ext cx="6400800" cy="1752600"/>
+          </a:xfrm>
+        </p:spPr>
+        <p:txBody>
+          <a:bodyPr/>
+          <a:lstStyle>
+            <a:lvl1pPr marL="0" indent="0" algn="ctr">
+              <a:buNone/>
+              <a:defRPr>
+                <a:solidFill>
+                  <a:schemeClr val="tx1">
+                    <a:tint val="75000"/>
+                  </a:schemeClr>
+                </a:solidFill>
+              </a:defRPr>
+            </a:lvl1pPr>
+            <a:lvl2pPr marL="457200" indent="0" algn="ctr">
+              <a:buNone/>
+              <a:defRPr>
+                <a:solidFill>
+                  <a:schemeClr val="tx1">
+                    <a:tint val="75000"/>
+                  </a:schemeClr>
+                </a:solidFill>
+              </a:defRPr>
+            </a:lvl2pPr>
+            <a:lvl3pPr marL="914400" indent="0" algn="ctr">
+              <a:buNone/>
+              <a:defRPr>
+                <a:solidFill>
+                  <a:schemeClr val="tx1">
+                    <a:tint val="75000"/>
+                  </a:schemeClr>
+                </a:solidFill>
+              </a:defRPr>
+            </a:lvl3pPr>
+            <a:lvl4pPr marL="1371600" indent="0" algn="ctr">
+              <a:buNone/>
+              <a:defRPr>
+                <a:solidFill>
+                  <a:schemeClr val="tx1">
+                    <a:tint val="75000"/>
+                  </a:schemeClr>
+                </a:solidFill>
+              </a:defRPr>
+            </a:lvl4pPr>
+            <a:lvl5pPr marL="1828800" indent="0" algn="ctr">
+              <a:buNone/>
+              <a:defRPr>
+                <a:solidFill>
+                  <a:schemeClr val="tx1">
+                    <a:tint val="75000"/>
+                  </a:schemeClr>
+                </a:solidFill>
+              </a:defRPr>
+            </a:lvl5pPr>
+            <a:lvl6pPr marL="2286000" indent="0" algn="ctr">
+              <a:buNone/>
+              <a:defRPr>
+                <a:solidFill>
+                  <a:schemeClr val="tx1">
+                    <a:tint val="75000"/>
+                  </a:schemeClr>
+                </a:solidFill>
+              </a:defRPr>
+            </a:lvl6pPr>
+            <a:lvl7pPr marL="2743200" indent="0" algn="ctr">
+              <a:buNone/>
+              <a:defRPr>
+                <a:solidFill>
+                  <a:schemeClr val="tx1">
+                    <a:tint val="75000"/>
+                  </a:schemeClr>
+                </a:solidFill>
+              </a:defRPr>
+            </a:lvl7pPr>
+            <a:lvl8pPr marL="3200400" indent="0" algn="ctr">
+              <a:buNone/>
+              <a:defRPr>
+                <a:solidFill>
+                  <a:schemeClr val="tx1">
+                    <a:tint val="75000"/>
+                  </a:schemeClr>
+                </a:solidFill>
+              </a:defRPr>
+            </a:lvl8pPr>
+            <a:lvl9pPr marL="3657600" indent="0" algn="ctr">
+              <a:buNone/>
+              <a:defRPr>
+                <a:solidFill>
+                  <a:schemeClr val="tx1">
+                    <a:tint val="75000"/>
+                  </a:schemeClr>
+                </a:solidFill>
+              </a:defRPr>
+            </a:lvl9pPr>
+          </a:lstStyle>
+          <a:p>
+            <a:r>
+              <a:rPr lang="en-US" smtClean="0"/>
+              <a:t>Click to edit Master subtitle style</a:t>
+            </a:r>
+            <a:endParaRPr lang="en-IN"/>
+          </a:p>
+        </p:txBody>
+      </p:sp>
+      <p:sp>
+        <p:nvSpPr>
+          <p:cNvPr id="4" name="Date Placeholder 3"/>
+          <p:cNvSpPr>
+            <a:spLocks noGrp="1"/>
+          </p:cNvSpPr>
+          <p:nvPr>
+            <p:ph type="dt" sz="half" idx="10"/>
+          </p:nvPr>
+        </p:nvSpPr>
+        <p:spPr/>
+        <p:txBody>
+          <a:bodyPr/>
+          <a:lstStyle/>
+          <a:p>
+            <a:fld id="{99E34D90-BA3C-4227-97D9-D226515DCD3D}" type="datetimeFigureOut">
+              <a:rPr lang="en-IN" smtClean="0"/>
+              <a:t>27-05-2020</a:t>
+            </a:fld>
+            <a:endParaRPr lang="en-IN"/>
+          </a:p>
+        </p:txBody>
+      </p:sp>
+      <p:sp>
+        <p:nvSpPr>
+          <p:cNvPr id="5" name="Footer Placeholder 4"/>
+          <p:cNvSpPr>
+            <a:spLocks noGrp="1"/>
+          </p:cNvSpPr>
+          <p:nvPr>
+            <p:ph type="ftr" sz="quarter" idx="11"/>
+          </p:nvPr>
+        </p:nvSpPr>
+        <p:spPr/>
+        <p:txBody>
+          <a:bodyPr/>
+          <a:lstStyle/>
+          <a:p>
+            <a:endParaRPr lang="en-IN"/>
+          </a:p>
+        </p:txBody>
+      </p:sp>
+      <p:sp>
+        <p:nvSpPr>
+          <p:cNvPr id="6" name="Slide Number Placeholder 5"/>
+          <p:cNvSpPr>
+            <a:spLocks noGrp="1"/>
+          </p:cNvSpPr>
+          <p:nvPr>
+            <p:ph type="sldNum" sz="quarter" idx="12"/>
+          </p:nvPr>
+        </p:nvSpPr>
+        <p:spPr/>
+        <p:txBody>
+          <a:bodyPr/>
+          <a:lstStyle/>
+          <a:p>
+            <a:fld id="{EBB4D555-0079-422B-95CC-0B722E0A969E}" type="slidenum">
+              <a:rPr lang="en-IN" smtClean="0"/>
+              <a:t>‹#›</a:t>
+            </a:fld>
+            <a:endParaRPr lang="en-IN"/>
+          </a:p>
+        </p:txBody>
+      </p:sp>
+    </p:spTree>
+    <p:extLst>
+      <p:ext uri="{BB962C8B-B14F-4D97-AF65-F5344CB8AC3E}">
+        <p14:creationId xmlns:p14="http://schemas.microsoft.com/office/powerpoint/2010/main" val="1612958998"/>
+      </p:ext>
+    </p:extLst>
+  </p:cSld>
+  <p:clrMapOvr>
+    <a:masterClrMapping/>
+  </p:clrMapOvr>
+</p:sldLayout>
+</file>
+
+<file path=ppt/slideLayouts/slideLayout13.xml><?xml version="1.0" encoding="utf-8"?>
+<p:sldLayout xmlns:a="http://schemas.openxmlformats.org/drawingml/2006/main" xmlns:r="http://schemas.openxmlformats.org/officeDocument/2006/relationships" xmlns:p="http://schemas.openxmlformats.org/presentationml/2006/main" type="obj" preserve="1">
+  <p:cSld name="Title and Content">
+    <p:spTree>
+      <p:nvGrpSpPr>
+        <p:cNvPr id="1" name=""/>
+        <p:cNvGrpSpPr/>
+        <p:nvPr/>
+      </p:nvGrpSpPr>
+      <p:grpSpPr>
+        <a:xfrm>
+          <a:off x="0" y="0"/>
+          <a:ext cx="0" cy="0"/>
+          <a:chOff x="0" y="0"/>
+          <a:chExt cx="0" cy="0"/>
+        </a:xfrm>
+      </p:grpSpPr>
+      <p:sp>
+        <p:nvSpPr>
+          <p:cNvPr id="2" name="Title 1"/>
+          <p:cNvSpPr>
+            <a:spLocks noGrp="1"/>
+          </p:cNvSpPr>
+          <p:nvPr>
+            <p:ph type="title"/>
+          </p:nvPr>
+        </p:nvSpPr>
+        <p:spPr/>
+        <p:txBody>
+          <a:bodyPr/>
+          <a:lstStyle/>
+          <a:p>
+            <a:r>
+              <a:rPr lang="en-US" smtClean="0"/>
+              <a:t>Click to edit Master title style</a:t>
+            </a:r>
+            <a:endParaRPr lang="en-IN"/>
+          </a:p>
+        </p:txBody>
+      </p:sp>
+      <p:sp>
+        <p:nvSpPr>
+          <p:cNvPr id="3" name="Content Placeholder 2"/>
+          <p:cNvSpPr>
+            <a:spLocks noGrp="1"/>
+          </p:cNvSpPr>
+          <p:nvPr>
+            <p:ph idx="1"/>
+          </p:nvPr>
+        </p:nvSpPr>
+        <p:spPr/>
+        <p:txBody>
+          <a:bodyPr/>
+          <a:lstStyle/>
+          <a:p>
+            <a:pPr lvl="0"/>
+            <a:r>
+              <a:rPr lang="en-US" smtClean="0"/>
+              <a:t>Click to edit Master text styles</a:t>
+            </a:r>
+          </a:p>
+          <a:p>
+            <a:pPr lvl="1"/>
+            <a:r>
+              <a:rPr lang="en-US" smtClean="0"/>
+              <a:t>Second level</a:t>
+            </a:r>
+          </a:p>
+          <a:p>
+            <a:pPr lvl="2"/>
+            <a:r>
+              <a:rPr lang="en-US" smtClean="0"/>
+              <a:t>Third level</a:t>
+            </a:r>
+          </a:p>
+          <a:p>
+            <a:pPr lvl="3"/>
+            <a:r>
+              <a:rPr lang="en-US" smtClean="0"/>
+              <a:t>Fourth level</a:t>
+            </a:r>
+          </a:p>
+          <a:p>
+            <a:pPr lvl="4"/>
+            <a:r>
+              <a:rPr lang="en-US" smtClean="0"/>
+              <a:t>Fifth level</a:t>
+            </a:r>
+            <a:endParaRPr lang="en-IN"/>
+          </a:p>
+        </p:txBody>
+      </p:sp>
+      <p:sp>
+        <p:nvSpPr>
+          <p:cNvPr id="4" name="Date Placeholder 3"/>
+          <p:cNvSpPr>
+            <a:spLocks noGrp="1"/>
+          </p:cNvSpPr>
+          <p:nvPr>
+            <p:ph type="dt" sz="half" idx="10"/>
+          </p:nvPr>
+        </p:nvSpPr>
+        <p:spPr/>
+        <p:txBody>
+          <a:bodyPr/>
+          <a:lstStyle/>
+          <a:p>
+            <a:fld id="{99E34D90-BA3C-4227-97D9-D226515DCD3D}" type="datetimeFigureOut">
+              <a:rPr lang="en-IN" smtClean="0"/>
+              <a:t>27-05-2020</a:t>
+            </a:fld>
+            <a:endParaRPr lang="en-IN"/>
+          </a:p>
+        </p:txBody>
+      </p:sp>
+      <p:sp>
+        <p:nvSpPr>
+          <p:cNvPr id="5" name="Footer Placeholder 4"/>
+          <p:cNvSpPr>
+            <a:spLocks noGrp="1"/>
+          </p:cNvSpPr>
+          <p:nvPr>
+            <p:ph type="ftr" sz="quarter" idx="11"/>
+          </p:nvPr>
+        </p:nvSpPr>
+        <p:spPr/>
+        <p:txBody>
+          <a:bodyPr/>
+          <a:lstStyle/>
+          <a:p>
+            <a:endParaRPr lang="en-IN"/>
+          </a:p>
+        </p:txBody>
+      </p:sp>
+      <p:sp>
+        <p:nvSpPr>
+          <p:cNvPr id="6" name="Slide Number Placeholder 5"/>
+          <p:cNvSpPr>
+            <a:spLocks noGrp="1"/>
+          </p:cNvSpPr>
+          <p:nvPr>
+            <p:ph type="sldNum" sz="quarter" idx="12"/>
+          </p:nvPr>
+        </p:nvSpPr>
+        <p:spPr/>
+        <p:txBody>
+          <a:bodyPr/>
+          <a:lstStyle/>
+          <a:p>
+            <a:fld id="{EBB4D555-0079-422B-95CC-0B722E0A969E}" type="slidenum">
+              <a:rPr lang="en-IN" smtClean="0"/>
+              <a:t>‹#›</a:t>
+            </a:fld>
+            <a:endParaRPr lang="en-IN"/>
+          </a:p>
+        </p:txBody>
+      </p:sp>
+    </p:spTree>
+    <p:extLst>
+      <p:ext uri="{BB962C8B-B14F-4D97-AF65-F5344CB8AC3E}">
+        <p14:creationId xmlns:p14="http://schemas.microsoft.com/office/powerpoint/2010/main" val="1699107335"/>
+      </p:ext>
+    </p:extLst>
+  </p:cSld>
+  <p:clrMapOvr>
+    <a:masterClrMapping/>
+  </p:clrMapOvr>
+</p:sldLayout>
+</file>
+
+<file path=ppt/slideLayouts/slideLayout14.xml><?xml version="1.0" encoding="utf-8"?>
+<p:sldLayout xmlns:a="http://schemas.openxmlformats.org/drawingml/2006/main" xmlns:r="http://schemas.openxmlformats.org/officeDocument/2006/relationships" xmlns:p="http://schemas.openxmlformats.org/presentationml/2006/main" type="secHead" preserve="1">
+  <p:cSld name="Section Header">
+    <p:spTree>
+      <p:nvGrpSpPr>
+        <p:cNvPr id="1" name=""/>
+        <p:cNvGrpSpPr/>
+        <p:nvPr/>
+      </p:nvGrpSpPr>
+      <p:grpSpPr>
+        <a:xfrm>
+          <a:off x="0" y="0"/>
+          <a:ext cx="0" cy="0"/>
+          <a:chOff x="0" y="0"/>
+          <a:chExt cx="0" cy="0"/>
+        </a:xfrm>
+      </p:grpSpPr>
+      <p:sp>
+        <p:nvSpPr>
+          <p:cNvPr id="2" name="Title 1"/>
+          <p:cNvSpPr>
+            <a:spLocks noGrp="1"/>
+          </p:cNvSpPr>
+          <p:nvPr>
+            <p:ph type="title"/>
+          </p:nvPr>
+        </p:nvSpPr>
+        <p:spPr>
+          <a:xfrm>
+            <a:off x="722313" y="4406900"/>
+            <a:ext cx="7772400" cy="1362075"/>
+          </a:xfrm>
+        </p:spPr>
+        <p:txBody>
+          <a:bodyPr anchor="t"/>
+          <a:lstStyle>
+            <a:lvl1pPr algn="l">
+              <a:defRPr sz="4000" b="1" cap="all"/>
+            </a:lvl1pPr>
+          </a:lstStyle>
+          <a:p>
+            <a:r>
+              <a:rPr lang="en-US" smtClean="0"/>
+              <a:t>Click to edit Master title style</a:t>
+            </a:r>
+            <a:endParaRPr lang="en-IN"/>
+          </a:p>
+        </p:txBody>
+      </p:sp>
+      <p:sp>
+        <p:nvSpPr>
+          <p:cNvPr id="3" name="Text Placeholder 2"/>
+          <p:cNvSpPr>
+            <a:spLocks noGrp="1"/>
+          </p:cNvSpPr>
+          <p:nvPr>
+            <p:ph type="body" idx="1"/>
+          </p:nvPr>
+        </p:nvSpPr>
+        <p:spPr>
+          <a:xfrm>
+            <a:off x="722313" y="2906713"/>
+            <a:ext cx="7772400" cy="1500187"/>
+          </a:xfrm>
+        </p:spPr>
+        <p:txBody>
+          <a:bodyPr anchor="b"/>
+          <a:lstStyle>
+            <a:lvl1pPr marL="0" indent="0">
+              <a:buNone/>
+              <a:defRPr sz="2000">
+                <a:solidFill>
+                  <a:schemeClr val="tx1">
+                    <a:tint val="75000"/>
+                  </a:schemeClr>
+                </a:solidFill>
+              </a:defRPr>
+            </a:lvl1pPr>
+            <a:lvl2pPr marL="457200" indent="0">
+              <a:buNone/>
+              <a:defRPr sz="1800">
+                <a:solidFill>
+                  <a:schemeClr val="tx1">
+                    <a:tint val="75000"/>
+                  </a:schemeClr>
+                </a:solidFill>
+              </a:defRPr>
+            </a:lvl2pPr>
+            <a:lvl3pPr marL="914400" indent="0">
+              <a:buNone/>
+              <a:defRPr sz="1600">
+                <a:solidFill>
+                  <a:schemeClr val="tx1">
+                    <a:tint val="75000"/>
+                  </a:schemeClr>
+                </a:solidFill>
+              </a:defRPr>
+            </a:lvl3pPr>
+            <a:lvl4pPr marL="1371600" indent="0">
+              <a:buNone/>
+              <a:defRPr sz="1400">
+                <a:solidFill>
+                  <a:schemeClr val="tx1">
+                    <a:tint val="75000"/>
+                  </a:schemeClr>
+                </a:solidFill>
+              </a:defRPr>
+            </a:lvl4pPr>
+            <a:lvl5pPr marL="1828800" indent="0">
+              <a:buNone/>
+              <a:defRPr sz="1400">
+                <a:solidFill>
+                  <a:schemeClr val="tx1">
+                    <a:tint val="75000"/>
+                  </a:schemeClr>
+                </a:solidFill>
+              </a:defRPr>
+            </a:lvl5pPr>
+            <a:lvl6pPr marL="2286000" indent="0">
+              <a:buNone/>
+              <a:defRPr sz="1400">
+                <a:solidFill>
+                  <a:schemeClr val="tx1">
+                    <a:tint val="75000"/>
+                  </a:schemeClr>
+                </a:solidFill>
+              </a:defRPr>
+            </a:lvl6pPr>
+            <a:lvl7pPr marL="2743200" indent="0">
+              <a:buNone/>
+              <a:defRPr sz="1400">
+                <a:solidFill>
+                  <a:schemeClr val="tx1">
+                    <a:tint val="75000"/>
+                  </a:schemeClr>
+                </a:solidFill>
+              </a:defRPr>
+            </a:lvl7pPr>
+            <a:lvl8pPr marL="3200400" indent="0">
+              <a:buNone/>
+              <a:defRPr sz="1400">
+                <a:solidFill>
+                  <a:schemeClr val="tx1">
+                    <a:tint val="75000"/>
+                  </a:schemeClr>
+                </a:solidFill>
+              </a:defRPr>
+            </a:lvl8pPr>
+            <a:lvl9pPr marL="3657600" indent="0">
+              <a:buNone/>
+              <a:defRPr sz="1400">
+                <a:solidFill>
+                  <a:schemeClr val="tx1">
+                    <a:tint val="75000"/>
+                  </a:schemeClr>
+                </a:solidFill>
+              </a:defRPr>
+            </a:lvl9pPr>
+          </a:lstStyle>
+          <a:p>
+            <a:pPr lvl="0"/>
+            <a:r>
+              <a:rPr lang="en-US" smtClean="0"/>
+              <a:t>Click to edit Master text styles</a:t>
+            </a:r>
+          </a:p>
+        </p:txBody>
+      </p:sp>
+      <p:sp>
+        <p:nvSpPr>
+          <p:cNvPr id="4" name="Date Placeholder 3"/>
+          <p:cNvSpPr>
+            <a:spLocks noGrp="1"/>
+          </p:cNvSpPr>
+          <p:nvPr>
+            <p:ph type="dt" sz="half" idx="10"/>
+          </p:nvPr>
+        </p:nvSpPr>
+        <p:spPr/>
+        <p:txBody>
+          <a:bodyPr/>
+          <a:lstStyle/>
+          <a:p>
+            <a:fld id="{99E34D90-BA3C-4227-97D9-D226515DCD3D}" type="datetimeFigureOut">
+              <a:rPr lang="en-IN" smtClean="0"/>
+              <a:t>27-05-2020</a:t>
+            </a:fld>
+            <a:endParaRPr lang="en-IN"/>
+          </a:p>
+        </p:txBody>
+      </p:sp>
+      <p:sp>
+        <p:nvSpPr>
+          <p:cNvPr id="5" name="Footer Placeholder 4"/>
+          <p:cNvSpPr>
+            <a:spLocks noGrp="1"/>
+          </p:cNvSpPr>
+          <p:nvPr>
+            <p:ph type="ftr" sz="quarter" idx="11"/>
+          </p:nvPr>
+        </p:nvSpPr>
+        <p:spPr/>
+        <p:txBody>
+          <a:bodyPr/>
+          <a:lstStyle/>
+          <a:p>
+            <a:endParaRPr lang="en-IN"/>
+          </a:p>
+        </p:txBody>
+      </p:sp>
+      <p:sp>
+        <p:nvSpPr>
+          <p:cNvPr id="6" name="Slide Number Placeholder 5"/>
+          <p:cNvSpPr>
+            <a:spLocks noGrp="1"/>
+          </p:cNvSpPr>
+          <p:nvPr>
+            <p:ph type="sldNum" sz="quarter" idx="12"/>
+          </p:nvPr>
+        </p:nvSpPr>
+        <p:spPr/>
+        <p:txBody>
+          <a:bodyPr/>
+          <a:lstStyle/>
+          <a:p>
+            <a:fld id="{EBB4D555-0079-422B-95CC-0B722E0A969E}" type="slidenum">
+              <a:rPr lang="en-IN" smtClean="0"/>
+              <a:t>‹#›</a:t>
+            </a:fld>
+            <a:endParaRPr lang="en-IN"/>
+          </a:p>
+        </p:txBody>
+      </p:sp>
+    </p:spTree>
+    <p:extLst>
+      <p:ext uri="{BB962C8B-B14F-4D97-AF65-F5344CB8AC3E}">
+        <p14:creationId xmlns:p14="http://schemas.microsoft.com/office/powerpoint/2010/main" val="2805354011"/>
+      </p:ext>
+    </p:extLst>
+  </p:cSld>
+  <p:clrMapOvr>
+    <a:masterClrMapping/>
+  </p:clrMapOvr>
+</p:sldLayout>
+</file>
+
+<file path=ppt/slideLayouts/slideLayout15.xml><?xml version="1.0" encoding="utf-8"?>
+<p:sldLayout xmlns:a="http://schemas.openxmlformats.org/drawingml/2006/main" xmlns:r="http://schemas.openxmlformats.org/officeDocument/2006/relationships" xmlns:p="http://schemas.openxmlformats.org/presentationml/2006/main" type="twoObj" preserve="1">
+  <p:cSld name="Two Content">
+    <p:spTree>
+      <p:nvGrpSpPr>
+        <p:cNvPr id="1" name=""/>
+        <p:cNvGrpSpPr/>
+        <p:nvPr/>
+      </p:nvGrpSpPr>
+      <p:grpSpPr>
+        <a:xfrm>
+          <a:off x="0" y="0"/>
+          <a:ext cx="0" cy="0"/>
+          <a:chOff x="0" y="0"/>
+          <a:chExt cx="0" cy="0"/>
+        </a:xfrm>
+      </p:grpSpPr>
+      <p:sp>
+        <p:nvSpPr>
+          <p:cNvPr id="2" name="Title 1"/>
+          <p:cNvSpPr>
+            <a:spLocks noGrp="1"/>
+          </p:cNvSpPr>
+          <p:nvPr>
+            <p:ph type="title"/>
+          </p:nvPr>
+        </p:nvSpPr>
+        <p:spPr/>
+        <p:txBody>
+          <a:bodyPr/>
+          <a:lstStyle/>
+          <a:p>
+            <a:r>
+              <a:rPr lang="en-US" smtClean="0"/>
+              <a:t>Click to edit Master title style</a:t>
+            </a:r>
+            <a:endParaRPr lang="en-IN"/>
+          </a:p>
+        </p:txBody>
+      </p:sp>
+      <p:sp>
+        <p:nvSpPr>
+          <p:cNvPr id="3" name="Content Placeholder 2"/>
+          <p:cNvSpPr>
+            <a:spLocks noGrp="1"/>
+          </p:cNvSpPr>
+          <p:nvPr>
+            <p:ph sz="half" idx="1"/>
+          </p:nvPr>
+        </p:nvSpPr>
+        <p:spPr>
+          <a:xfrm>
+            <a:off x="457200" y="1600200"/>
+            <a:ext cx="4038600" cy="4525963"/>
+          </a:xfrm>
+        </p:spPr>
+        <p:txBody>
+          <a:bodyPr/>
+          <a:lstStyle>
+            <a:lvl1pPr>
+              <a:defRPr sz="2800"/>
+            </a:lvl1pPr>
+            <a:lvl2pPr>
+              <a:defRPr sz="2400"/>
+            </a:lvl2pPr>
+            <a:lvl3pPr>
+              <a:defRPr sz="2000"/>
+            </a:lvl3pPr>
+            <a:lvl4pPr>
+              <a:defRPr sz="1800"/>
+            </a:lvl4pPr>
+            <a:lvl5pPr>
+              <a:defRPr sz="1800"/>
+            </a:lvl5pPr>
+            <a:lvl6pPr>
+              <a:defRPr sz="1800"/>
+            </a:lvl6pPr>
+            <a:lvl7pPr>
+              <a:defRPr sz="1800"/>
+            </a:lvl7pPr>
+            <a:lvl8pPr>
+              <a:defRPr sz="1800"/>
+            </a:lvl8pPr>
+            <a:lvl9pPr>
+              <a:defRPr sz="1800"/>
+            </a:lvl9pPr>
+          </a:lstStyle>
+          <a:p>
+            <a:pPr lvl="0"/>
+            <a:r>
+              <a:rPr lang="en-US" smtClean="0"/>
+              <a:t>Click to edit Master text styles</a:t>
+            </a:r>
+          </a:p>
+          <a:p>
+            <a:pPr lvl="1"/>
+            <a:r>
+              <a:rPr lang="en-US" smtClean="0"/>
+              <a:t>Second level</a:t>
+            </a:r>
+          </a:p>
+          <a:p>
+            <a:pPr lvl="2"/>
+            <a:r>
+              <a:rPr lang="en-US" smtClean="0"/>
+              <a:t>Third level</a:t>
+            </a:r>
+          </a:p>
+          <a:p>
+            <a:pPr lvl="3"/>
+            <a:r>
+              <a:rPr lang="en-US" smtClean="0"/>
+              <a:t>Fourth level</a:t>
+            </a:r>
+          </a:p>
+          <a:p>
+            <a:pPr lvl="4"/>
+            <a:r>
+              <a:rPr lang="en-US" smtClean="0"/>
+              <a:t>Fifth level</a:t>
+            </a:r>
+            <a:endParaRPr lang="en-IN"/>
+          </a:p>
+        </p:txBody>
+      </p:sp>
+      <p:sp>
+        <p:nvSpPr>
+          <p:cNvPr id="4" name="Content Placeholder 3"/>
+          <p:cNvSpPr>
+            <a:spLocks noGrp="1"/>
+          </p:cNvSpPr>
+          <p:nvPr>
+            <p:ph sz="half" idx="2"/>
+          </p:nvPr>
+        </p:nvSpPr>
+        <p:spPr>
+          <a:xfrm>
+            <a:off x="4648200" y="1600200"/>
+            <a:ext cx="4038600" cy="4525963"/>
+          </a:xfrm>
+        </p:spPr>
+        <p:txBody>
+          <a:bodyPr/>
+          <a:lstStyle>
+            <a:lvl1pPr>
+              <a:defRPr sz="2800"/>
+            </a:lvl1pPr>
+            <a:lvl2pPr>
+              <a:defRPr sz="2400"/>
+            </a:lvl2pPr>
+            <a:lvl3pPr>
+              <a:defRPr sz="2000"/>
+            </a:lvl3pPr>
+            <a:lvl4pPr>
+              <a:defRPr sz="1800"/>
+            </a:lvl4pPr>
+            <a:lvl5pPr>
+              <a:defRPr sz="1800"/>
+            </a:lvl5pPr>
+            <a:lvl6pPr>
+              <a:defRPr sz="1800"/>
+            </a:lvl6pPr>
+            <a:lvl7pPr>
+              <a:defRPr sz="1800"/>
+            </a:lvl7pPr>
+            <a:lvl8pPr>
+              <a:defRPr sz="1800"/>
+            </a:lvl8pPr>
+            <a:lvl9pPr>
+              <a:defRPr sz="1800"/>
+            </a:lvl9pPr>
+          </a:lstStyle>
+          <a:p>
+            <a:pPr lvl="0"/>
+            <a:r>
+              <a:rPr lang="en-US" smtClean="0"/>
+              <a:t>Click to edit Master text styles</a:t>
+            </a:r>
+          </a:p>
+          <a:p>
+            <a:pPr lvl="1"/>
+            <a:r>
+              <a:rPr lang="en-US" smtClean="0"/>
+              <a:t>Second level</a:t>
+            </a:r>
+          </a:p>
+          <a:p>
+            <a:pPr lvl="2"/>
+            <a:r>
+              <a:rPr lang="en-US" smtClean="0"/>
+              <a:t>Third level</a:t>
+            </a:r>
+          </a:p>
+          <a:p>
+            <a:pPr lvl="3"/>
+            <a:r>
+              <a:rPr lang="en-US" smtClean="0"/>
+              <a:t>Fourth level</a:t>
+            </a:r>
+          </a:p>
+          <a:p>
+            <a:pPr lvl="4"/>
+            <a:r>
+              <a:rPr lang="en-US" smtClean="0"/>
+              <a:t>Fifth level</a:t>
+            </a:r>
+            <a:endParaRPr lang="en-IN"/>
+          </a:p>
+        </p:txBody>
+      </p:sp>
+      <p:sp>
+        <p:nvSpPr>
+          <p:cNvPr id="5" name="Date Placeholder 4"/>
+          <p:cNvSpPr>
+            <a:spLocks noGrp="1"/>
+          </p:cNvSpPr>
+          <p:nvPr>
+            <p:ph type="dt" sz="half" idx="10"/>
+          </p:nvPr>
+        </p:nvSpPr>
+        <p:spPr/>
+        <p:txBody>
+          <a:bodyPr/>
+          <a:lstStyle/>
+          <a:p>
+            <a:fld id="{99E34D90-BA3C-4227-97D9-D226515DCD3D}" type="datetimeFigureOut">
+              <a:rPr lang="en-IN" smtClean="0"/>
+              <a:t>27-05-2020</a:t>
+            </a:fld>
+            <a:endParaRPr lang="en-IN"/>
+          </a:p>
+        </p:txBody>
+      </p:sp>
+      <p:sp>
+        <p:nvSpPr>
+          <p:cNvPr id="6" name="Footer Placeholder 5"/>
+          <p:cNvSpPr>
+            <a:spLocks noGrp="1"/>
+          </p:cNvSpPr>
+          <p:nvPr>
+            <p:ph type="ftr" sz="quarter" idx="11"/>
+          </p:nvPr>
+        </p:nvSpPr>
+        <p:spPr/>
+        <p:txBody>
+          <a:bodyPr/>
+          <a:lstStyle/>
+          <a:p>
+            <a:endParaRPr lang="en-IN"/>
+          </a:p>
+        </p:txBody>
+      </p:sp>
+      <p:sp>
+        <p:nvSpPr>
+          <p:cNvPr id="7" name="Slide Number Placeholder 6"/>
+          <p:cNvSpPr>
+            <a:spLocks noGrp="1"/>
+          </p:cNvSpPr>
+          <p:nvPr>
+            <p:ph type="sldNum" sz="quarter" idx="12"/>
+          </p:nvPr>
+        </p:nvSpPr>
+        <p:spPr/>
+        <p:txBody>
+          <a:bodyPr/>
+          <a:lstStyle/>
+          <a:p>
+            <a:fld id="{EBB4D555-0079-422B-95CC-0B722E0A969E}" type="slidenum">
+              <a:rPr lang="en-IN" smtClean="0"/>
+              <a:t>‹#›</a:t>
+            </a:fld>
+            <a:endParaRPr lang="en-IN"/>
+          </a:p>
+        </p:txBody>
+      </p:sp>
+    </p:spTree>
+    <p:extLst>
+      <p:ext uri="{BB962C8B-B14F-4D97-AF65-F5344CB8AC3E}">
+        <p14:creationId xmlns:p14="http://schemas.microsoft.com/office/powerpoint/2010/main" val="1608328640"/>
+      </p:ext>
+    </p:extLst>
+  </p:cSld>
+  <p:clrMapOvr>
+    <a:masterClrMapping/>
+  </p:clrMapOvr>
+</p:sldLayout>
+</file>
+
+<file path=ppt/slideLayouts/slideLayout16.xml><?xml version="1.0" encoding="utf-8"?>
+<p:sldLayout xmlns:a="http://schemas.openxmlformats.org/drawingml/2006/main" xmlns:r="http://schemas.openxmlformats.org/officeDocument/2006/relationships" xmlns:p="http://schemas.openxmlformats.org/presentationml/2006/main" type="twoTxTwoObj" preserve="1">
+  <p:cSld name="Comparison">
+    <p:spTree>
+      <p:nvGrpSpPr>
+        <p:cNvPr id="1" name=""/>
+        <p:cNvGrpSpPr/>
+        <p:nvPr/>
+      </p:nvGrpSpPr>
+      <p:grpSpPr>
+        <a:xfrm>
+          <a:off x="0" y="0"/>
+          <a:ext cx="0" cy="0"/>
+          <a:chOff x="0" y="0"/>
+          <a:chExt cx="0" cy="0"/>
+        </a:xfrm>
+      </p:grpSpPr>
+      <p:sp>
+        <p:nvSpPr>
+          <p:cNvPr id="2" name="Title 1"/>
+          <p:cNvSpPr>
+            <a:spLocks noGrp="1"/>
+          </p:cNvSpPr>
+          <p:nvPr>
+            <p:ph type="title"/>
+          </p:nvPr>
+        </p:nvSpPr>
+        <p:spPr/>
+        <p:txBody>
+          <a:bodyPr/>
+          <a:lstStyle>
+            <a:lvl1pPr>
+              <a:defRPr/>
+            </a:lvl1pPr>
+          </a:lstStyle>
+          <a:p>
+            <a:r>
+              <a:rPr lang="en-US" smtClean="0"/>
+              <a:t>Click to edit Master title style</a:t>
+            </a:r>
+            <a:endParaRPr lang="en-IN"/>
+          </a:p>
+        </p:txBody>
+      </p:sp>
+      <p:sp>
+        <p:nvSpPr>
+          <p:cNvPr id="3" name="Text Placeholder 2"/>
+          <p:cNvSpPr>
+            <a:spLocks noGrp="1"/>
+          </p:cNvSpPr>
+          <p:nvPr>
+            <p:ph type="body" idx="1"/>
+          </p:nvPr>
+        </p:nvSpPr>
+        <p:spPr>
+          <a:xfrm>
+            <a:off x="457200" y="1535113"/>
+            <a:ext cx="4040188" cy="639762"/>
+          </a:xfrm>
+        </p:spPr>
+        <p:txBody>
+          <a:bodyPr anchor="b"/>
+          <a:lstStyle>
+            <a:lvl1pPr marL="0" indent="0">
+              <a:buNone/>
+              <a:defRPr sz="2400" b="1"/>
+            </a:lvl1pPr>
+            <a:lvl2pPr marL="457200" indent="0">
+              <a:buNone/>
+              <a:defRPr sz="2000" b="1"/>
+            </a:lvl2pPr>
+            <a:lvl3pPr marL="914400" indent="0">
+              <a:buNone/>
+              <a:defRPr sz="1800" b="1"/>
+            </a:lvl3pPr>
+            <a:lvl4pPr marL="1371600" indent="0">
+              <a:buNone/>
+              <a:defRPr sz="1600" b="1"/>
+            </a:lvl4pPr>
+            <a:lvl5pPr marL="1828800" indent="0">
+              <a:buNone/>
+              <a:defRPr sz="1600" b="1"/>
+            </a:lvl5pPr>
+            <a:lvl6pPr marL="2286000" indent="0">
+              <a:buNone/>
+              <a:defRPr sz="1600" b="1"/>
+            </a:lvl6pPr>
+            <a:lvl7pPr marL="2743200" indent="0">
+              <a:buNone/>
+              <a:defRPr sz="1600" b="1"/>
+            </a:lvl7pPr>
+            <a:lvl8pPr marL="3200400" indent="0">
+              <a:buNone/>
+              <a:defRPr sz="1600" b="1"/>
+            </a:lvl8pPr>
+            <a:lvl9pPr marL="3657600" indent="0">
+              <a:buNone/>
+              <a:defRPr sz="1600" b="1"/>
+            </a:lvl9pPr>
+          </a:lstStyle>
+          <a:p>
+            <a:pPr lvl="0"/>
+            <a:r>
+              <a:rPr lang="en-US" smtClean="0"/>
+              <a:t>Click to edit Master text styles</a:t>
+            </a:r>
+          </a:p>
+        </p:txBody>
+      </p:sp>
+      <p:sp>
+        <p:nvSpPr>
+          <p:cNvPr id="4" name="Content Placeholder 3"/>
+          <p:cNvSpPr>
+            <a:spLocks noGrp="1"/>
+          </p:cNvSpPr>
+          <p:nvPr>
+            <p:ph sz="half" idx="2"/>
+          </p:nvPr>
+        </p:nvSpPr>
+        <p:spPr>
+          <a:xfrm>
+            <a:off x="457200" y="2174875"/>
+            <a:ext cx="4040188" cy="3951288"/>
+          </a:xfrm>
+        </p:spPr>
+        <p:txBody>
+          <a:bodyPr/>
+          <a:lstStyle>
+            <a:lvl1pPr>
+              <a:defRPr sz="2400"/>
+            </a:lvl1pPr>
+            <a:lvl2pPr>
+              <a:defRPr sz="2000"/>
+            </a:lvl2pPr>
+            <a:lvl3pPr>
+              <a:defRPr sz="1800"/>
+            </a:lvl3pPr>
+            <a:lvl4pPr>
+              <a:defRPr sz="1600"/>
+            </a:lvl4pPr>
+            <a:lvl5pPr>
+              <a:defRPr sz="1600"/>
+            </a:lvl5pPr>
+            <a:lvl6pPr>
+              <a:defRPr sz="1600"/>
+            </a:lvl6pPr>
+            <a:lvl7pPr>
+              <a:defRPr sz="1600"/>
+            </a:lvl7pPr>
+            <a:lvl8pPr>
+              <a:defRPr sz="1600"/>
+            </a:lvl8pPr>
+            <a:lvl9pPr>
+              <a:defRPr sz="1600"/>
+            </a:lvl9pPr>
+          </a:lstStyle>
+          <a:p>
+            <a:pPr lvl="0"/>
+            <a:r>
+              <a:rPr lang="en-US" smtClean="0"/>
+              <a:t>Click to edit Master text styles</a:t>
+            </a:r>
+          </a:p>
+          <a:p>
+            <a:pPr lvl="1"/>
+            <a:r>
+              <a:rPr lang="en-US" smtClean="0"/>
+              <a:t>Second level</a:t>
+            </a:r>
+          </a:p>
+          <a:p>
+            <a:pPr lvl="2"/>
+            <a:r>
+              <a:rPr lang="en-US" smtClean="0"/>
+              <a:t>Third level</a:t>
+            </a:r>
+          </a:p>
+          <a:p>
+            <a:pPr lvl="3"/>
+            <a:r>
+              <a:rPr lang="en-US" smtClean="0"/>
+              <a:t>Fourth level</a:t>
+            </a:r>
+          </a:p>
+          <a:p>
+            <a:pPr lvl="4"/>
+            <a:r>
+              <a:rPr lang="en-US" smtClean="0"/>
+              <a:t>Fifth level</a:t>
+            </a:r>
+            <a:endParaRPr lang="en-IN"/>
+          </a:p>
+        </p:txBody>
+      </p:sp>
+      <p:sp>
+        <p:nvSpPr>
+          <p:cNvPr id="5" name="Text Placeholder 4"/>
+          <p:cNvSpPr>
+            <a:spLocks noGrp="1"/>
+          </p:cNvSpPr>
+          <p:nvPr>
+            <p:ph type="body" sz="quarter" idx="3"/>
+          </p:nvPr>
+        </p:nvSpPr>
+        <p:spPr>
+          <a:xfrm>
+            <a:off x="4645025" y="1535113"/>
+            <a:ext cx="4041775" cy="639762"/>
+          </a:xfrm>
+        </p:spPr>
+        <p:txBody>
+          <a:bodyPr anchor="b"/>
+          <a:lstStyle>
+            <a:lvl1pPr marL="0" indent="0">
+              <a:buNone/>
+              <a:defRPr sz="2400" b="1"/>
+            </a:lvl1pPr>
+            <a:lvl2pPr marL="457200" indent="0">
+              <a:buNone/>
+              <a:defRPr sz="2000" b="1"/>
+            </a:lvl2pPr>
+            <a:lvl3pPr marL="914400" indent="0">
+              <a:buNone/>
+              <a:defRPr sz="1800" b="1"/>
+            </a:lvl3pPr>
+            <a:lvl4pPr marL="1371600" indent="0">
+              <a:buNone/>
+              <a:defRPr sz="1600" b="1"/>
+            </a:lvl4pPr>
+            <a:lvl5pPr marL="1828800" indent="0">
+              <a:buNone/>
+              <a:defRPr sz="1600" b="1"/>
+            </a:lvl5pPr>
+            <a:lvl6pPr marL="2286000" indent="0">
+              <a:buNone/>
+              <a:defRPr sz="1600" b="1"/>
+            </a:lvl6pPr>
+            <a:lvl7pPr marL="2743200" indent="0">
+              <a:buNone/>
+              <a:defRPr sz="1600" b="1"/>
+            </a:lvl7pPr>
+            <a:lvl8pPr marL="3200400" indent="0">
+              <a:buNone/>
+              <a:defRPr sz="1600" b="1"/>
+            </a:lvl8pPr>
+            <a:lvl9pPr marL="3657600" indent="0">
+              <a:buNone/>
+              <a:defRPr sz="1600" b="1"/>
+            </a:lvl9pPr>
+          </a:lstStyle>
+          <a:p>
+            <a:pPr lvl="0"/>
+            <a:r>
+              <a:rPr lang="en-US" smtClean="0"/>
+              <a:t>Click to edit Master text styles</a:t>
+            </a:r>
+          </a:p>
+        </p:txBody>
+      </p:sp>
+      <p:sp>
+        <p:nvSpPr>
+          <p:cNvPr id="6" name="Content Placeholder 5"/>
+          <p:cNvSpPr>
+            <a:spLocks noGrp="1"/>
+          </p:cNvSpPr>
+          <p:nvPr>
+            <p:ph sz="quarter" idx="4"/>
+          </p:nvPr>
+        </p:nvSpPr>
+        <p:spPr>
+          <a:xfrm>
+            <a:off x="4645025" y="2174875"/>
+            <a:ext cx="4041775" cy="3951288"/>
+          </a:xfrm>
+        </p:spPr>
+        <p:txBody>
+          <a:bodyPr/>
+          <a:lstStyle>
+            <a:lvl1pPr>
+              <a:defRPr sz="2400"/>
+            </a:lvl1pPr>
+            <a:lvl2pPr>
+              <a:defRPr sz="2000"/>
+            </a:lvl2pPr>
+            <a:lvl3pPr>
+              <a:defRPr sz="1800"/>
+            </a:lvl3pPr>
+            <a:lvl4pPr>
+              <a:defRPr sz="1600"/>
+            </a:lvl4pPr>
+            <a:lvl5pPr>
+              <a:defRPr sz="1600"/>
+            </a:lvl5pPr>
+            <a:lvl6pPr>
+              <a:defRPr sz="1600"/>
+            </a:lvl6pPr>
+            <a:lvl7pPr>
+              <a:defRPr sz="1600"/>
+            </a:lvl7pPr>
+            <a:lvl8pPr>
+              <a:defRPr sz="1600"/>
+            </a:lvl8pPr>
+            <a:lvl9pPr>
+              <a:defRPr sz="1600"/>
+            </a:lvl9pPr>
+          </a:lstStyle>
+          <a:p>
+            <a:pPr lvl="0"/>
+            <a:r>
+              <a:rPr lang="en-US" smtClean="0"/>
+              <a:t>Click to edit Master text styles</a:t>
+            </a:r>
+          </a:p>
+          <a:p>
+            <a:pPr lvl="1"/>
+            <a:r>
+              <a:rPr lang="en-US" smtClean="0"/>
+              <a:t>Second level</a:t>
+            </a:r>
+          </a:p>
+          <a:p>
+            <a:pPr lvl="2"/>
+            <a:r>
+              <a:rPr lang="en-US" smtClean="0"/>
+              <a:t>Third level</a:t>
+            </a:r>
+          </a:p>
+          <a:p>
+            <a:pPr lvl="3"/>
+            <a:r>
+              <a:rPr lang="en-US" smtClean="0"/>
+              <a:t>Fourth level</a:t>
+            </a:r>
+          </a:p>
+          <a:p>
+            <a:pPr lvl="4"/>
+            <a:r>
+              <a:rPr lang="en-US" smtClean="0"/>
+              <a:t>Fifth level</a:t>
+            </a:r>
+            <a:endParaRPr lang="en-IN"/>
+          </a:p>
+        </p:txBody>
+      </p:sp>
+      <p:sp>
+        <p:nvSpPr>
+          <p:cNvPr id="7" name="Date Placeholder 6"/>
+          <p:cNvSpPr>
+            <a:spLocks noGrp="1"/>
+          </p:cNvSpPr>
+          <p:nvPr>
+            <p:ph type="dt" sz="half" idx="10"/>
+          </p:nvPr>
+        </p:nvSpPr>
+        <p:spPr/>
+        <p:txBody>
+          <a:bodyPr/>
+          <a:lstStyle/>
+          <a:p>
+            <a:fld id="{99E34D90-BA3C-4227-97D9-D226515DCD3D}" type="datetimeFigureOut">
+              <a:rPr lang="en-IN" smtClean="0"/>
+              <a:t>27-05-2020</a:t>
+            </a:fld>
+            <a:endParaRPr lang="en-IN"/>
+          </a:p>
+        </p:txBody>
+      </p:sp>
+      <p:sp>
+        <p:nvSpPr>
+          <p:cNvPr id="8" name="Footer Placeholder 7"/>
+          <p:cNvSpPr>
+            <a:spLocks noGrp="1"/>
+          </p:cNvSpPr>
+          <p:nvPr>
+            <p:ph type="ftr" sz="quarter" idx="11"/>
+          </p:nvPr>
+        </p:nvSpPr>
+        <p:spPr/>
+        <p:txBody>
+          <a:bodyPr/>
+          <a:lstStyle/>
+          <a:p>
+            <a:endParaRPr lang="en-IN"/>
+          </a:p>
+        </p:txBody>
+      </p:sp>
+      <p:sp>
+        <p:nvSpPr>
+          <p:cNvPr id="9" name="Slide Number Placeholder 8"/>
+          <p:cNvSpPr>
+            <a:spLocks noGrp="1"/>
+          </p:cNvSpPr>
+          <p:nvPr>
+            <p:ph type="sldNum" sz="quarter" idx="12"/>
+          </p:nvPr>
+        </p:nvSpPr>
+        <p:spPr/>
+        <p:txBody>
+          <a:bodyPr/>
+          <a:lstStyle/>
+          <a:p>
+            <a:fld id="{EBB4D555-0079-422B-95CC-0B722E0A969E}" type="slidenum">
+              <a:rPr lang="en-IN" smtClean="0"/>
+              <a:t>‹#›</a:t>
+            </a:fld>
+            <a:endParaRPr lang="en-IN"/>
+          </a:p>
+        </p:txBody>
+      </p:sp>
+    </p:spTree>
+    <p:extLst>
+      <p:ext uri="{BB962C8B-B14F-4D97-AF65-F5344CB8AC3E}">
+        <p14:creationId xmlns:p14="http://schemas.microsoft.com/office/powerpoint/2010/main" val="1958418279"/>
+      </p:ext>
+    </p:extLst>
+  </p:cSld>
+  <p:clrMapOvr>
+    <a:masterClrMapping/>
+  </p:clrMapOvr>
+</p:sldLayout>
+</file>
+
+<file path=ppt/slideLayouts/slideLayout17.xml><?xml version="1.0" encoding="utf-8"?>
+<p:sldLayout xmlns:a="http://schemas.openxmlformats.org/drawingml/2006/main" xmlns:r="http://schemas.openxmlformats.org/officeDocument/2006/relationships" xmlns:p="http://schemas.openxmlformats.org/presentationml/2006/main" type="titleOnly" preserve="1">
+  <p:cSld name="Title Only">
+    <p:spTree>
+      <p:nvGrpSpPr>
+        <p:cNvPr id="1" name=""/>
+        <p:cNvGrpSpPr/>
+        <p:nvPr/>
+      </p:nvGrpSpPr>
+      <p:grpSpPr>
+        <a:xfrm>
+          <a:off x="0" y="0"/>
+          <a:ext cx="0" cy="0"/>
+          <a:chOff x="0" y="0"/>
+          <a:chExt cx="0" cy="0"/>
+        </a:xfrm>
+      </p:grpSpPr>
+      <p:sp>
+        <p:nvSpPr>
+          <p:cNvPr id="2" name="Title 1"/>
+          <p:cNvSpPr>
+            <a:spLocks noGrp="1"/>
+          </p:cNvSpPr>
+          <p:nvPr>
+            <p:ph type="title"/>
+          </p:nvPr>
+        </p:nvSpPr>
+        <p:spPr/>
+        <p:txBody>
+          <a:bodyPr/>
+          <a:lstStyle/>
+          <a:p>
+            <a:r>
+              <a:rPr lang="en-US" smtClean="0"/>
+              <a:t>Click to edit Master title style</a:t>
+            </a:r>
+            <a:endParaRPr lang="en-IN"/>
+          </a:p>
+        </p:txBody>
+      </p:sp>
+      <p:sp>
+        <p:nvSpPr>
+          <p:cNvPr id="3" name="Date Placeholder 2"/>
+          <p:cNvSpPr>
+            <a:spLocks noGrp="1"/>
+          </p:cNvSpPr>
+          <p:nvPr>
+            <p:ph type="dt" sz="half" idx="10"/>
+          </p:nvPr>
+        </p:nvSpPr>
+        <p:spPr/>
+        <p:txBody>
+          <a:bodyPr/>
+          <a:lstStyle/>
+          <a:p>
+            <a:fld id="{99E34D90-BA3C-4227-97D9-D226515DCD3D}" type="datetimeFigureOut">
+              <a:rPr lang="en-IN" smtClean="0"/>
+              <a:t>27-05-2020</a:t>
+            </a:fld>
+            <a:endParaRPr lang="en-IN"/>
+          </a:p>
+        </p:txBody>
+      </p:sp>
+      <p:sp>
+        <p:nvSpPr>
+          <p:cNvPr id="4" name="Footer Placeholder 3"/>
+          <p:cNvSpPr>
+            <a:spLocks noGrp="1"/>
+          </p:cNvSpPr>
+          <p:nvPr>
+            <p:ph type="ftr" sz="quarter" idx="11"/>
+          </p:nvPr>
+        </p:nvSpPr>
+        <p:spPr/>
+        <p:txBody>
+          <a:bodyPr/>
+          <a:lstStyle/>
+          <a:p>
+            <a:endParaRPr lang="en-IN"/>
+          </a:p>
+        </p:txBody>
+      </p:sp>
+      <p:sp>
+        <p:nvSpPr>
+          <p:cNvPr id="5" name="Slide Number Placeholder 4"/>
+          <p:cNvSpPr>
+            <a:spLocks noGrp="1"/>
+          </p:cNvSpPr>
+          <p:nvPr>
+            <p:ph type="sldNum" sz="quarter" idx="12"/>
+          </p:nvPr>
+        </p:nvSpPr>
+        <p:spPr/>
+        <p:txBody>
+          <a:bodyPr/>
+          <a:lstStyle/>
+          <a:p>
+            <a:fld id="{EBB4D555-0079-422B-95CC-0B722E0A969E}" type="slidenum">
+              <a:rPr lang="en-IN" smtClean="0"/>
+              <a:t>‹#›</a:t>
+            </a:fld>
+            <a:endParaRPr lang="en-IN"/>
+          </a:p>
+        </p:txBody>
+      </p:sp>
+    </p:spTree>
+    <p:extLst>
+      <p:ext uri="{BB962C8B-B14F-4D97-AF65-F5344CB8AC3E}">
+        <p14:creationId xmlns:p14="http://schemas.microsoft.com/office/powerpoint/2010/main" val="3753025455"/>
+      </p:ext>
+    </p:extLst>
+  </p:cSld>
+  <p:clrMapOvr>
+    <a:masterClrMapping/>
+  </p:clrMapOvr>
+</p:sldLayout>
+</file>
+
+<file path=ppt/slideLayouts/slideLayout18.xml><?xml version="1.0" encoding="utf-8"?>
+<p:sldLayout xmlns:a="http://schemas.openxmlformats.org/drawingml/2006/main" xmlns:r="http://schemas.openxmlformats.org/officeDocument/2006/relationships" xmlns:p="http://schemas.openxmlformats.org/presentationml/2006/main" type="blank" preserve="1">
+  <p:cSld name="Blank">
+    <p:spTree>
+      <p:nvGrpSpPr>
+        <p:cNvPr id="1" name=""/>
+        <p:cNvGrpSpPr/>
+        <p:nvPr/>
+      </p:nvGrpSpPr>
+      <p:grpSpPr>
+        <a:xfrm>
+          <a:off x="0" y="0"/>
+          <a:ext cx="0" cy="0"/>
+          <a:chOff x="0" y="0"/>
+          <a:chExt cx="0" cy="0"/>
+        </a:xfrm>
+      </p:grpSpPr>
+      <p:sp>
+        <p:nvSpPr>
+          <p:cNvPr id="2" name="Date Placeholder 1"/>
+          <p:cNvSpPr>
+            <a:spLocks noGrp="1"/>
+          </p:cNvSpPr>
+          <p:nvPr>
+            <p:ph type="dt" sz="half" idx="10"/>
+          </p:nvPr>
+        </p:nvSpPr>
+        <p:spPr/>
+        <p:txBody>
+          <a:bodyPr/>
+          <a:lstStyle/>
+          <a:p>
+            <a:fld id="{99E34D90-BA3C-4227-97D9-D226515DCD3D}" type="datetimeFigureOut">
+              <a:rPr lang="en-IN" smtClean="0"/>
+              <a:t>27-05-2020</a:t>
+            </a:fld>
+            <a:endParaRPr lang="en-IN"/>
+          </a:p>
+        </p:txBody>
+      </p:sp>
+      <p:sp>
+        <p:nvSpPr>
+          <p:cNvPr id="3" name="Footer Placeholder 2"/>
+          <p:cNvSpPr>
+            <a:spLocks noGrp="1"/>
+          </p:cNvSpPr>
+          <p:nvPr>
+            <p:ph type="ftr" sz="quarter" idx="11"/>
+          </p:nvPr>
+        </p:nvSpPr>
+        <p:spPr/>
+        <p:txBody>
+          <a:bodyPr/>
+          <a:lstStyle/>
+          <a:p>
+            <a:endParaRPr lang="en-IN"/>
+          </a:p>
+        </p:txBody>
+      </p:sp>
+      <p:sp>
+        <p:nvSpPr>
+          <p:cNvPr id="4" name="Slide Number Placeholder 3"/>
+          <p:cNvSpPr>
+            <a:spLocks noGrp="1"/>
+          </p:cNvSpPr>
+          <p:nvPr>
+            <p:ph type="sldNum" sz="quarter" idx="12"/>
+          </p:nvPr>
+        </p:nvSpPr>
+        <p:spPr/>
+        <p:txBody>
+          <a:bodyPr/>
+          <a:lstStyle/>
+          <a:p>
+            <a:fld id="{EBB4D555-0079-422B-95CC-0B722E0A969E}" type="slidenum">
+              <a:rPr lang="en-IN" smtClean="0"/>
+              <a:t>‹#›</a:t>
+            </a:fld>
+            <a:endParaRPr lang="en-IN"/>
+          </a:p>
+        </p:txBody>
+      </p:sp>
+    </p:spTree>
+    <p:extLst>
+      <p:ext uri="{BB962C8B-B14F-4D97-AF65-F5344CB8AC3E}">
+        <p14:creationId xmlns:p14="http://schemas.microsoft.com/office/powerpoint/2010/main" val="92967195"/>
+      </p:ext>
+    </p:extLst>
+  </p:cSld>
+  <p:clrMapOvr>
+    <a:masterClrMapping/>
+  </p:clrMapOvr>
+</p:sldLayout>
+</file>
+
+<file path=ppt/slideLayouts/slideLayout19.xml><?xml version="1.0" encoding="utf-8"?>
+<p:sldLayout xmlns:a="http://schemas.openxmlformats.org/drawingml/2006/main" xmlns:r="http://schemas.openxmlformats.org/officeDocument/2006/relationships" xmlns:p="http://schemas.openxmlformats.org/presentationml/2006/main" type="objTx" preserve="1">
+  <p:cSld name="Content with Caption">
+    <p:spTree>
+      <p:nvGrpSpPr>
+        <p:cNvPr id="1" name=""/>
+        <p:cNvGrpSpPr/>
+        <p:nvPr/>
+      </p:nvGrpSpPr>
+      <p:grpSpPr>
+        <a:xfrm>
+          <a:off x="0" y="0"/>
+          <a:ext cx="0" cy="0"/>
+          <a:chOff x="0" y="0"/>
+          <a:chExt cx="0" cy="0"/>
+        </a:xfrm>
+      </p:grpSpPr>
+      <p:sp>
+        <p:nvSpPr>
+          <p:cNvPr id="2" name="Title 1"/>
+          <p:cNvSpPr>
+            <a:spLocks noGrp="1"/>
+          </p:cNvSpPr>
+          <p:nvPr>
+            <p:ph type="title"/>
+          </p:nvPr>
+        </p:nvSpPr>
+        <p:spPr>
+          <a:xfrm>
+            <a:off x="457200" y="273050"/>
+            <a:ext cx="3008313" cy="1162050"/>
+          </a:xfrm>
+        </p:spPr>
+        <p:txBody>
+          <a:bodyPr anchor="b"/>
+          <a:lstStyle>
+            <a:lvl1pPr algn="l">
+              <a:defRPr sz="2000" b="1"/>
+            </a:lvl1pPr>
+          </a:lstStyle>
+          <a:p>
+            <a:r>
+              <a:rPr lang="en-US" smtClean="0"/>
+              <a:t>Click to edit Master title style</a:t>
+            </a:r>
+            <a:endParaRPr lang="en-IN"/>
+          </a:p>
+        </p:txBody>
+      </p:sp>
+      <p:sp>
+        <p:nvSpPr>
+          <p:cNvPr id="3" name="Content Placeholder 2"/>
+          <p:cNvSpPr>
+            <a:spLocks noGrp="1"/>
+          </p:cNvSpPr>
+          <p:nvPr>
+            <p:ph idx="1"/>
+          </p:nvPr>
+        </p:nvSpPr>
+        <p:spPr>
+          <a:xfrm>
+            <a:off x="3575050" y="273050"/>
+            <a:ext cx="5111750" cy="5853113"/>
+          </a:xfrm>
+        </p:spPr>
+        <p:txBody>
+          <a:bodyPr/>
+          <a:lstStyle>
+            <a:lvl1pPr>
+              <a:defRPr sz="3200"/>
+            </a:lvl1pPr>
+            <a:lvl2pPr>
+              <a:defRPr sz="2800"/>
+            </a:lvl2pPr>
+            <a:lvl3pPr>
+              <a:defRPr sz="2400"/>
+            </a:lvl3pPr>
+            <a:lvl4pPr>
+              <a:defRPr sz="2000"/>
+            </a:lvl4pPr>
+            <a:lvl5pPr>
+              <a:defRPr sz="2000"/>
+            </a:lvl5pPr>
+            <a:lvl6pPr>
+              <a:defRPr sz="2000"/>
+            </a:lvl6pPr>
+            <a:lvl7pPr>
+              <a:defRPr sz="2000"/>
+            </a:lvl7pPr>
+            <a:lvl8pPr>
+              <a:defRPr sz="2000"/>
+            </a:lvl8pPr>
+            <a:lvl9pPr>
+              <a:defRPr sz="2000"/>
+            </a:lvl9pPr>
+          </a:lstStyle>
+          <a:p>
+            <a:pPr lvl="0"/>
+            <a:r>
+              <a:rPr lang="en-US" smtClean="0"/>
+              <a:t>Click to edit Master text styles</a:t>
+            </a:r>
+          </a:p>
+          <a:p>
+            <a:pPr lvl="1"/>
+            <a:r>
+              <a:rPr lang="en-US" smtClean="0"/>
+              <a:t>Second level</a:t>
+            </a:r>
+          </a:p>
+          <a:p>
+            <a:pPr lvl="2"/>
+            <a:r>
+              <a:rPr lang="en-US" smtClean="0"/>
+              <a:t>Third level</a:t>
+            </a:r>
+          </a:p>
+          <a:p>
+            <a:pPr lvl="3"/>
+            <a:r>
+              <a:rPr lang="en-US" smtClean="0"/>
+              <a:t>Fourth level</a:t>
+            </a:r>
+          </a:p>
+          <a:p>
+            <a:pPr lvl="4"/>
+            <a:r>
+              <a:rPr lang="en-US" smtClean="0"/>
+              <a:t>Fifth level</a:t>
+            </a:r>
+            <a:endParaRPr lang="en-IN"/>
+          </a:p>
+        </p:txBody>
+      </p:sp>
+      <p:sp>
+        <p:nvSpPr>
+          <p:cNvPr id="4" name="Text Placeholder 3"/>
+          <p:cNvSpPr>
+            <a:spLocks noGrp="1"/>
+          </p:cNvSpPr>
+          <p:nvPr>
+            <p:ph type="body" sz="half" idx="2"/>
+          </p:nvPr>
+        </p:nvSpPr>
+        <p:spPr>
+          <a:xfrm>
+            <a:off x="457200" y="1435100"/>
+            <a:ext cx="3008313" cy="4691063"/>
+          </a:xfrm>
+        </p:spPr>
+        <p:txBody>
+          <a:bodyPr/>
+          <a:lstStyle>
+            <a:lvl1pPr marL="0" indent="0">
+              <a:buNone/>
+              <a:defRPr sz="1400"/>
+            </a:lvl1pPr>
+            <a:lvl2pPr marL="457200" indent="0">
+              <a:buNone/>
+              <a:defRPr sz="1200"/>
+            </a:lvl2pPr>
+            <a:lvl3pPr marL="914400" indent="0">
+              <a:buNone/>
+              <a:defRPr sz="1000"/>
+            </a:lvl3pPr>
+            <a:lvl4pPr marL="1371600" indent="0">
+              <a:buNone/>
+              <a:defRPr sz="900"/>
+            </a:lvl4pPr>
+            <a:lvl5pPr marL="1828800" indent="0">
+              <a:buNone/>
+              <a:defRPr sz="900"/>
+            </a:lvl5pPr>
+            <a:lvl6pPr marL="2286000" indent="0">
+              <a:buNone/>
+              <a:defRPr sz="900"/>
+            </a:lvl6pPr>
+            <a:lvl7pPr marL="2743200" indent="0">
+              <a:buNone/>
+              <a:defRPr sz="900"/>
+            </a:lvl7pPr>
+            <a:lvl8pPr marL="3200400" indent="0">
+              <a:buNone/>
+              <a:defRPr sz="900"/>
+            </a:lvl8pPr>
+            <a:lvl9pPr marL="3657600" indent="0">
+              <a:buNone/>
+              <a:defRPr sz="900"/>
+            </a:lvl9pPr>
+          </a:lstStyle>
+          <a:p>
+            <a:pPr lvl="0"/>
+            <a:r>
+              <a:rPr lang="en-US" smtClean="0"/>
+              <a:t>Click to edit Master text styles</a:t>
+            </a:r>
+          </a:p>
+        </p:txBody>
+      </p:sp>
+      <p:sp>
+        <p:nvSpPr>
+          <p:cNvPr id="5" name="Date Placeholder 4"/>
+          <p:cNvSpPr>
+            <a:spLocks noGrp="1"/>
+          </p:cNvSpPr>
+          <p:nvPr>
+            <p:ph type="dt" sz="half" idx="10"/>
+          </p:nvPr>
+        </p:nvSpPr>
+        <p:spPr/>
+        <p:txBody>
+          <a:bodyPr/>
+          <a:lstStyle/>
+          <a:p>
+            <a:fld id="{99E34D90-BA3C-4227-97D9-D226515DCD3D}" type="datetimeFigureOut">
+              <a:rPr lang="en-IN" smtClean="0"/>
+              <a:t>27-05-2020</a:t>
+            </a:fld>
+            <a:endParaRPr lang="en-IN"/>
+          </a:p>
+        </p:txBody>
+      </p:sp>
+      <p:sp>
+        <p:nvSpPr>
+          <p:cNvPr id="6" name="Footer Placeholder 5"/>
+          <p:cNvSpPr>
+            <a:spLocks noGrp="1"/>
+          </p:cNvSpPr>
+          <p:nvPr>
+            <p:ph type="ftr" sz="quarter" idx="11"/>
+          </p:nvPr>
+        </p:nvSpPr>
+        <p:spPr/>
+        <p:txBody>
+          <a:bodyPr/>
+          <a:lstStyle/>
+          <a:p>
+            <a:endParaRPr lang="en-IN"/>
+          </a:p>
+        </p:txBody>
+      </p:sp>
+      <p:sp>
+        <p:nvSpPr>
+          <p:cNvPr id="7" name="Slide Number Placeholder 6"/>
+          <p:cNvSpPr>
+            <a:spLocks noGrp="1"/>
+          </p:cNvSpPr>
+          <p:nvPr>
+            <p:ph type="sldNum" sz="quarter" idx="12"/>
+          </p:nvPr>
+        </p:nvSpPr>
+        <p:spPr/>
+        <p:txBody>
+          <a:bodyPr/>
+          <a:lstStyle/>
+          <a:p>
+            <a:fld id="{EBB4D555-0079-422B-95CC-0B722E0A969E}" type="slidenum">
+              <a:rPr lang="en-IN" smtClean="0"/>
+              <a:t>‹#›</a:t>
+            </a:fld>
+            <a:endParaRPr lang="en-IN"/>
+          </a:p>
+        </p:txBody>
+      </p:sp>
+    </p:spTree>
+    <p:extLst>
+      <p:ext uri="{BB962C8B-B14F-4D97-AF65-F5344CB8AC3E}">
+        <p14:creationId xmlns:p14="http://schemas.microsoft.com/office/powerpoint/2010/main" val="3307805812"/>
       </p:ext>
     </p:extLst>
   </p:cSld>
@@ -752,10 +3180,10 @@
           <a:lstStyle/>
           <a:p>
             <a:r>
-              <a:rPr lang="en-US" smtClean="0"/>
+              <a:rPr lang="en-US" dirty="0" smtClean="0"/>
               <a:t>Click to edit Master title style</a:t>
             </a:r>
-            <a:endParaRPr lang="en-IN"/>
+            <a:endParaRPr lang="en-IN" dirty="0"/>
           </a:p>
         </p:txBody>
       </p:sp>
@@ -828,7 +3256,7 @@
           <a:p>
             <a:fld id="{373E9597-6F13-4AD2-818F-A3E3DAA2519F}" type="datetimeFigureOut">
               <a:rPr lang="en-IN" smtClean="0"/>
-              <a:t>06-05-2020</a:t>
+              <a:t>27-05-2020</a:t>
             </a:fld>
             <a:endParaRPr lang="en-IN"/>
           </a:p>
@@ -849,7 +3277,7 @@
           <a:bodyPr/>
           <a:lstStyle/>
           <a:p>
-            <a:endParaRPr lang="en-IN"/>
+            <a:endParaRPr lang="en-IN" dirty="0"/>
           </a:p>
         </p:txBody>
       </p:sp>
@@ -880,6 +3308,609 @@
     <p:extLst>
       <p:ext uri="{BB962C8B-B14F-4D97-AF65-F5344CB8AC3E}">
         <p14:creationId xmlns:p14="http://schemas.microsoft.com/office/powerpoint/2010/main" val="3998729189"/>
+      </p:ext>
+    </p:extLst>
+  </p:cSld>
+  <p:clrMapOvr>
+    <a:masterClrMapping/>
+  </p:clrMapOvr>
+</p:sldLayout>
+</file>
+
+<file path=ppt/slideLayouts/slideLayout20.xml><?xml version="1.0" encoding="utf-8"?>
+<p:sldLayout xmlns:a="http://schemas.openxmlformats.org/drawingml/2006/main" xmlns:r="http://schemas.openxmlformats.org/officeDocument/2006/relationships" xmlns:p="http://schemas.openxmlformats.org/presentationml/2006/main" type="picTx" preserve="1">
+  <p:cSld name="Picture with Caption">
+    <p:spTree>
+      <p:nvGrpSpPr>
+        <p:cNvPr id="1" name=""/>
+        <p:cNvGrpSpPr/>
+        <p:nvPr/>
+      </p:nvGrpSpPr>
+      <p:grpSpPr>
+        <a:xfrm>
+          <a:off x="0" y="0"/>
+          <a:ext cx="0" cy="0"/>
+          <a:chOff x="0" y="0"/>
+          <a:chExt cx="0" cy="0"/>
+        </a:xfrm>
+      </p:grpSpPr>
+      <p:sp>
+        <p:nvSpPr>
+          <p:cNvPr id="2" name="Title 1"/>
+          <p:cNvSpPr>
+            <a:spLocks noGrp="1"/>
+          </p:cNvSpPr>
+          <p:nvPr>
+            <p:ph type="title"/>
+          </p:nvPr>
+        </p:nvSpPr>
+        <p:spPr>
+          <a:xfrm>
+            <a:off x="1792288" y="4800600"/>
+            <a:ext cx="5486400" cy="566738"/>
+          </a:xfrm>
+        </p:spPr>
+        <p:txBody>
+          <a:bodyPr anchor="b"/>
+          <a:lstStyle>
+            <a:lvl1pPr algn="l">
+              <a:defRPr sz="2000" b="1"/>
+            </a:lvl1pPr>
+          </a:lstStyle>
+          <a:p>
+            <a:r>
+              <a:rPr lang="en-US" smtClean="0"/>
+              <a:t>Click to edit Master title style</a:t>
+            </a:r>
+            <a:endParaRPr lang="en-IN"/>
+          </a:p>
+        </p:txBody>
+      </p:sp>
+      <p:sp>
+        <p:nvSpPr>
+          <p:cNvPr id="3" name="Picture Placeholder 2"/>
+          <p:cNvSpPr>
+            <a:spLocks noGrp="1"/>
+          </p:cNvSpPr>
+          <p:nvPr>
+            <p:ph type="pic" idx="1"/>
+          </p:nvPr>
+        </p:nvSpPr>
+        <p:spPr>
+          <a:xfrm>
+            <a:off x="1792288" y="612775"/>
+            <a:ext cx="5486400" cy="4114800"/>
+          </a:xfrm>
+        </p:spPr>
+        <p:txBody>
+          <a:bodyPr/>
+          <a:lstStyle>
+            <a:lvl1pPr marL="0" indent="0">
+              <a:buNone/>
+              <a:defRPr sz="3200"/>
+            </a:lvl1pPr>
+            <a:lvl2pPr marL="457200" indent="0">
+              <a:buNone/>
+              <a:defRPr sz="2800"/>
+            </a:lvl2pPr>
+            <a:lvl3pPr marL="914400" indent="0">
+              <a:buNone/>
+              <a:defRPr sz="2400"/>
+            </a:lvl3pPr>
+            <a:lvl4pPr marL="1371600" indent="0">
+              <a:buNone/>
+              <a:defRPr sz="2000"/>
+            </a:lvl4pPr>
+            <a:lvl5pPr marL="1828800" indent="0">
+              <a:buNone/>
+              <a:defRPr sz="2000"/>
+            </a:lvl5pPr>
+            <a:lvl6pPr marL="2286000" indent="0">
+              <a:buNone/>
+              <a:defRPr sz="2000"/>
+            </a:lvl6pPr>
+            <a:lvl7pPr marL="2743200" indent="0">
+              <a:buNone/>
+              <a:defRPr sz="2000"/>
+            </a:lvl7pPr>
+            <a:lvl8pPr marL="3200400" indent="0">
+              <a:buNone/>
+              <a:defRPr sz="2000"/>
+            </a:lvl8pPr>
+            <a:lvl9pPr marL="3657600" indent="0">
+              <a:buNone/>
+              <a:defRPr sz="2000"/>
+            </a:lvl9pPr>
+          </a:lstStyle>
+          <a:p>
+            <a:endParaRPr lang="en-IN"/>
+          </a:p>
+        </p:txBody>
+      </p:sp>
+      <p:sp>
+        <p:nvSpPr>
+          <p:cNvPr id="4" name="Text Placeholder 3"/>
+          <p:cNvSpPr>
+            <a:spLocks noGrp="1"/>
+          </p:cNvSpPr>
+          <p:nvPr>
+            <p:ph type="body" sz="half" idx="2"/>
+          </p:nvPr>
+        </p:nvSpPr>
+        <p:spPr>
+          <a:xfrm>
+            <a:off x="1792288" y="5367338"/>
+            <a:ext cx="5486400" cy="804862"/>
+          </a:xfrm>
+        </p:spPr>
+        <p:txBody>
+          <a:bodyPr/>
+          <a:lstStyle>
+            <a:lvl1pPr marL="0" indent="0">
+              <a:buNone/>
+              <a:defRPr sz="1400"/>
+            </a:lvl1pPr>
+            <a:lvl2pPr marL="457200" indent="0">
+              <a:buNone/>
+              <a:defRPr sz="1200"/>
+            </a:lvl2pPr>
+            <a:lvl3pPr marL="914400" indent="0">
+              <a:buNone/>
+              <a:defRPr sz="1000"/>
+            </a:lvl3pPr>
+            <a:lvl4pPr marL="1371600" indent="0">
+              <a:buNone/>
+              <a:defRPr sz="900"/>
+            </a:lvl4pPr>
+            <a:lvl5pPr marL="1828800" indent="0">
+              <a:buNone/>
+              <a:defRPr sz="900"/>
+            </a:lvl5pPr>
+            <a:lvl6pPr marL="2286000" indent="0">
+              <a:buNone/>
+              <a:defRPr sz="900"/>
+            </a:lvl6pPr>
+            <a:lvl7pPr marL="2743200" indent="0">
+              <a:buNone/>
+              <a:defRPr sz="900"/>
+            </a:lvl7pPr>
+            <a:lvl8pPr marL="3200400" indent="0">
+              <a:buNone/>
+              <a:defRPr sz="900"/>
+            </a:lvl8pPr>
+            <a:lvl9pPr marL="3657600" indent="0">
+              <a:buNone/>
+              <a:defRPr sz="900"/>
+            </a:lvl9pPr>
+          </a:lstStyle>
+          <a:p>
+            <a:pPr lvl="0"/>
+            <a:r>
+              <a:rPr lang="en-US" smtClean="0"/>
+              <a:t>Click to edit Master text styles</a:t>
+            </a:r>
+          </a:p>
+        </p:txBody>
+      </p:sp>
+      <p:sp>
+        <p:nvSpPr>
+          <p:cNvPr id="5" name="Date Placeholder 4"/>
+          <p:cNvSpPr>
+            <a:spLocks noGrp="1"/>
+          </p:cNvSpPr>
+          <p:nvPr>
+            <p:ph type="dt" sz="half" idx="10"/>
+          </p:nvPr>
+        </p:nvSpPr>
+        <p:spPr/>
+        <p:txBody>
+          <a:bodyPr/>
+          <a:lstStyle/>
+          <a:p>
+            <a:fld id="{99E34D90-BA3C-4227-97D9-D226515DCD3D}" type="datetimeFigureOut">
+              <a:rPr lang="en-IN" smtClean="0"/>
+              <a:t>27-05-2020</a:t>
+            </a:fld>
+            <a:endParaRPr lang="en-IN"/>
+          </a:p>
+        </p:txBody>
+      </p:sp>
+      <p:sp>
+        <p:nvSpPr>
+          <p:cNvPr id="6" name="Footer Placeholder 5"/>
+          <p:cNvSpPr>
+            <a:spLocks noGrp="1"/>
+          </p:cNvSpPr>
+          <p:nvPr>
+            <p:ph type="ftr" sz="quarter" idx="11"/>
+          </p:nvPr>
+        </p:nvSpPr>
+        <p:spPr/>
+        <p:txBody>
+          <a:bodyPr/>
+          <a:lstStyle/>
+          <a:p>
+            <a:endParaRPr lang="en-IN"/>
+          </a:p>
+        </p:txBody>
+      </p:sp>
+      <p:sp>
+        <p:nvSpPr>
+          <p:cNvPr id="7" name="Slide Number Placeholder 6"/>
+          <p:cNvSpPr>
+            <a:spLocks noGrp="1"/>
+          </p:cNvSpPr>
+          <p:nvPr>
+            <p:ph type="sldNum" sz="quarter" idx="12"/>
+          </p:nvPr>
+        </p:nvSpPr>
+        <p:spPr/>
+        <p:txBody>
+          <a:bodyPr/>
+          <a:lstStyle/>
+          <a:p>
+            <a:fld id="{EBB4D555-0079-422B-95CC-0B722E0A969E}" type="slidenum">
+              <a:rPr lang="en-IN" smtClean="0"/>
+              <a:t>‹#›</a:t>
+            </a:fld>
+            <a:endParaRPr lang="en-IN"/>
+          </a:p>
+        </p:txBody>
+      </p:sp>
+    </p:spTree>
+    <p:extLst>
+      <p:ext uri="{BB962C8B-B14F-4D97-AF65-F5344CB8AC3E}">
+        <p14:creationId xmlns:p14="http://schemas.microsoft.com/office/powerpoint/2010/main" val="984174667"/>
+      </p:ext>
+    </p:extLst>
+  </p:cSld>
+  <p:clrMapOvr>
+    <a:masterClrMapping/>
+  </p:clrMapOvr>
+</p:sldLayout>
+</file>
+
+<file path=ppt/slideLayouts/slideLayout21.xml><?xml version="1.0" encoding="utf-8"?>
+<p:sldLayout xmlns:a="http://schemas.openxmlformats.org/drawingml/2006/main" xmlns:r="http://schemas.openxmlformats.org/officeDocument/2006/relationships" xmlns:p="http://schemas.openxmlformats.org/presentationml/2006/main" type="vertTx" preserve="1">
+  <p:cSld name="Title and Vertical Text">
+    <p:spTree>
+      <p:nvGrpSpPr>
+        <p:cNvPr id="1" name=""/>
+        <p:cNvGrpSpPr/>
+        <p:nvPr/>
+      </p:nvGrpSpPr>
+      <p:grpSpPr>
+        <a:xfrm>
+          <a:off x="0" y="0"/>
+          <a:ext cx="0" cy="0"/>
+          <a:chOff x="0" y="0"/>
+          <a:chExt cx="0" cy="0"/>
+        </a:xfrm>
+      </p:grpSpPr>
+      <p:sp>
+        <p:nvSpPr>
+          <p:cNvPr id="2" name="Title 1"/>
+          <p:cNvSpPr>
+            <a:spLocks noGrp="1"/>
+          </p:cNvSpPr>
+          <p:nvPr>
+            <p:ph type="title"/>
+          </p:nvPr>
+        </p:nvSpPr>
+        <p:spPr/>
+        <p:txBody>
+          <a:bodyPr/>
+          <a:lstStyle/>
+          <a:p>
+            <a:r>
+              <a:rPr lang="en-US" smtClean="0"/>
+              <a:t>Click to edit Master title style</a:t>
+            </a:r>
+            <a:endParaRPr lang="en-IN"/>
+          </a:p>
+        </p:txBody>
+      </p:sp>
+      <p:sp>
+        <p:nvSpPr>
+          <p:cNvPr id="3" name="Vertical Text Placeholder 2"/>
+          <p:cNvSpPr>
+            <a:spLocks noGrp="1"/>
+          </p:cNvSpPr>
+          <p:nvPr>
+            <p:ph type="body" orient="vert" idx="1"/>
+          </p:nvPr>
+        </p:nvSpPr>
+        <p:spPr/>
+        <p:txBody>
+          <a:bodyPr vert="eaVert"/>
+          <a:lstStyle/>
+          <a:p>
+            <a:pPr lvl="0"/>
+            <a:r>
+              <a:rPr lang="en-US" smtClean="0"/>
+              <a:t>Click to edit Master text styles</a:t>
+            </a:r>
+          </a:p>
+          <a:p>
+            <a:pPr lvl="1"/>
+            <a:r>
+              <a:rPr lang="en-US" smtClean="0"/>
+              <a:t>Second level</a:t>
+            </a:r>
+          </a:p>
+          <a:p>
+            <a:pPr lvl="2"/>
+            <a:r>
+              <a:rPr lang="en-US" smtClean="0"/>
+              <a:t>Third level</a:t>
+            </a:r>
+          </a:p>
+          <a:p>
+            <a:pPr lvl="3"/>
+            <a:r>
+              <a:rPr lang="en-US" smtClean="0"/>
+              <a:t>Fourth level</a:t>
+            </a:r>
+          </a:p>
+          <a:p>
+            <a:pPr lvl="4"/>
+            <a:r>
+              <a:rPr lang="en-US" smtClean="0"/>
+              <a:t>Fifth level</a:t>
+            </a:r>
+            <a:endParaRPr lang="en-IN"/>
+          </a:p>
+        </p:txBody>
+      </p:sp>
+      <p:sp>
+        <p:nvSpPr>
+          <p:cNvPr id="4" name="Date Placeholder 3"/>
+          <p:cNvSpPr>
+            <a:spLocks noGrp="1"/>
+          </p:cNvSpPr>
+          <p:nvPr>
+            <p:ph type="dt" sz="half" idx="10"/>
+          </p:nvPr>
+        </p:nvSpPr>
+        <p:spPr/>
+        <p:txBody>
+          <a:bodyPr/>
+          <a:lstStyle/>
+          <a:p>
+            <a:fld id="{99E34D90-BA3C-4227-97D9-D226515DCD3D}" type="datetimeFigureOut">
+              <a:rPr lang="en-IN" smtClean="0"/>
+              <a:t>27-05-2020</a:t>
+            </a:fld>
+            <a:endParaRPr lang="en-IN"/>
+          </a:p>
+        </p:txBody>
+      </p:sp>
+      <p:sp>
+        <p:nvSpPr>
+          <p:cNvPr id="5" name="Footer Placeholder 4"/>
+          <p:cNvSpPr>
+            <a:spLocks noGrp="1"/>
+          </p:cNvSpPr>
+          <p:nvPr>
+            <p:ph type="ftr" sz="quarter" idx="11"/>
+          </p:nvPr>
+        </p:nvSpPr>
+        <p:spPr/>
+        <p:txBody>
+          <a:bodyPr/>
+          <a:lstStyle/>
+          <a:p>
+            <a:endParaRPr lang="en-IN"/>
+          </a:p>
+        </p:txBody>
+      </p:sp>
+      <p:sp>
+        <p:nvSpPr>
+          <p:cNvPr id="6" name="Slide Number Placeholder 5"/>
+          <p:cNvSpPr>
+            <a:spLocks noGrp="1"/>
+          </p:cNvSpPr>
+          <p:nvPr>
+            <p:ph type="sldNum" sz="quarter" idx="12"/>
+          </p:nvPr>
+        </p:nvSpPr>
+        <p:spPr/>
+        <p:txBody>
+          <a:bodyPr/>
+          <a:lstStyle/>
+          <a:p>
+            <a:fld id="{EBB4D555-0079-422B-95CC-0B722E0A969E}" type="slidenum">
+              <a:rPr lang="en-IN" smtClean="0"/>
+              <a:t>‹#›</a:t>
+            </a:fld>
+            <a:endParaRPr lang="en-IN"/>
+          </a:p>
+        </p:txBody>
+      </p:sp>
+    </p:spTree>
+    <p:extLst>
+      <p:ext uri="{BB962C8B-B14F-4D97-AF65-F5344CB8AC3E}">
+        <p14:creationId xmlns:p14="http://schemas.microsoft.com/office/powerpoint/2010/main" val="2982564410"/>
+      </p:ext>
+    </p:extLst>
+  </p:cSld>
+  <p:clrMapOvr>
+    <a:masterClrMapping/>
+  </p:clrMapOvr>
+</p:sldLayout>
+</file>
+
+<file path=ppt/slideLayouts/slideLayout22.xml><?xml version="1.0" encoding="utf-8"?>
+<p:sldLayout xmlns:a="http://schemas.openxmlformats.org/drawingml/2006/main" xmlns:r="http://schemas.openxmlformats.org/officeDocument/2006/relationships" xmlns:p="http://schemas.openxmlformats.org/presentationml/2006/main" type="vertTitleAndTx" preserve="1">
+  <p:cSld name="Vertical Title and Text">
+    <p:spTree>
+      <p:nvGrpSpPr>
+        <p:cNvPr id="1" name=""/>
+        <p:cNvGrpSpPr/>
+        <p:nvPr/>
+      </p:nvGrpSpPr>
+      <p:grpSpPr>
+        <a:xfrm>
+          <a:off x="0" y="0"/>
+          <a:ext cx="0" cy="0"/>
+          <a:chOff x="0" y="0"/>
+          <a:chExt cx="0" cy="0"/>
+        </a:xfrm>
+      </p:grpSpPr>
+      <p:sp>
+        <p:nvSpPr>
+          <p:cNvPr id="2" name="Vertical Title 1"/>
+          <p:cNvSpPr>
+            <a:spLocks noGrp="1"/>
+          </p:cNvSpPr>
+          <p:nvPr>
+            <p:ph type="title" orient="vert"/>
+          </p:nvPr>
+        </p:nvSpPr>
+        <p:spPr>
+          <a:xfrm>
+            <a:off x="6629400" y="274638"/>
+            <a:ext cx="2057400" cy="5851525"/>
+          </a:xfrm>
+        </p:spPr>
+        <p:txBody>
+          <a:bodyPr vert="eaVert"/>
+          <a:lstStyle/>
+          <a:p>
+            <a:r>
+              <a:rPr lang="en-US" smtClean="0"/>
+              <a:t>Click to edit Master title style</a:t>
+            </a:r>
+            <a:endParaRPr lang="en-IN"/>
+          </a:p>
+        </p:txBody>
+      </p:sp>
+      <p:sp>
+        <p:nvSpPr>
+          <p:cNvPr id="3" name="Vertical Text Placeholder 2"/>
+          <p:cNvSpPr>
+            <a:spLocks noGrp="1"/>
+          </p:cNvSpPr>
+          <p:nvPr>
+            <p:ph type="body" orient="vert" idx="1"/>
+          </p:nvPr>
+        </p:nvSpPr>
+        <p:spPr>
+          <a:xfrm>
+            <a:off x="457200" y="274638"/>
+            <a:ext cx="6019800" cy="5851525"/>
+          </a:xfrm>
+        </p:spPr>
+        <p:txBody>
+          <a:bodyPr vert="eaVert"/>
+          <a:lstStyle/>
+          <a:p>
+            <a:pPr lvl="0"/>
+            <a:r>
+              <a:rPr lang="en-US" smtClean="0"/>
+              <a:t>Click to edit Master text styles</a:t>
+            </a:r>
+          </a:p>
+          <a:p>
+            <a:pPr lvl="1"/>
+            <a:r>
+              <a:rPr lang="en-US" smtClean="0"/>
+              <a:t>Second level</a:t>
+            </a:r>
+          </a:p>
+          <a:p>
+            <a:pPr lvl="2"/>
+            <a:r>
+              <a:rPr lang="en-US" smtClean="0"/>
+              <a:t>Third level</a:t>
+            </a:r>
+          </a:p>
+          <a:p>
+            <a:pPr lvl="3"/>
+            <a:r>
+              <a:rPr lang="en-US" smtClean="0"/>
+              <a:t>Fourth level</a:t>
+            </a:r>
+          </a:p>
+          <a:p>
+            <a:pPr lvl="4"/>
+            <a:r>
+              <a:rPr lang="en-US" smtClean="0"/>
+              <a:t>Fifth level</a:t>
+            </a:r>
+            <a:endParaRPr lang="en-IN"/>
+          </a:p>
+        </p:txBody>
+      </p:sp>
+      <p:sp>
+        <p:nvSpPr>
+          <p:cNvPr id="4" name="Date Placeholder 3"/>
+          <p:cNvSpPr>
+            <a:spLocks noGrp="1"/>
+          </p:cNvSpPr>
+          <p:nvPr>
+            <p:ph type="dt" sz="half" idx="10"/>
+          </p:nvPr>
+        </p:nvSpPr>
+        <p:spPr/>
+        <p:txBody>
+          <a:bodyPr/>
+          <a:lstStyle/>
+          <a:p>
+            <a:fld id="{99E34D90-BA3C-4227-97D9-D226515DCD3D}" type="datetimeFigureOut">
+              <a:rPr lang="en-IN" smtClean="0"/>
+              <a:t>27-05-2020</a:t>
+            </a:fld>
+            <a:endParaRPr lang="en-IN"/>
+          </a:p>
+        </p:txBody>
+      </p:sp>
+      <p:sp>
+        <p:nvSpPr>
+          <p:cNvPr id="5" name="Footer Placeholder 4"/>
+          <p:cNvSpPr>
+            <a:spLocks noGrp="1"/>
+          </p:cNvSpPr>
+          <p:nvPr>
+            <p:ph type="ftr" sz="quarter" idx="11"/>
+          </p:nvPr>
+        </p:nvSpPr>
+        <p:spPr/>
+        <p:txBody>
+          <a:bodyPr/>
+          <a:lstStyle/>
+          <a:p>
+            <a:endParaRPr lang="en-IN"/>
+          </a:p>
+        </p:txBody>
+      </p:sp>
+      <p:sp>
+        <p:nvSpPr>
+          <p:cNvPr id="6" name="Slide Number Placeholder 5"/>
+          <p:cNvSpPr>
+            <a:spLocks noGrp="1"/>
+          </p:cNvSpPr>
+          <p:nvPr>
+            <p:ph type="sldNum" sz="quarter" idx="12"/>
+          </p:nvPr>
+        </p:nvSpPr>
+        <p:spPr/>
+        <p:txBody>
+          <a:bodyPr/>
+          <a:lstStyle/>
+          <a:p>
+            <a:fld id="{EBB4D555-0079-422B-95CC-0B722E0A969E}" type="slidenum">
+              <a:rPr lang="en-IN" smtClean="0"/>
+              <a:t>‹#›</a:t>
+            </a:fld>
+            <a:endParaRPr lang="en-IN"/>
+          </a:p>
+        </p:txBody>
+      </p:sp>
+    </p:spTree>
+    <p:extLst>
+      <p:ext uri="{BB962C8B-B14F-4D97-AF65-F5344CB8AC3E}">
+        <p14:creationId xmlns:p14="http://schemas.microsoft.com/office/powerpoint/2010/main" val="2884933615"/>
       </p:ext>
     </p:extLst>
   </p:cSld>
@@ -1074,7 +4105,7 @@
           <a:p>
             <a:fld id="{373E9597-6F13-4AD2-818F-A3E3DAA2519F}" type="datetimeFigureOut">
               <a:rPr lang="en-IN" smtClean="0"/>
-              <a:t>06-05-2020</a:t>
+              <a:t>27-05-2020</a:t>
             </a:fld>
             <a:endParaRPr lang="en-IN"/>
           </a:p>
@@ -1362,7 +4393,7 @@
           <a:p>
             <a:fld id="{373E9597-6F13-4AD2-818F-A3E3DAA2519F}" type="datetimeFigureOut">
               <a:rPr lang="en-IN" smtClean="0"/>
-              <a:t>06-05-2020</a:t>
+              <a:t>27-05-2020</a:t>
             </a:fld>
             <a:endParaRPr lang="en-IN"/>
           </a:p>
@@ -1784,7 +4815,7 @@
           <a:p>
             <a:fld id="{373E9597-6F13-4AD2-818F-A3E3DAA2519F}" type="datetimeFigureOut">
               <a:rPr lang="en-IN" smtClean="0"/>
-              <a:t>06-05-2020</a:t>
+              <a:t>27-05-2020</a:t>
             </a:fld>
             <a:endParaRPr lang="en-IN"/>
           </a:p>
@@ -1902,7 +4933,7 @@
           <a:p>
             <a:fld id="{373E9597-6F13-4AD2-818F-A3E3DAA2519F}" type="datetimeFigureOut">
               <a:rPr lang="en-IN" smtClean="0"/>
-              <a:t>06-05-2020</a:t>
+              <a:t>27-05-2020</a:t>
             </a:fld>
             <a:endParaRPr lang="en-IN"/>
           </a:p>
@@ -1997,7 +5028,7 @@
           <a:p>
             <a:fld id="{373E9597-6F13-4AD2-818F-A3E3DAA2519F}" type="datetimeFigureOut">
               <a:rPr lang="en-IN" smtClean="0"/>
-              <a:t>06-05-2020</a:t>
+              <a:t>27-05-2020</a:t>
             </a:fld>
             <a:endParaRPr lang="en-IN"/>
           </a:p>
@@ -2274,7 +5305,7 @@
           <a:p>
             <a:fld id="{373E9597-6F13-4AD2-818F-A3E3DAA2519F}" type="datetimeFigureOut">
               <a:rPr lang="en-IN" smtClean="0"/>
-              <a:t>06-05-2020</a:t>
+              <a:t>27-05-2020</a:t>
             </a:fld>
             <a:endParaRPr lang="en-IN"/>
           </a:p>
@@ -2527,7 +5558,7 @@
           <a:p>
             <a:fld id="{373E9597-6F13-4AD2-818F-A3E3DAA2519F}" type="datetimeFigureOut">
               <a:rPr lang="en-IN" smtClean="0"/>
-              <a:t>06-05-2020</a:t>
+              <a:t>27-05-2020</a:t>
             </a:fld>
             <a:endParaRPr lang="en-IN"/>
           </a:p>
@@ -2636,10 +5667,10 @@
           <a:lstStyle/>
           <a:p>
             <a:r>
-              <a:rPr lang="en-US" smtClean="0"/>
+              <a:rPr lang="en-US" dirty="0" smtClean="0"/>
               <a:t>Click to edit Master title style</a:t>
             </a:r>
-            <a:endParaRPr lang="en-IN"/>
+            <a:endParaRPr lang="en-IN" dirty="0"/>
           </a:p>
         </p:txBody>
       </p:sp>
@@ -2670,38 +5701,38 @@
           <a:p>
             <a:pPr lvl="0"/>
             <a:r>
-              <a:rPr lang="en-US" smtClean="0"/>
+              <a:rPr lang="en-US" dirty="0" smtClean="0"/>
               <a:t>Click to edit Master text styles</a:t>
             </a:r>
           </a:p>
           <a:p>
             <a:pPr lvl="1"/>
             <a:r>
-              <a:rPr lang="en-US" smtClean="0"/>
+              <a:rPr lang="en-US" dirty="0" smtClean="0"/>
               <a:t>Second level</a:t>
             </a:r>
           </a:p>
           <a:p>
             <a:pPr lvl="2"/>
             <a:r>
-              <a:rPr lang="en-US" smtClean="0"/>
+              <a:rPr lang="en-US" dirty="0" smtClean="0"/>
               <a:t>Third level</a:t>
             </a:r>
           </a:p>
           <a:p>
             <a:pPr lvl="3"/>
             <a:r>
-              <a:rPr lang="en-US" smtClean="0"/>
+              <a:rPr lang="en-US" dirty="0" smtClean="0"/>
               <a:t>Fourth level</a:t>
             </a:r>
           </a:p>
           <a:p>
             <a:pPr lvl="4"/>
             <a:r>
-              <a:rPr lang="en-US" smtClean="0"/>
+              <a:rPr lang="en-US" dirty="0" smtClean="0"/>
               <a:t>Fifth level</a:t>
             </a:r>
-            <a:endParaRPr lang="en-IN"/>
+            <a:endParaRPr lang="en-IN" dirty="0"/>
           </a:p>
         </p:txBody>
       </p:sp>
@@ -2740,7 +5771,7 @@
           <a:p>
             <a:fld id="{373E9597-6F13-4AD2-818F-A3E3DAA2519F}" type="datetimeFigureOut">
               <a:rPr lang="en-IN" smtClean="0"/>
-              <a:t>06-05-2020</a:t>
+              <a:t>27-05-2020</a:t>
             </a:fld>
             <a:endParaRPr lang="en-IN"/>
           </a:p>
@@ -2824,6 +5855,70 @@
           </a:p>
         </p:txBody>
       </p:sp>
+      <p:pic>
+        <p:nvPicPr>
+          <p:cNvPr id="1026" name="Picture 2"/>
+          <p:cNvPicPr>
+            <a:picLocks noChangeAspect="1" noChangeArrowheads="1"/>
+          </p:cNvPicPr>
+          <p:nvPr userDrawn="1"/>
+        </p:nvPicPr>
+        <p:blipFill>
+          <a:blip r:embed="rId13">
+            <a:extLst>
+              <a:ext uri="{28A0092B-C50C-407E-A947-70E740481C1C}">
+                <a14:useLocalDpi xmlns:a14="http://schemas.microsoft.com/office/drawing/2010/main" val="0"/>
+              </a:ext>
+            </a:extLst>
+          </a:blip>
+          <a:srcRect/>
+          <a:stretch>
+            <a:fillRect/>
+          </a:stretch>
+        </p:blipFill>
+        <p:spPr bwMode="auto">
+          <a:xfrm>
+            <a:off x="183828" y="188913"/>
+            <a:ext cx="3057525" cy="1495425"/>
+          </a:xfrm>
+          <a:prstGeom prst="rect">
+            <a:avLst/>
+          </a:prstGeom>
+          <a:noFill/>
+          <a:ln>
+            <a:noFill/>
+          </a:ln>
+          <a:effectLst/>
+          <a:extLst>
+            <a:ext uri="{909E8E84-426E-40DD-AFC4-6F175D3DCCD1}">
+              <a14:hiddenFill xmlns:a14="http://schemas.microsoft.com/office/drawing/2010/main">
+                <a:solidFill>
+                  <a:schemeClr val="accent1"/>
+                </a:solidFill>
+              </a14:hiddenFill>
+            </a:ext>
+            <a:ext uri="{91240B29-F687-4F45-9708-019B960494DF}">
+              <a14:hiddenLine xmlns:a14="http://schemas.microsoft.com/office/drawing/2010/main" w="9525">
+                <a:solidFill>
+                  <a:schemeClr val="tx1"/>
+                </a:solidFill>
+                <a:miter lim="800000"/>
+                <a:headEnd/>
+                <a:tailEnd/>
+              </a14:hiddenLine>
+            </a:ext>
+            <a:ext uri="{AF507438-7753-43E0-B8FC-AC1667EBCBE1}">
+              <a14:hiddenEffects xmlns:a14="http://schemas.microsoft.com/office/drawing/2010/main">
+                <a:effectLst>
+                  <a:outerShdw dist="35921" dir="2700000" algn="ctr" rotWithShape="0">
+                    <a:schemeClr val="bg2"/>
+                  </a:outerShdw>
+                </a:effectLst>
+              </a14:hiddenEffects>
+            </a:ext>
+          </a:extLst>
+        </p:spPr>
+      </p:pic>
     </p:spTree>
     <p:extLst>
       <p:ext uri="{BB962C8B-B14F-4D97-AF65-F5344CB8AC3E}">
@@ -3098,9 +6193,547 @@
 </p:sldMaster>
 </file>
 
+<file path=ppt/slideMasters/slideMaster2.xml><?xml version="1.0" encoding="utf-8"?>
+<p:sldMaster xmlns:a="http://schemas.openxmlformats.org/drawingml/2006/main" xmlns:r="http://schemas.openxmlformats.org/officeDocument/2006/relationships" xmlns:p="http://schemas.openxmlformats.org/presentationml/2006/main" preserve="1">
+  <p:cSld>
+    <p:bg>
+      <p:bgRef idx="1001">
+        <a:schemeClr val="bg1"/>
+      </p:bgRef>
+    </p:bg>
+    <p:spTree>
+      <p:nvGrpSpPr>
+        <p:cNvPr id="1" name=""/>
+        <p:cNvGrpSpPr/>
+        <p:nvPr/>
+      </p:nvGrpSpPr>
+      <p:grpSpPr>
+        <a:xfrm>
+          <a:off x="0" y="0"/>
+          <a:ext cx="0" cy="0"/>
+          <a:chOff x="0" y="0"/>
+          <a:chExt cx="0" cy="0"/>
+        </a:xfrm>
+      </p:grpSpPr>
+      <p:sp>
+        <p:nvSpPr>
+          <p:cNvPr id="2" name="Title Placeholder 1"/>
+          <p:cNvSpPr>
+            <a:spLocks noGrp="1"/>
+          </p:cNvSpPr>
+          <p:nvPr>
+            <p:ph type="title"/>
+          </p:nvPr>
+        </p:nvSpPr>
+        <p:spPr>
+          <a:xfrm>
+            <a:off x="457200" y="274638"/>
+            <a:ext cx="8229600" cy="1143000"/>
+          </a:xfrm>
+          <a:prstGeom prst="rect">
+            <a:avLst/>
+          </a:prstGeom>
+        </p:spPr>
+        <p:txBody>
+          <a:bodyPr vert="horz" lIns="91440" tIns="45720" rIns="91440" bIns="45720" rtlCol="0" anchor="ctr">
+            <a:normAutofit/>
+          </a:bodyPr>
+          <a:lstStyle/>
+          <a:p>
+            <a:r>
+              <a:rPr lang="en-US" smtClean="0"/>
+              <a:t>Click to edit Master title style</a:t>
+            </a:r>
+            <a:endParaRPr lang="en-IN"/>
+          </a:p>
+        </p:txBody>
+      </p:sp>
+      <p:sp>
+        <p:nvSpPr>
+          <p:cNvPr id="3" name="Text Placeholder 2"/>
+          <p:cNvSpPr>
+            <a:spLocks noGrp="1"/>
+          </p:cNvSpPr>
+          <p:nvPr>
+            <p:ph type="body" idx="1"/>
+          </p:nvPr>
+        </p:nvSpPr>
+        <p:spPr>
+          <a:xfrm>
+            <a:off x="457200" y="1600200"/>
+            <a:ext cx="8229600" cy="4525963"/>
+          </a:xfrm>
+          <a:prstGeom prst="rect">
+            <a:avLst/>
+          </a:prstGeom>
+        </p:spPr>
+        <p:txBody>
+          <a:bodyPr vert="horz" lIns="91440" tIns="45720" rIns="91440" bIns="45720" rtlCol="0">
+            <a:normAutofit/>
+          </a:bodyPr>
+          <a:lstStyle/>
+          <a:p>
+            <a:pPr lvl="0"/>
+            <a:r>
+              <a:rPr lang="en-US" smtClean="0"/>
+              <a:t>Click to edit Master text styles</a:t>
+            </a:r>
+          </a:p>
+          <a:p>
+            <a:pPr lvl="1"/>
+            <a:r>
+              <a:rPr lang="en-US" smtClean="0"/>
+              <a:t>Second level</a:t>
+            </a:r>
+          </a:p>
+          <a:p>
+            <a:pPr lvl="2"/>
+            <a:r>
+              <a:rPr lang="en-US" smtClean="0"/>
+              <a:t>Third level</a:t>
+            </a:r>
+          </a:p>
+          <a:p>
+            <a:pPr lvl="3"/>
+            <a:r>
+              <a:rPr lang="en-US" smtClean="0"/>
+              <a:t>Fourth level</a:t>
+            </a:r>
+          </a:p>
+          <a:p>
+            <a:pPr lvl="4"/>
+            <a:r>
+              <a:rPr lang="en-US" smtClean="0"/>
+              <a:t>Fifth level</a:t>
+            </a:r>
+            <a:endParaRPr lang="en-IN"/>
+          </a:p>
+        </p:txBody>
+      </p:sp>
+      <p:sp>
+        <p:nvSpPr>
+          <p:cNvPr id="4" name="Date Placeholder 3"/>
+          <p:cNvSpPr>
+            <a:spLocks noGrp="1"/>
+          </p:cNvSpPr>
+          <p:nvPr>
+            <p:ph type="dt" sz="half" idx="2"/>
+          </p:nvPr>
+        </p:nvSpPr>
+        <p:spPr>
+          <a:xfrm>
+            <a:off x="457200" y="6356350"/>
+            <a:ext cx="2133600" cy="365125"/>
+          </a:xfrm>
+          <a:prstGeom prst="rect">
+            <a:avLst/>
+          </a:prstGeom>
+        </p:spPr>
+        <p:txBody>
+          <a:bodyPr vert="horz" lIns="91440" tIns="45720" rIns="91440" bIns="45720" rtlCol="0" anchor="ctr"/>
+          <a:lstStyle>
+            <a:lvl1pPr algn="l">
+              <a:defRPr sz="1200">
+                <a:solidFill>
+                  <a:schemeClr val="tx1">
+                    <a:tint val="75000"/>
+                  </a:schemeClr>
+                </a:solidFill>
+              </a:defRPr>
+            </a:lvl1pPr>
+          </a:lstStyle>
+          <a:p>
+            <a:fld id="{99E34D90-BA3C-4227-97D9-D226515DCD3D}" type="datetimeFigureOut">
+              <a:rPr lang="en-IN" smtClean="0"/>
+              <a:t>27-05-2020</a:t>
+            </a:fld>
+            <a:endParaRPr lang="en-IN"/>
+          </a:p>
+        </p:txBody>
+      </p:sp>
+      <p:sp>
+        <p:nvSpPr>
+          <p:cNvPr id="5" name="Footer Placeholder 4"/>
+          <p:cNvSpPr>
+            <a:spLocks noGrp="1"/>
+          </p:cNvSpPr>
+          <p:nvPr>
+            <p:ph type="ftr" sz="quarter" idx="3"/>
+          </p:nvPr>
+        </p:nvSpPr>
+        <p:spPr>
+          <a:xfrm>
+            <a:off x="3124200" y="6356350"/>
+            <a:ext cx="2895600" cy="365125"/>
+          </a:xfrm>
+          <a:prstGeom prst="rect">
+            <a:avLst/>
+          </a:prstGeom>
+        </p:spPr>
+        <p:txBody>
+          <a:bodyPr vert="horz" lIns="91440" tIns="45720" rIns="91440" bIns="45720" rtlCol="0" anchor="ctr"/>
+          <a:lstStyle>
+            <a:lvl1pPr algn="ctr">
+              <a:defRPr sz="1200">
+                <a:solidFill>
+                  <a:schemeClr val="tx1">
+                    <a:tint val="75000"/>
+                  </a:schemeClr>
+                </a:solidFill>
+              </a:defRPr>
+            </a:lvl1pPr>
+          </a:lstStyle>
+          <a:p>
+            <a:endParaRPr lang="en-IN"/>
+          </a:p>
+        </p:txBody>
+      </p:sp>
+      <p:sp>
+        <p:nvSpPr>
+          <p:cNvPr id="6" name="Slide Number Placeholder 5"/>
+          <p:cNvSpPr>
+            <a:spLocks noGrp="1"/>
+          </p:cNvSpPr>
+          <p:nvPr>
+            <p:ph type="sldNum" sz="quarter" idx="4"/>
+          </p:nvPr>
+        </p:nvSpPr>
+        <p:spPr>
+          <a:xfrm>
+            <a:off x="6553200" y="6356350"/>
+            <a:ext cx="2133600" cy="365125"/>
+          </a:xfrm>
+          <a:prstGeom prst="rect">
+            <a:avLst/>
+          </a:prstGeom>
+        </p:spPr>
+        <p:txBody>
+          <a:bodyPr vert="horz" lIns="91440" tIns="45720" rIns="91440" bIns="45720" rtlCol="0" anchor="ctr"/>
+          <a:lstStyle>
+            <a:lvl1pPr algn="r">
+              <a:defRPr sz="1200">
+                <a:solidFill>
+                  <a:schemeClr val="tx1">
+                    <a:tint val="75000"/>
+                  </a:schemeClr>
+                </a:solidFill>
+              </a:defRPr>
+            </a:lvl1pPr>
+          </a:lstStyle>
+          <a:p>
+            <a:fld id="{EBB4D555-0079-422B-95CC-0B722E0A969E}" type="slidenum">
+              <a:rPr lang="en-IN" smtClean="0"/>
+              <a:t>‹#›</a:t>
+            </a:fld>
+            <a:endParaRPr lang="en-IN"/>
+          </a:p>
+        </p:txBody>
+      </p:sp>
+    </p:spTree>
+    <p:extLst>
+      <p:ext uri="{BB962C8B-B14F-4D97-AF65-F5344CB8AC3E}">
+        <p14:creationId xmlns:p14="http://schemas.microsoft.com/office/powerpoint/2010/main" val="3728260223"/>
+      </p:ext>
+    </p:extLst>
+  </p:cSld>
+  <p:clrMap bg1="lt1" tx1="dk1" bg2="lt2" tx2="dk2" accent1="accent1" accent2="accent2" accent3="accent3" accent4="accent4" accent5="accent5" accent6="accent6" hlink="hlink" folHlink="folHlink"/>
+  <p:sldLayoutIdLst>
+    <p:sldLayoutId id="2147483661" r:id="rId1"/>
+    <p:sldLayoutId id="2147483662" r:id="rId2"/>
+    <p:sldLayoutId id="2147483663" r:id="rId3"/>
+    <p:sldLayoutId id="2147483664" r:id="rId4"/>
+    <p:sldLayoutId id="2147483665" r:id="rId5"/>
+    <p:sldLayoutId id="2147483666" r:id="rId6"/>
+    <p:sldLayoutId id="2147483667" r:id="rId7"/>
+    <p:sldLayoutId id="2147483668" r:id="rId8"/>
+    <p:sldLayoutId id="2147483669" r:id="rId9"/>
+    <p:sldLayoutId id="2147483670" r:id="rId10"/>
+    <p:sldLayoutId id="2147483671" r:id="rId11"/>
+  </p:sldLayoutIdLst>
+  <p:txStyles>
+    <p:titleStyle>
+      <a:lvl1pPr algn="ctr" defTabSz="914400" rtl="0" eaLnBrk="1" latinLnBrk="0" hangingPunct="1">
+        <a:spcBef>
+          <a:spcPct val="0"/>
+        </a:spcBef>
+        <a:buNone/>
+        <a:defRPr sz="4400" kern="1200">
+          <a:solidFill>
+            <a:schemeClr val="tx1"/>
+          </a:solidFill>
+          <a:latin typeface="+mj-lt"/>
+          <a:ea typeface="+mj-ea"/>
+          <a:cs typeface="+mj-cs"/>
+        </a:defRPr>
+      </a:lvl1pPr>
+    </p:titleStyle>
+    <p:bodyStyle>
+      <a:lvl1pPr marL="342900" indent="-342900" algn="l" defTabSz="914400" rtl="0" eaLnBrk="1" latinLnBrk="0" hangingPunct="1">
+        <a:spcBef>
+          <a:spcPct val="20000"/>
+        </a:spcBef>
+        <a:buFont typeface="Arial" pitchFamily="34" charset="0"/>
+        <a:buChar char="•"/>
+        <a:defRPr sz="3200" kern="1200">
+          <a:solidFill>
+            <a:schemeClr val="tx1"/>
+          </a:solidFill>
+          <a:latin typeface="+mn-lt"/>
+          <a:ea typeface="+mn-ea"/>
+          <a:cs typeface="+mn-cs"/>
+        </a:defRPr>
+      </a:lvl1pPr>
+      <a:lvl2pPr marL="742950" indent="-285750" algn="l" defTabSz="914400" rtl="0" eaLnBrk="1" latinLnBrk="0" hangingPunct="1">
+        <a:spcBef>
+          <a:spcPct val="20000"/>
+        </a:spcBef>
+        <a:buFont typeface="Arial" pitchFamily="34" charset="0"/>
+        <a:buChar char="–"/>
+        <a:defRPr sz="2800" kern="1200">
+          <a:solidFill>
+            <a:schemeClr val="tx1"/>
+          </a:solidFill>
+          <a:latin typeface="+mn-lt"/>
+          <a:ea typeface="+mn-ea"/>
+          <a:cs typeface="+mn-cs"/>
+        </a:defRPr>
+      </a:lvl2pPr>
+      <a:lvl3pPr marL="1143000" indent="-228600" algn="l" defTabSz="914400" rtl="0" eaLnBrk="1" latinLnBrk="0" hangingPunct="1">
+        <a:spcBef>
+          <a:spcPct val="20000"/>
+        </a:spcBef>
+        <a:buFont typeface="Arial" pitchFamily="34" charset="0"/>
+        <a:buChar char="•"/>
+        <a:defRPr sz="2400" kern="1200">
+          <a:solidFill>
+            <a:schemeClr val="tx1"/>
+          </a:solidFill>
+          <a:latin typeface="+mn-lt"/>
+          <a:ea typeface="+mn-ea"/>
+          <a:cs typeface="+mn-cs"/>
+        </a:defRPr>
+      </a:lvl3pPr>
+      <a:lvl4pPr marL="1600200" indent="-228600" algn="l" defTabSz="914400" rtl="0" eaLnBrk="1" latinLnBrk="0" hangingPunct="1">
+        <a:spcBef>
+          <a:spcPct val="20000"/>
+        </a:spcBef>
+        <a:buFont typeface="Arial" pitchFamily="34" charset="0"/>
+        <a:buChar char="–"/>
+        <a:defRPr sz="2000" kern="1200">
+          <a:solidFill>
+            <a:schemeClr val="tx1"/>
+          </a:solidFill>
+          <a:latin typeface="+mn-lt"/>
+          <a:ea typeface="+mn-ea"/>
+          <a:cs typeface="+mn-cs"/>
+        </a:defRPr>
+      </a:lvl4pPr>
+      <a:lvl5pPr marL="2057400" indent="-228600" algn="l" defTabSz="914400" rtl="0" eaLnBrk="1" latinLnBrk="0" hangingPunct="1">
+        <a:spcBef>
+          <a:spcPct val="20000"/>
+        </a:spcBef>
+        <a:buFont typeface="Arial" pitchFamily="34" charset="0"/>
+        <a:buChar char="»"/>
+        <a:defRPr sz="2000" kern="1200">
+          <a:solidFill>
+            <a:schemeClr val="tx1"/>
+          </a:solidFill>
+          <a:latin typeface="+mn-lt"/>
+          <a:ea typeface="+mn-ea"/>
+          <a:cs typeface="+mn-cs"/>
+        </a:defRPr>
+      </a:lvl5pPr>
+      <a:lvl6pPr marL="2514600" indent="-228600" algn="l" defTabSz="914400" rtl="0" eaLnBrk="1" latinLnBrk="0" hangingPunct="1">
+        <a:spcBef>
+          <a:spcPct val="20000"/>
+        </a:spcBef>
+        <a:buFont typeface="Arial" pitchFamily="34" charset="0"/>
+        <a:buChar char="•"/>
+        <a:defRPr sz="2000" kern="1200">
+          <a:solidFill>
+            <a:schemeClr val="tx1"/>
+          </a:solidFill>
+          <a:latin typeface="+mn-lt"/>
+          <a:ea typeface="+mn-ea"/>
+          <a:cs typeface="+mn-cs"/>
+        </a:defRPr>
+      </a:lvl6pPr>
+      <a:lvl7pPr marL="2971800" indent="-228600" algn="l" defTabSz="914400" rtl="0" eaLnBrk="1" latinLnBrk="0" hangingPunct="1">
+        <a:spcBef>
+          <a:spcPct val="20000"/>
+        </a:spcBef>
+        <a:buFont typeface="Arial" pitchFamily="34" charset="0"/>
+        <a:buChar char="•"/>
+        <a:defRPr sz="2000" kern="1200">
+          <a:solidFill>
+            <a:schemeClr val="tx1"/>
+          </a:solidFill>
+          <a:latin typeface="+mn-lt"/>
+          <a:ea typeface="+mn-ea"/>
+          <a:cs typeface="+mn-cs"/>
+        </a:defRPr>
+      </a:lvl7pPr>
+      <a:lvl8pPr marL="3429000" indent="-228600" algn="l" defTabSz="914400" rtl="0" eaLnBrk="1" latinLnBrk="0" hangingPunct="1">
+        <a:spcBef>
+          <a:spcPct val="20000"/>
+        </a:spcBef>
+        <a:buFont typeface="Arial" pitchFamily="34" charset="0"/>
+        <a:buChar char="•"/>
+        <a:defRPr sz="2000" kern="1200">
+          <a:solidFill>
+            <a:schemeClr val="tx1"/>
+          </a:solidFill>
+          <a:latin typeface="+mn-lt"/>
+          <a:ea typeface="+mn-ea"/>
+          <a:cs typeface="+mn-cs"/>
+        </a:defRPr>
+      </a:lvl8pPr>
+      <a:lvl9pPr marL="3886200" indent="-228600" algn="l" defTabSz="914400" rtl="0" eaLnBrk="1" latinLnBrk="0" hangingPunct="1">
+        <a:spcBef>
+          <a:spcPct val="20000"/>
+        </a:spcBef>
+        <a:buFont typeface="Arial" pitchFamily="34" charset="0"/>
+        <a:buChar char="•"/>
+        <a:defRPr sz="2000" kern="1200">
+          <a:solidFill>
+            <a:schemeClr val="tx1"/>
+          </a:solidFill>
+          <a:latin typeface="+mn-lt"/>
+          <a:ea typeface="+mn-ea"/>
+          <a:cs typeface="+mn-cs"/>
+        </a:defRPr>
+      </a:lvl9pPr>
+    </p:bodyStyle>
+    <p:otherStyle>
+      <a:defPPr>
+        <a:defRPr lang="en-US"/>
+      </a:defPPr>
+      <a:lvl1pPr marL="0" algn="l" defTabSz="914400" rtl="0" eaLnBrk="1" latinLnBrk="0" hangingPunct="1">
+        <a:defRPr sz="1800" kern="1200">
+          <a:solidFill>
+            <a:schemeClr val="tx1"/>
+          </a:solidFill>
+          <a:latin typeface="+mn-lt"/>
+          <a:ea typeface="+mn-ea"/>
+          <a:cs typeface="+mn-cs"/>
+        </a:defRPr>
+      </a:lvl1pPr>
+      <a:lvl2pPr marL="457200" algn="l" defTabSz="914400" rtl="0" eaLnBrk="1" latinLnBrk="0" hangingPunct="1">
+        <a:defRPr sz="1800" kern="1200">
+          <a:solidFill>
+            <a:schemeClr val="tx1"/>
+          </a:solidFill>
+          <a:latin typeface="+mn-lt"/>
+          <a:ea typeface="+mn-ea"/>
+          <a:cs typeface="+mn-cs"/>
+        </a:defRPr>
+      </a:lvl2pPr>
+      <a:lvl3pPr marL="914400" algn="l" defTabSz="914400" rtl="0" eaLnBrk="1" latinLnBrk="0" hangingPunct="1">
+        <a:defRPr sz="1800" kern="1200">
+          <a:solidFill>
+            <a:schemeClr val="tx1"/>
+          </a:solidFill>
+          <a:latin typeface="+mn-lt"/>
+          <a:ea typeface="+mn-ea"/>
+          <a:cs typeface="+mn-cs"/>
+        </a:defRPr>
+      </a:lvl3pPr>
+      <a:lvl4pPr marL="1371600" algn="l" defTabSz="914400" rtl="0" eaLnBrk="1" latinLnBrk="0" hangingPunct="1">
+        <a:defRPr sz="1800" kern="1200">
+          <a:solidFill>
+            <a:schemeClr val="tx1"/>
+          </a:solidFill>
+          <a:latin typeface="+mn-lt"/>
+          <a:ea typeface="+mn-ea"/>
+          <a:cs typeface="+mn-cs"/>
+        </a:defRPr>
+      </a:lvl4pPr>
+      <a:lvl5pPr marL="1828800" algn="l" defTabSz="914400" rtl="0" eaLnBrk="1" latinLnBrk="0" hangingPunct="1">
+        <a:defRPr sz="1800" kern="1200">
+          <a:solidFill>
+            <a:schemeClr val="tx1"/>
+          </a:solidFill>
+          <a:latin typeface="+mn-lt"/>
+          <a:ea typeface="+mn-ea"/>
+          <a:cs typeface="+mn-cs"/>
+        </a:defRPr>
+      </a:lvl5pPr>
+      <a:lvl6pPr marL="2286000" algn="l" defTabSz="914400" rtl="0" eaLnBrk="1" latinLnBrk="0" hangingPunct="1">
+        <a:defRPr sz="1800" kern="1200">
+          <a:solidFill>
+            <a:schemeClr val="tx1"/>
+          </a:solidFill>
+          <a:latin typeface="+mn-lt"/>
+          <a:ea typeface="+mn-ea"/>
+          <a:cs typeface="+mn-cs"/>
+        </a:defRPr>
+      </a:lvl6pPr>
+      <a:lvl7pPr marL="2743200" algn="l" defTabSz="914400" rtl="0" eaLnBrk="1" latinLnBrk="0" hangingPunct="1">
+        <a:defRPr sz="1800" kern="1200">
+          <a:solidFill>
+            <a:schemeClr val="tx1"/>
+          </a:solidFill>
+          <a:latin typeface="+mn-lt"/>
+          <a:ea typeface="+mn-ea"/>
+          <a:cs typeface="+mn-cs"/>
+        </a:defRPr>
+      </a:lvl7pPr>
+      <a:lvl8pPr marL="3200400" algn="l" defTabSz="914400" rtl="0" eaLnBrk="1" latinLnBrk="0" hangingPunct="1">
+        <a:defRPr sz="1800" kern="1200">
+          <a:solidFill>
+            <a:schemeClr val="tx1"/>
+          </a:solidFill>
+          <a:latin typeface="+mn-lt"/>
+          <a:ea typeface="+mn-ea"/>
+          <a:cs typeface="+mn-cs"/>
+        </a:defRPr>
+      </a:lvl8pPr>
+      <a:lvl9pPr marL="3657600" algn="l" defTabSz="914400" rtl="0" eaLnBrk="1" latinLnBrk="0" hangingPunct="1">
+        <a:defRPr sz="1800" kern="1200">
+          <a:solidFill>
+            <a:schemeClr val="tx1"/>
+          </a:solidFill>
+          <a:latin typeface="+mn-lt"/>
+          <a:ea typeface="+mn-ea"/>
+          <a:cs typeface="+mn-cs"/>
+        </a:defRPr>
+      </a:lvl9pPr>
+    </p:otherStyle>
+  </p:txStyles>
+</p:sldMaster>
+</file>
+
 <file path=ppt/slides/slide1.xml><?xml version="1.0" encoding="utf-8"?>
 <p:sld xmlns:a="http://schemas.openxmlformats.org/drawingml/2006/main" xmlns:r="http://schemas.openxmlformats.org/officeDocument/2006/relationships" xmlns:p="http://schemas.openxmlformats.org/presentationml/2006/main">
   <p:cSld>
+    <p:bg>
+      <p:bgPr>
+        <a:gradFill>
+          <a:gsLst>
+            <a:gs pos="0">
+              <a:schemeClr val="accent1">
+                <a:tint val="66000"/>
+                <a:satMod val="160000"/>
+              </a:schemeClr>
+            </a:gs>
+            <a:gs pos="50000">
+              <a:schemeClr val="accent1">
+                <a:tint val="44500"/>
+                <a:satMod val="160000"/>
+              </a:schemeClr>
+            </a:gs>
+            <a:gs pos="100000">
+              <a:schemeClr val="accent1">
+                <a:tint val="23500"/>
+                <a:satMod val="160000"/>
+              </a:schemeClr>
+            </a:gs>
+          </a:gsLst>
+          <a:lin ang="5400000" scaled="0"/>
+        </a:gradFill>
+        <a:effectLst/>
+      </p:bgPr>
+    </p:bg>
     <p:spTree>
       <p:nvGrpSpPr>
         <p:cNvPr id="1" name=""/>
@@ -4150,12 +7783,16 @@
             <p:ph type="title"/>
           </p:nvPr>
         </p:nvSpPr>
-        <p:spPr/>
-        <p:txBody>
-          <a:bodyPr/>
-          <a:lstStyle/>
-          <a:p>
-            <a:pPr algn="l"/>
+        <p:spPr>
+          <a:xfrm>
+            <a:off x="457200" y="399333"/>
+            <a:ext cx="8229600" cy="1143000"/>
+          </a:xfrm>
+        </p:spPr>
+        <p:txBody>
+          <a:bodyPr/>
+          <a:lstStyle/>
+          <a:p>
             <a:r>
               <a:rPr lang="en-US" dirty="0" smtClean="0"/>
               <a:t>Objectives</a:t>
@@ -4325,11 +7962,7 @@
           <a:p>
             <a:r>
               <a:rPr lang="en-US" dirty="0" smtClean="0"/>
-              <a:t>learned </a:t>
-            </a:r>
-            <a:r>
-              <a:rPr lang="en-US" dirty="0" smtClean="0"/>
-              <a:t>how to describe functionality of the web pages through JavaScript</a:t>
+              <a:t>learned how to describe functionality of the web pages through JavaScript</a:t>
             </a:r>
           </a:p>
           <a:p>
@@ -5536,4 +9169,859 @@
   <a:objectDefaults/>
   <a:extraClrSchemeLst/>
 </a:theme>
+</file>
+
+<file path=ppt/theme/theme2.xml><?xml version="1.0" encoding="utf-8"?>
+<a:theme xmlns:a="http://schemas.openxmlformats.org/drawingml/2006/main" name="Custom Design">
+  <a:themeElements>
+    <a:clrScheme name="Office">
+      <a:dk1>
+        <a:sysClr val="windowText" lastClr="000000"/>
+      </a:dk1>
+      <a:lt1>
+        <a:sysClr val="window" lastClr="FFFFFF"/>
+      </a:lt1>
+      <a:dk2>
+        <a:srgbClr val="1F497D"/>
+      </a:dk2>
+      <a:lt2>
+        <a:srgbClr val="EEECE1"/>
+      </a:lt2>
+      <a:accent1>
+        <a:srgbClr val="4F81BD"/>
+      </a:accent1>
+      <a:accent2>
+        <a:srgbClr val="C0504D"/>
+      </a:accent2>
+      <a:accent3>
+        <a:srgbClr val="9BBB59"/>
+      </a:accent3>
+      <a:accent4>
+        <a:srgbClr val="8064A2"/>
+      </a:accent4>
+      <a:accent5>
+        <a:srgbClr val="4BACC6"/>
+      </a:accent5>
+      <a:accent6>
+        <a:srgbClr val="F79646"/>
+      </a:accent6>
+      <a:hlink>
+        <a:srgbClr val="0000FF"/>
+      </a:hlink>
+      <a:folHlink>
+        <a:srgbClr val="800080"/>
+      </a:folHlink>
+    </a:clrScheme>
+    <a:fontScheme name="Office">
+      <a:majorFont>
+        <a:latin typeface="Calibri"/>
+        <a:ea typeface=""/>
+        <a:cs typeface=""/>
+        <a:font script="Jpan" typeface="ＭＳ Ｐゴシック"/>
+        <a:font script="Hang" typeface="맑은 고딕"/>
+        <a:font script="Hans" typeface="宋体"/>
+        <a:font script="Hant" typeface="新細明體"/>
+        <a:font script="Arab" typeface="Times New Roman"/>
+        <a:font script="Hebr" typeface="Times New Roman"/>
+        <a:font script="Thai" typeface="Angsana New"/>
+        <a:font script="Ethi" typeface="Nyala"/>
+        <a:font script="Beng" typeface="Vrinda"/>
+        <a:font script="Gujr" typeface="Shruti"/>
+        <a:font script="Khmr" typeface="MoolBoran"/>
+        <a:font script="Knda" typeface="Tunga"/>
+        <a:font script="Guru" typeface="Raavi"/>
+        <a:font script="Cans" typeface="Euphemia"/>
+        <a:font script="Cher" typeface="Plantagenet Cherokee"/>
+        <a:font script="Yiii" typeface="Microsoft Yi Baiti"/>
+        <a:font script="Tibt" typeface="Microsoft Himalaya"/>
+        <a:font script="Thaa" typeface="MV Boli"/>
+        <a:font script="Deva" typeface="Mangal"/>
+        <a:font script="Telu" typeface="Gautami"/>
+        <a:font script="Taml" typeface="Latha"/>
+        <a:font script="Syrc" typeface="Estrangelo Edessa"/>
+        <a:font script="Orya" typeface="Kalinga"/>
+        <a:font script="Mlym" typeface="Kartika"/>
+        <a:font script="Laoo" typeface="DokChampa"/>
+        <a:font script="Sinh" typeface="Iskoola Pota"/>
+        <a:font script="Mong" typeface="Mongolian Baiti"/>
+        <a:font script="Viet" typeface="Times New Roman"/>
+        <a:font script="Uigh" typeface="Microsoft Uighur"/>
+        <a:font script="Geor" typeface="Sylfaen"/>
+      </a:majorFont>
+      <a:minorFont>
+        <a:latin typeface="Calibri"/>
+        <a:ea typeface=""/>
+        <a:cs typeface=""/>
+        <a:font script="Jpan" typeface="ＭＳ Ｐゴシック"/>
+        <a:font script="Hang" typeface="맑은 고딕"/>
+        <a:font script="Hans" typeface="宋体"/>
+        <a:font script="Hant" typeface="新細明體"/>
+        <a:font script="Arab" typeface="Arial"/>
+        <a:font script="Hebr" typeface="Arial"/>
+        <a:font script="Thai" typeface="Cordia New"/>
+        <a:font script="Ethi" typeface="Nyala"/>
+        <a:font script="Beng" typeface="Vrinda"/>
+        <a:font script="Gujr" typeface="Shruti"/>
+        <a:font script="Khmr" typeface="DaunPenh"/>
+        <a:font script="Knda" typeface="Tunga"/>
+        <a:font script="Guru" typeface="Raavi"/>
+        <a:font script="Cans" typeface="Euphemia"/>
+        <a:font script="Cher" typeface="Plantagenet Cherokee"/>
+        <a:font script="Yiii" typeface="Microsoft Yi Baiti"/>
+        <a:font script="Tibt" typeface="Microsoft Himalaya"/>
+        <a:font script="Thaa" typeface="MV Boli"/>
+        <a:font script="Deva" typeface="Mangal"/>
+        <a:font script="Telu" typeface="Gautami"/>
+        <a:font script="Taml" typeface="Latha"/>
+        <a:font script="Syrc" typeface="Estrangelo Edessa"/>
+        <a:font script="Orya" typeface="Kalinga"/>
+        <a:font script="Mlym" typeface="Kartika"/>
+        <a:font script="Laoo" typeface="DokChampa"/>
+        <a:font script="Sinh" typeface="Iskoola Pota"/>
+        <a:font script="Mong" typeface="Mongolian Baiti"/>
+        <a:font script="Viet" typeface="Arial"/>
+        <a:font script="Uigh" typeface="Microsoft Uighur"/>
+        <a:font script="Geor" typeface="Sylfaen"/>
+      </a:minorFont>
+    </a:fontScheme>
+    <a:fmtScheme name="Office">
+      <a:fillStyleLst>
+        <a:solidFill>
+          <a:schemeClr val="phClr"/>
+        </a:solidFill>
+        <a:gradFill rotWithShape="1">
+          <a:gsLst>
+            <a:gs pos="0">
+              <a:schemeClr val="phClr">
+                <a:tint val="50000"/>
+                <a:satMod val="300000"/>
+              </a:schemeClr>
+            </a:gs>
+            <a:gs pos="35000">
+              <a:schemeClr val="phClr">
+                <a:tint val="37000"/>
+                <a:satMod val="300000"/>
+              </a:schemeClr>
+            </a:gs>
+            <a:gs pos="100000">
+              <a:schemeClr val="phClr">
+                <a:tint val="15000"/>
+                <a:satMod val="350000"/>
+              </a:schemeClr>
+            </a:gs>
+          </a:gsLst>
+          <a:lin ang="16200000" scaled="1"/>
+        </a:gradFill>
+        <a:gradFill rotWithShape="1">
+          <a:gsLst>
+            <a:gs pos="0">
+              <a:schemeClr val="phClr">
+                <a:shade val="51000"/>
+                <a:satMod val="130000"/>
+              </a:schemeClr>
+            </a:gs>
+            <a:gs pos="80000">
+              <a:schemeClr val="phClr">
+                <a:shade val="93000"/>
+                <a:satMod val="130000"/>
+              </a:schemeClr>
+            </a:gs>
+            <a:gs pos="100000">
+              <a:schemeClr val="phClr">
+                <a:shade val="94000"/>
+                <a:satMod val="135000"/>
+              </a:schemeClr>
+            </a:gs>
+          </a:gsLst>
+          <a:lin ang="16200000" scaled="0"/>
+        </a:gradFill>
+      </a:fillStyleLst>
+      <a:lnStyleLst>
+        <a:ln w="9525" cap="flat" cmpd="sng" algn="ctr">
+          <a:solidFill>
+            <a:schemeClr val="phClr">
+              <a:shade val="95000"/>
+              <a:satMod val="105000"/>
+            </a:schemeClr>
+          </a:solidFill>
+          <a:prstDash val="solid"/>
+        </a:ln>
+        <a:ln w="25400" cap="flat" cmpd="sng" algn="ctr">
+          <a:solidFill>
+            <a:schemeClr val="phClr"/>
+          </a:solidFill>
+          <a:prstDash val="solid"/>
+        </a:ln>
+        <a:ln w="38100" cap="flat" cmpd="sng" algn="ctr">
+          <a:solidFill>
+            <a:schemeClr val="phClr"/>
+          </a:solidFill>
+          <a:prstDash val="solid"/>
+        </a:ln>
+      </a:lnStyleLst>
+      <a:effectStyleLst>
+        <a:effectStyle>
+          <a:effectLst>
+            <a:outerShdw blurRad="40000" dist="20000" dir="5400000" rotWithShape="0">
+              <a:srgbClr val="000000">
+                <a:alpha val="38000"/>
+              </a:srgbClr>
+            </a:outerShdw>
+          </a:effectLst>
+        </a:effectStyle>
+        <a:effectStyle>
+          <a:effectLst>
+            <a:outerShdw blurRad="40000" dist="23000" dir="5400000" rotWithShape="0">
+              <a:srgbClr val="000000">
+                <a:alpha val="35000"/>
+              </a:srgbClr>
+            </a:outerShdw>
+          </a:effectLst>
+        </a:effectStyle>
+        <a:effectStyle>
+          <a:effectLst>
+            <a:outerShdw blurRad="40000" dist="23000" dir="5400000" rotWithShape="0">
+              <a:srgbClr val="000000">
+                <a:alpha val="35000"/>
+              </a:srgbClr>
+            </a:outerShdw>
+          </a:effectLst>
+          <a:scene3d>
+            <a:camera prst="orthographicFront">
+              <a:rot lat="0" lon="0" rev="0"/>
+            </a:camera>
+            <a:lightRig rig="threePt" dir="t">
+              <a:rot lat="0" lon="0" rev="1200000"/>
+            </a:lightRig>
+          </a:scene3d>
+          <a:sp3d>
+            <a:bevelT w="63500" h="25400"/>
+          </a:sp3d>
+        </a:effectStyle>
+      </a:effectStyleLst>
+      <a:bgFillStyleLst>
+        <a:solidFill>
+          <a:schemeClr val="phClr"/>
+        </a:solidFill>
+        <a:gradFill rotWithShape="1">
+          <a:gsLst>
+            <a:gs pos="0">
+              <a:schemeClr val="phClr">
+                <a:tint val="40000"/>
+                <a:satMod val="350000"/>
+              </a:schemeClr>
+            </a:gs>
+            <a:gs pos="40000">
+              <a:schemeClr val="phClr">
+                <a:tint val="45000"/>
+                <a:shade val="99000"/>
+                <a:satMod val="350000"/>
+              </a:schemeClr>
+            </a:gs>
+            <a:gs pos="100000">
+              <a:schemeClr val="phClr">
+                <a:shade val="20000"/>
+                <a:satMod val="255000"/>
+              </a:schemeClr>
+            </a:gs>
+          </a:gsLst>
+          <a:path path="circle">
+            <a:fillToRect l="50000" t="-80000" r="50000" b="180000"/>
+          </a:path>
+        </a:gradFill>
+        <a:gradFill rotWithShape="1">
+          <a:gsLst>
+            <a:gs pos="0">
+              <a:schemeClr val="phClr">
+                <a:tint val="80000"/>
+                <a:satMod val="300000"/>
+              </a:schemeClr>
+            </a:gs>
+            <a:gs pos="100000">
+              <a:schemeClr val="phClr">
+                <a:shade val="30000"/>
+                <a:satMod val="200000"/>
+              </a:schemeClr>
+            </a:gs>
+          </a:gsLst>
+          <a:path path="circle">
+            <a:fillToRect l="50000" t="50000" r="50000" b="50000"/>
+          </a:path>
+        </a:gradFill>
+      </a:bgFillStyleLst>
+    </a:fmtScheme>
+  </a:themeElements>
+  <a:objectDefaults/>
+  <a:extraClrSchemeLst/>
+</a:theme>
+</file>
+
+<file path=ppt/theme/theme3.xml><?xml version="1.0" encoding="utf-8"?>
+<a:theme xmlns:a="http://schemas.openxmlformats.org/drawingml/2006/main" name="Office Theme">
+  <a:themeElements>
+    <a:clrScheme name="Office">
+      <a:dk1>
+        <a:sysClr val="windowText" lastClr="000000"/>
+      </a:dk1>
+      <a:lt1>
+        <a:sysClr val="window" lastClr="FFFFFF"/>
+      </a:lt1>
+      <a:dk2>
+        <a:srgbClr val="1F497D"/>
+      </a:dk2>
+      <a:lt2>
+        <a:srgbClr val="EEECE1"/>
+      </a:lt2>
+      <a:accent1>
+        <a:srgbClr val="4F81BD"/>
+      </a:accent1>
+      <a:accent2>
+        <a:srgbClr val="C0504D"/>
+      </a:accent2>
+      <a:accent3>
+        <a:srgbClr val="9BBB59"/>
+      </a:accent3>
+      <a:accent4>
+        <a:srgbClr val="8064A2"/>
+      </a:accent4>
+      <a:accent5>
+        <a:srgbClr val="4BACC6"/>
+      </a:accent5>
+      <a:accent6>
+        <a:srgbClr val="F79646"/>
+      </a:accent6>
+      <a:hlink>
+        <a:srgbClr val="0000FF"/>
+      </a:hlink>
+      <a:folHlink>
+        <a:srgbClr val="800080"/>
+      </a:folHlink>
+    </a:clrScheme>
+    <a:fontScheme name="Office">
+      <a:majorFont>
+        <a:latin typeface="Calibri"/>
+        <a:ea typeface=""/>
+        <a:cs typeface=""/>
+        <a:font script="Jpan" typeface="ＭＳ Ｐゴシック"/>
+        <a:font script="Hang" typeface="맑은 고딕"/>
+        <a:font script="Hans" typeface="宋体"/>
+        <a:font script="Hant" typeface="新細明體"/>
+        <a:font script="Arab" typeface="Times New Roman"/>
+        <a:font script="Hebr" typeface="Times New Roman"/>
+        <a:font script="Thai" typeface="Angsana New"/>
+        <a:font script="Ethi" typeface="Nyala"/>
+        <a:font script="Beng" typeface="Vrinda"/>
+        <a:font script="Gujr" typeface="Shruti"/>
+        <a:font script="Khmr" typeface="MoolBoran"/>
+        <a:font script="Knda" typeface="Tunga"/>
+        <a:font script="Guru" typeface="Raavi"/>
+        <a:font script="Cans" typeface="Euphemia"/>
+        <a:font script="Cher" typeface="Plantagenet Cherokee"/>
+        <a:font script="Yiii" typeface="Microsoft Yi Baiti"/>
+        <a:font script="Tibt" typeface="Microsoft Himalaya"/>
+        <a:font script="Thaa" typeface="MV Boli"/>
+        <a:font script="Deva" typeface="Mangal"/>
+        <a:font script="Telu" typeface="Gautami"/>
+        <a:font script="Taml" typeface="Latha"/>
+        <a:font script="Syrc" typeface="Estrangelo Edessa"/>
+        <a:font script="Orya" typeface="Kalinga"/>
+        <a:font script="Mlym" typeface="Kartika"/>
+        <a:font script="Laoo" typeface="DokChampa"/>
+        <a:font script="Sinh" typeface="Iskoola Pota"/>
+        <a:font script="Mong" typeface="Mongolian Baiti"/>
+        <a:font script="Viet" typeface="Times New Roman"/>
+        <a:font script="Uigh" typeface="Microsoft Uighur"/>
+        <a:font script="Geor" typeface="Sylfaen"/>
+      </a:majorFont>
+      <a:minorFont>
+        <a:latin typeface="Calibri"/>
+        <a:ea typeface=""/>
+        <a:cs typeface=""/>
+        <a:font script="Jpan" typeface="ＭＳ Ｐゴシック"/>
+        <a:font script="Hang" typeface="맑은 고딕"/>
+        <a:font script="Hans" typeface="宋体"/>
+        <a:font script="Hant" typeface="新細明體"/>
+        <a:font script="Arab" typeface="Arial"/>
+        <a:font script="Hebr" typeface="Arial"/>
+        <a:font script="Thai" typeface="Cordia New"/>
+        <a:font script="Ethi" typeface="Nyala"/>
+        <a:font script="Beng" typeface="Vrinda"/>
+        <a:font script="Gujr" typeface="Shruti"/>
+        <a:font script="Khmr" typeface="DaunPenh"/>
+        <a:font script="Knda" typeface="Tunga"/>
+        <a:font script="Guru" typeface="Raavi"/>
+        <a:font script="Cans" typeface="Euphemia"/>
+        <a:font script="Cher" typeface="Plantagenet Cherokee"/>
+        <a:font script="Yiii" typeface="Microsoft Yi Baiti"/>
+        <a:font script="Tibt" typeface="Microsoft Himalaya"/>
+        <a:font script="Thaa" typeface="MV Boli"/>
+        <a:font script="Deva" typeface="Mangal"/>
+        <a:font script="Telu" typeface="Gautami"/>
+        <a:font script="Taml" typeface="Latha"/>
+        <a:font script="Syrc" typeface="Estrangelo Edessa"/>
+        <a:font script="Orya" typeface="Kalinga"/>
+        <a:font script="Mlym" typeface="Kartika"/>
+        <a:font script="Laoo" typeface="DokChampa"/>
+        <a:font script="Sinh" typeface="Iskoola Pota"/>
+        <a:font script="Mong" typeface="Mongolian Baiti"/>
+        <a:font script="Viet" typeface="Arial"/>
+        <a:font script="Uigh" typeface="Microsoft Uighur"/>
+        <a:font script="Geor" typeface="Sylfaen"/>
+      </a:minorFont>
+    </a:fontScheme>
+    <a:fmtScheme name="Office">
+      <a:fillStyleLst>
+        <a:solidFill>
+          <a:schemeClr val="phClr"/>
+        </a:solidFill>
+        <a:gradFill rotWithShape="1">
+          <a:gsLst>
+            <a:gs pos="0">
+              <a:schemeClr val="phClr">
+                <a:tint val="50000"/>
+                <a:satMod val="300000"/>
+              </a:schemeClr>
+            </a:gs>
+            <a:gs pos="35000">
+              <a:schemeClr val="phClr">
+                <a:tint val="37000"/>
+                <a:satMod val="300000"/>
+              </a:schemeClr>
+            </a:gs>
+            <a:gs pos="100000">
+              <a:schemeClr val="phClr">
+                <a:tint val="15000"/>
+                <a:satMod val="350000"/>
+              </a:schemeClr>
+            </a:gs>
+          </a:gsLst>
+          <a:lin ang="16200000" scaled="1"/>
+        </a:gradFill>
+        <a:gradFill rotWithShape="1">
+          <a:gsLst>
+            <a:gs pos="0">
+              <a:schemeClr val="phClr">
+                <a:shade val="51000"/>
+                <a:satMod val="130000"/>
+              </a:schemeClr>
+            </a:gs>
+            <a:gs pos="80000">
+              <a:schemeClr val="phClr">
+                <a:shade val="93000"/>
+                <a:satMod val="130000"/>
+              </a:schemeClr>
+            </a:gs>
+            <a:gs pos="100000">
+              <a:schemeClr val="phClr">
+                <a:shade val="94000"/>
+                <a:satMod val="135000"/>
+              </a:schemeClr>
+            </a:gs>
+          </a:gsLst>
+          <a:lin ang="16200000" scaled="0"/>
+        </a:gradFill>
+      </a:fillStyleLst>
+      <a:lnStyleLst>
+        <a:ln w="9525" cap="flat" cmpd="sng" algn="ctr">
+          <a:solidFill>
+            <a:schemeClr val="phClr">
+              <a:shade val="95000"/>
+              <a:satMod val="105000"/>
+            </a:schemeClr>
+          </a:solidFill>
+          <a:prstDash val="solid"/>
+        </a:ln>
+        <a:ln w="25400" cap="flat" cmpd="sng" algn="ctr">
+          <a:solidFill>
+            <a:schemeClr val="phClr"/>
+          </a:solidFill>
+          <a:prstDash val="solid"/>
+        </a:ln>
+        <a:ln w="38100" cap="flat" cmpd="sng" algn="ctr">
+          <a:solidFill>
+            <a:schemeClr val="phClr"/>
+          </a:solidFill>
+          <a:prstDash val="solid"/>
+        </a:ln>
+      </a:lnStyleLst>
+      <a:effectStyleLst>
+        <a:effectStyle>
+          <a:effectLst>
+            <a:outerShdw blurRad="40000" dist="20000" dir="5400000" rotWithShape="0">
+              <a:srgbClr val="000000">
+                <a:alpha val="38000"/>
+              </a:srgbClr>
+            </a:outerShdw>
+          </a:effectLst>
+        </a:effectStyle>
+        <a:effectStyle>
+          <a:effectLst>
+            <a:outerShdw blurRad="40000" dist="23000" dir="5400000" rotWithShape="0">
+              <a:srgbClr val="000000">
+                <a:alpha val="35000"/>
+              </a:srgbClr>
+            </a:outerShdw>
+          </a:effectLst>
+        </a:effectStyle>
+        <a:effectStyle>
+          <a:effectLst>
+            <a:outerShdw blurRad="40000" dist="23000" dir="5400000" rotWithShape="0">
+              <a:srgbClr val="000000">
+                <a:alpha val="35000"/>
+              </a:srgbClr>
+            </a:outerShdw>
+          </a:effectLst>
+          <a:scene3d>
+            <a:camera prst="orthographicFront">
+              <a:rot lat="0" lon="0" rev="0"/>
+            </a:camera>
+            <a:lightRig rig="threePt" dir="t">
+              <a:rot lat="0" lon="0" rev="1200000"/>
+            </a:lightRig>
+          </a:scene3d>
+          <a:sp3d>
+            <a:bevelT w="63500" h="25400"/>
+          </a:sp3d>
+        </a:effectStyle>
+      </a:effectStyleLst>
+      <a:bgFillStyleLst>
+        <a:solidFill>
+          <a:schemeClr val="phClr"/>
+        </a:solidFill>
+        <a:gradFill rotWithShape="1">
+          <a:gsLst>
+            <a:gs pos="0">
+              <a:schemeClr val="phClr">
+                <a:tint val="40000"/>
+                <a:satMod val="350000"/>
+              </a:schemeClr>
+            </a:gs>
+            <a:gs pos="40000">
+              <a:schemeClr val="phClr">
+                <a:tint val="45000"/>
+                <a:shade val="99000"/>
+                <a:satMod val="350000"/>
+              </a:schemeClr>
+            </a:gs>
+            <a:gs pos="100000">
+              <a:schemeClr val="phClr">
+                <a:shade val="20000"/>
+                <a:satMod val="255000"/>
+              </a:schemeClr>
+            </a:gs>
+          </a:gsLst>
+          <a:path path="circle">
+            <a:fillToRect l="50000" t="-80000" r="50000" b="180000"/>
+          </a:path>
+        </a:gradFill>
+        <a:gradFill rotWithShape="1">
+          <a:gsLst>
+            <a:gs pos="0">
+              <a:schemeClr val="phClr">
+                <a:tint val="80000"/>
+                <a:satMod val="300000"/>
+              </a:schemeClr>
+            </a:gs>
+            <a:gs pos="100000">
+              <a:schemeClr val="phClr">
+                <a:shade val="30000"/>
+                <a:satMod val="200000"/>
+              </a:schemeClr>
+            </a:gs>
+          </a:gsLst>
+          <a:path path="circle">
+            <a:fillToRect l="50000" t="50000" r="50000" b="50000"/>
+          </a:path>
+        </a:gradFill>
+      </a:bgFillStyleLst>
+    </a:fmtScheme>
+  </a:themeElements>
+  <a:objectDefaults/>
+  <a:extraClrSchemeLst/>
+</a:theme>
+</file>
+
+<file path=ppt/theme/theme4.xml><?xml version="1.0" encoding="utf-8"?>
+<a:theme xmlns:a="http://schemas.openxmlformats.org/drawingml/2006/main" name="Office Theme">
+  <a:themeElements>
+    <a:clrScheme name="Office">
+      <a:dk1>
+        <a:sysClr val="windowText" lastClr="000000"/>
+      </a:dk1>
+      <a:lt1>
+        <a:sysClr val="window" lastClr="FFFFFF"/>
+      </a:lt1>
+      <a:dk2>
+        <a:srgbClr val="1F497D"/>
+      </a:dk2>
+      <a:lt2>
+        <a:srgbClr val="EEECE1"/>
+      </a:lt2>
+      <a:accent1>
+        <a:srgbClr val="4F81BD"/>
+      </a:accent1>
+      <a:accent2>
+        <a:srgbClr val="C0504D"/>
+      </a:accent2>
+      <a:accent3>
+        <a:srgbClr val="9BBB59"/>
+      </a:accent3>
+      <a:accent4>
+        <a:srgbClr val="8064A2"/>
+      </a:accent4>
+      <a:accent5>
+        <a:srgbClr val="4BACC6"/>
+      </a:accent5>
+      <a:accent6>
+        <a:srgbClr val="F79646"/>
+      </a:accent6>
+      <a:hlink>
+        <a:srgbClr val="0000FF"/>
+      </a:hlink>
+      <a:folHlink>
+        <a:srgbClr val="800080"/>
+      </a:folHlink>
+    </a:clrScheme>
+    <a:fontScheme name="Office">
+      <a:majorFont>
+        <a:latin typeface="Calibri"/>
+        <a:ea typeface=""/>
+        <a:cs typeface=""/>
+        <a:font script="Jpan" typeface="ＭＳ Ｐゴシック"/>
+        <a:font script="Hang" typeface="맑은 고딕"/>
+        <a:font script="Hans" typeface="宋体"/>
+        <a:font script="Hant" typeface="新細明體"/>
+        <a:font script="Arab" typeface="Times New Roman"/>
+        <a:font script="Hebr" typeface="Times New Roman"/>
+        <a:font script="Thai" typeface="Angsana New"/>
+        <a:font script="Ethi" typeface="Nyala"/>
+        <a:font script="Beng" typeface="Vrinda"/>
+        <a:font script="Gujr" typeface="Shruti"/>
+        <a:font script="Khmr" typeface="MoolBoran"/>
+        <a:font script="Knda" typeface="Tunga"/>
+        <a:font script="Guru" typeface="Raavi"/>
+        <a:font script="Cans" typeface="Euphemia"/>
+        <a:font script="Cher" typeface="Plantagenet Cherokee"/>
+        <a:font script="Yiii" typeface="Microsoft Yi Baiti"/>
+        <a:font script="Tibt" typeface="Microsoft Himalaya"/>
+        <a:font script="Thaa" typeface="MV Boli"/>
+        <a:font script="Deva" typeface="Mangal"/>
+        <a:font script="Telu" typeface="Gautami"/>
+        <a:font script="Taml" typeface="Latha"/>
+        <a:font script="Syrc" typeface="Estrangelo Edessa"/>
+        <a:font script="Orya" typeface="Kalinga"/>
+        <a:font script="Mlym" typeface="Kartika"/>
+        <a:font script="Laoo" typeface="DokChampa"/>
+        <a:font script="Sinh" typeface="Iskoola Pota"/>
+        <a:font script="Mong" typeface="Mongolian Baiti"/>
+        <a:font script="Viet" typeface="Times New Roman"/>
+        <a:font script="Uigh" typeface="Microsoft Uighur"/>
+        <a:font script="Geor" typeface="Sylfaen"/>
+      </a:majorFont>
+      <a:minorFont>
+        <a:latin typeface="Calibri"/>
+        <a:ea typeface=""/>
+        <a:cs typeface=""/>
+        <a:font script="Jpan" typeface="ＭＳ Ｐゴシック"/>
+        <a:font script="Hang" typeface="맑은 고딕"/>
+        <a:font script="Hans" typeface="宋体"/>
+        <a:font script="Hant" typeface="新細明體"/>
+        <a:font script="Arab" typeface="Arial"/>
+        <a:font script="Hebr" typeface="Arial"/>
+        <a:font script="Thai" typeface="Cordia New"/>
+        <a:font script="Ethi" typeface="Nyala"/>
+        <a:font script="Beng" typeface="Vrinda"/>
+        <a:font script="Gujr" typeface="Shruti"/>
+        <a:font script="Khmr" typeface="DaunPenh"/>
+        <a:font script="Knda" typeface="Tunga"/>
+        <a:font script="Guru" typeface="Raavi"/>
+        <a:font script="Cans" typeface="Euphemia"/>
+        <a:font script="Cher" typeface="Plantagenet Cherokee"/>
+        <a:font script="Yiii" typeface="Microsoft Yi Baiti"/>
+        <a:font script="Tibt" typeface="Microsoft Himalaya"/>
+        <a:font script="Thaa" typeface="MV Boli"/>
+        <a:font script="Deva" typeface="Mangal"/>
+        <a:font script="Telu" typeface="Gautami"/>
+        <a:font script="Taml" typeface="Latha"/>
+        <a:font script="Syrc" typeface="Estrangelo Edessa"/>
+        <a:font script="Orya" typeface="Kalinga"/>
+        <a:font script="Mlym" typeface="Kartika"/>
+        <a:font script="Laoo" typeface="DokChampa"/>
+        <a:font script="Sinh" typeface="Iskoola Pota"/>
+        <a:font script="Mong" typeface="Mongolian Baiti"/>
+        <a:font script="Viet" typeface="Arial"/>
+        <a:font script="Uigh" typeface="Microsoft Uighur"/>
+        <a:font script="Geor" typeface="Sylfaen"/>
+      </a:minorFont>
+    </a:fontScheme>
+    <a:fmtScheme name="Office">
+      <a:fillStyleLst>
+        <a:solidFill>
+          <a:schemeClr val="phClr"/>
+        </a:solidFill>
+        <a:gradFill rotWithShape="1">
+          <a:gsLst>
+            <a:gs pos="0">
+              <a:schemeClr val="phClr">
+                <a:tint val="50000"/>
+                <a:satMod val="300000"/>
+              </a:schemeClr>
+            </a:gs>
+            <a:gs pos="35000">
+              <a:schemeClr val="phClr">
+                <a:tint val="37000"/>
+                <a:satMod val="300000"/>
+              </a:schemeClr>
+            </a:gs>
+            <a:gs pos="100000">
+              <a:schemeClr val="phClr">
+                <a:tint val="15000"/>
+                <a:satMod val="350000"/>
+              </a:schemeClr>
+            </a:gs>
+          </a:gsLst>
+          <a:lin ang="16200000" scaled="1"/>
+        </a:gradFill>
+        <a:gradFill rotWithShape="1">
+          <a:gsLst>
+            <a:gs pos="0">
+              <a:schemeClr val="phClr">
+                <a:shade val="51000"/>
+                <a:satMod val="130000"/>
+              </a:schemeClr>
+            </a:gs>
+            <a:gs pos="80000">
+              <a:schemeClr val="phClr">
+                <a:shade val="93000"/>
+                <a:satMod val="130000"/>
+              </a:schemeClr>
+            </a:gs>
+            <a:gs pos="100000">
+              <a:schemeClr val="phClr">
+                <a:shade val="94000"/>
+                <a:satMod val="135000"/>
+              </a:schemeClr>
+            </a:gs>
+          </a:gsLst>
+          <a:lin ang="16200000" scaled="0"/>
+        </a:gradFill>
+      </a:fillStyleLst>
+      <a:lnStyleLst>
+        <a:ln w="9525" cap="flat" cmpd="sng" algn="ctr">
+          <a:solidFill>
+            <a:schemeClr val="phClr">
+              <a:shade val="95000"/>
+              <a:satMod val="105000"/>
+            </a:schemeClr>
+          </a:solidFill>
+          <a:prstDash val="solid"/>
+        </a:ln>
+        <a:ln w="25400" cap="flat" cmpd="sng" algn="ctr">
+          <a:solidFill>
+            <a:schemeClr val="phClr"/>
+          </a:solidFill>
+          <a:prstDash val="solid"/>
+        </a:ln>
+        <a:ln w="38100" cap="flat" cmpd="sng" algn="ctr">
+          <a:solidFill>
+            <a:schemeClr val="phClr"/>
+          </a:solidFill>
+          <a:prstDash val="solid"/>
+        </a:ln>
+      </a:lnStyleLst>
+      <a:effectStyleLst>
+        <a:effectStyle>
+          <a:effectLst>
+            <a:outerShdw blurRad="40000" dist="20000" dir="5400000" rotWithShape="0">
+              <a:srgbClr val="000000">
+                <a:alpha val="38000"/>
+              </a:srgbClr>
+            </a:outerShdw>
+          </a:effectLst>
+        </a:effectStyle>
+        <a:effectStyle>
+          <a:effectLst>
+            <a:outerShdw blurRad="40000" dist="23000" dir="5400000" rotWithShape="0">
+              <a:srgbClr val="000000">
+                <a:alpha val="35000"/>
+              </a:srgbClr>
+            </a:outerShdw>
+          </a:effectLst>
+        </a:effectStyle>
+        <a:effectStyle>
+          <a:effectLst>
+            <a:outerShdw blurRad="40000" dist="23000" dir="5400000" rotWithShape="0">
+              <a:srgbClr val="000000">
+                <a:alpha val="35000"/>
+              </a:srgbClr>
+            </a:outerShdw>
+          </a:effectLst>
+          <a:scene3d>
+            <a:camera prst="orthographicFront">
+              <a:rot lat="0" lon="0" rev="0"/>
+            </a:camera>
+            <a:lightRig rig="threePt" dir="t">
+              <a:rot lat="0" lon="0" rev="1200000"/>
+            </a:lightRig>
+          </a:scene3d>
+          <a:sp3d>
+            <a:bevelT w="63500" h="25400"/>
+          </a:sp3d>
+        </a:effectStyle>
+      </a:effectStyleLst>
+      <a:bgFillStyleLst>
+        <a:solidFill>
+          <a:schemeClr val="phClr"/>
+        </a:solidFill>
+        <a:gradFill rotWithShape="1">
+          <a:gsLst>
+            <a:gs pos="0">
+              <a:schemeClr val="phClr">
+                <a:tint val="40000"/>
+                <a:satMod val="350000"/>
+              </a:schemeClr>
+            </a:gs>
+            <a:gs pos="40000">
+              <a:schemeClr val="phClr">
+                <a:tint val="45000"/>
+                <a:shade val="99000"/>
+                <a:satMod val="350000"/>
+              </a:schemeClr>
+            </a:gs>
+            <a:gs pos="100000">
+              <a:schemeClr val="phClr">
+                <a:shade val="20000"/>
+                <a:satMod val="255000"/>
+              </a:schemeClr>
+            </a:gs>
+          </a:gsLst>
+          <a:path path="circle">
+            <a:fillToRect l="50000" t="-80000" r="50000" b="180000"/>
+          </a:path>
+        </a:gradFill>
+        <a:gradFill rotWithShape="1">
+          <a:gsLst>
+            <a:gs pos="0">
+              <a:schemeClr val="phClr">
+                <a:tint val="80000"/>
+                <a:satMod val="300000"/>
+              </a:schemeClr>
+            </a:gs>
+            <a:gs pos="100000">
+              <a:schemeClr val="phClr">
+                <a:shade val="30000"/>
+                <a:satMod val="200000"/>
+              </a:schemeClr>
+            </a:gs>
+          </a:gsLst>
+          <a:path path="circle">
+            <a:fillToRect l="50000" t="50000" r="50000" b="50000"/>
+          </a:path>
+        </a:gradFill>
+      </a:bgFillStyleLst>
+    </a:fmtScheme>
+  </a:themeElements>
+  <a:objectDefaults/>
+  <a:extraClrSchemeLst/>
+</a:theme>
 </file>
--- a/Internship Presentation.pptx
+++ b/Internship Presentation.pptx
@@ -10,24 +10,29 @@
     <p:sldId id="263" r:id="rId4"/>
     <p:sldId id="266" r:id="rId5"/>
     <p:sldId id="267" r:id="rId6"/>
-    <p:sldId id="258" r:id="rId7"/>
-    <p:sldId id="280" r:id="rId8"/>
-    <p:sldId id="281" r:id="rId9"/>
-    <p:sldId id="288" r:id="rId10"/>
-    <p:sldId id="274" r:id="rId11"/>
-    <p:sldId id="271" r:id="rId12"/>
-    <p:sldId id="272" r:id="rId13"/>
-    <p:sldId id="273" r:id="rId14"/>
-    <p:sldId id="269" r:id="rId15"/>
-    <p:sldId id="276" r:id="rId16"/>
-    <p:sldId id="282" r:id="rId17"/>
-    <p:sldId id="283" r:id="rId18"/>
-    <p:sldId id="284" r:id="rId19"/>
-    <p:sldId id="285" r:id="rId20"/>
-    <p:sldId id="259" r:id="rId21"/>
-    <p:sldId id="277" r:id="rId22"/>
-    <p:sldId id="286" r:id="rId23"/>
-    <p:sldId id="287" r:id="rId24"/>
+    <p:sldId id="289" r:id="rId7"/>
+    <p:sldId id="290" r:id="rId8"/>
+    <p:sldId id="291" r:id="rId9"/>
+    <p:sldId id="292" r:id="rId10"/>
+    <p:sldId id="258" r:id="rId11"/>
+    <p:sldId id="280" r:id="rId12"/>
+    <p:sldId id="281" r:id="rId13"/>
+    <p:sldId id="288" r:id="rId14"/>
+    <p:sldId id="274" r:id="rId15"/>
+    <p:sldId id="271" r:id="rId16"/>
+    <p:sldId id="272" r:id="rId17"/>
+    <p:sldId id="273" r:id="rId18"/>
+    <p:sldId id="269" r:id="rId19"/>
+    <p:sldId id="276" r:id="rId20"/>
+    <p:sldId id="282" r:id="rId21"/>
+    <p:sldId id="283" r:id="rId22"/>
+    <p:sldId id="284" r:id="rId23"/>
+    <p:sldId id="285" r:id="rId24"/>
+    <p:sldId id="293" r:id="rId25"/>
+    <p:sldId id="259" r:id="rId26"/>
+    <p:sldId id="277" r:id="rId27"/>
+    <p:sldId id="286" r:id="rId28"/>
+    <p:sldId id="287" r:id="rId29"/>
   </p:sldIdLst>
   <p:sldSz cx="9144000" cy="6858000" type="screen4x3"/>
   <p:notesSz cx="6858000" cy="9144000"/>
@@ -3326,21 +3331,8 @@
                   <a:schemeClr val="tx1"/>
                 </a:solidFill>
               </a:rPr>
-              <a:t>.	</a:t>
-            </a:r>
-            <a:r>
-              <a:rPr lang="en-US" dirty="0" smtClean="0">
-                <a:solidFill>
-                  <a:schemeClr val="tx1"/>
-                </a:solidFill>
-              </a:rPr>
-              <a:t>	:  1032170652</a:t>
-            </a:r>
-            <a:endParaRPr lang="en-US" dirty="0" smtClean="0">
-              <a:solidFill>
-                <a:schemeClr val="tx1"/>
-              </a:solidFill>
-            </a:endParaRPr>
+              <a:t>.		:  1032170652</a:t>
+            </a:r>
           </a:p>
           <a:p>
             <a:pPr algn="just"/>
@@ -3393,21 +3385,8 @@
                   <a:schemeClr val="tx1"/>
                 </a:solidFill>
               </a:rPr>
-              <a:t>	:  Student </a:t>
-            </a:r>
-            <a:r>
-              <a:rPr lang="en-US" dirty="0" smtClean="0">
-                <a:solidFill>
-                  <a:schemeClr val="tx1"/>
-                </a:solidFill>
-              </a:rPr>
-              <a:t>Registration System</a:t>
-            </a:r>
-            <a:endParaRPr lang="en-US" dirty="0" smtClean="0">
-              <a:solidFill>
-                <a:schemeClr val="tx1"/>
-              </a:solidFill>
-            </a:endParaRPr>
+              <a:t>	:  Student Registration System</a:t>
+            </a:r>
           </a:p>
           <a:p>
             <a:pPr algn="just"/>
@@ -3455,6 +3434,524 @@
 </file>
 
 <file path=ppt/slides/slide10.xml><?xml version="1.0" encoding="utf-8"?>
+<p:sld xmlns:a="http://schemas.openxmlformats.org/drawingml/2006/main" xmlns:r="http://schemas.openxmlformats.org/officeDocument/2006/relationships" xmlns:p="http://schemas.openxmlformats.org/presentationml/2006/main">
+  <p:cSld>
+    <p:spTree>
+      <p:nvGrpSpPr>
+        <p:cNvPr id="1" name=""/>
+        <p:cNvGrpSpPr/>
+        <p:nvPr/>
+      </p:nvGrpSpPr>
+      <p:grpSpPr>
+        <a:xfrm>
+          <a:off x="0" y="0"/>
+          <a:ext cx="0" cy="0"/>
+          <a:chOff x="0" y="0"/>
+          <a:chExt cx="0" cy="0"/>
+        </a:xfrm>
+      </p:grpSpPr>
+      <p:sp>
+        <p:nvSpPr>
+          <p:cNvPr id="2" name="Title 1"/>
+          <p:cNvSpPr>
+            <a:spLocks noGrp="1"/>
+          </p:cNvSpPr>
+          <p:nvPr>
+            <p:ph type="title"/>
+          </p:nvPr>
+        </p:nvSpPr>
+        <p:spPr/>
+        <p:txBody>
+          <a:bodyPr/>
+          <a:lstStyle/>
+          <a:p>
+            <a:pPr algn="l"/>
+            <a:r>
+              <a:rPr lang="en-US" dirty="0" smtClean="0"/>
+              <a:t>Tasks Completed</a:t>
+            </a:r>
+            <a:endParaRPr lang="en-IN" dirty="0"/>
+          </a:p>
+        </p:txBody>
+      </p:sp>
+      <p:sp>
+        <p:nvSpPr>
+          <p:cNvPr id="3" name="Content Placeholder 2"/>
+          <p:cNvSpPr>
+            <a:spLocks noGrp="1"/>
+          </p:cNvSpPr>
+          <p:nvPr>
+            <p:ph idx="1"/>
+          </p:nvPr>
+        </p:nvSpPr>
+        <p:spPr/>
+        <p:txBody>
+          <a:bodyPr>
+            <a:normAutofit/>
+          </a:bodyPr>
+          <a:lstStyle/>
+          <a:p>
+            <a:pPr algn="just"/>
+            <a:r>
+              <a:rPr lang="en-US" dirty="0" smtClean="0"/>
+              <a:t>Gathered project requirements</a:t>
+            </a:r>
+            <a:endParaRPr lang="en-US" dirty="0"/>
+          </a:p>
+          <a:p>
+            <a:pPr lvl="2" algn="just">
+              <a:buFont typeface="Wingdings" pitchFamily="2" charset="2"/>
+              <a:buChar char="Ø"/>
+            </a:pPr>
+            <a:r>
+              <a:rPr lang="en-US" sz="2000" dirty="0"/>
+              <a:t>Details necessary for registering a student</a:t>
+            </a:r>
+          </a:p>
+          <a:p>
+            <a:pPr lvl="2" algn="just">
+              <a:buFont typeface="Wingdings" pitchFamily="2" charset="2"/>
+              <a:buChar char="Ø"/>
+            </a:pPr>
+            <a:r>
+              <a:rPr lang="en-US" sz="2000" dirty="0"/>
+              <a:t>Frameworks and technologies to be used</a:t>
+            </a:r>
+            <a:r>
+              <a:rPr lang="en-US" dirty="0" smtClean="0"/>
+              <a:t> </a:t>
+            </a:r>
+          </a:p>
+          <a:p>
+            <a:pPr algn="just"/>
+            <a:endParaRPr lang="en-US" dirty="0" smtClean="0"/>
+          </a:p>
+          <a:p>
+            <a:pPr algn="just"/>
+            <a:r>
+              <a:rPr lang="en-US" dirty="0" smtClean="0"/>
+              <a:t>Designed a Sign-up and login page with the help of html5 and CSS.</a:t>
+            </a:r>
+          </a:p>
+          <a:p>
+            <a:pPr algn="just"/>
+            <a:endParaRPr lang="en-US" dirty="0" smtClean="0"/>
+          </a:p>
+          <a:p>
+            <a:pPr algn="just"/>
+            <a:r>
+              <a:rPr lang="en-US" dirty="0" smtClean="0"/>
+              <a:t>Validated the Sign-up and login form with the help of JavaScript and server side language PHP using </a:t>
+            </a:r>
+            <a:r>
+              <a:rPr lang="en-US" dirty="0"/>
+              <a:t>M</a:t>
+            </a:r>
+            <a:r>
+              <a:rPr lang="en-US" dirty="0" smtClean="0"/>
+              <a:t>ySQL database.</a:t>
+            </a:r>
+          </a:p>
+          <a:p>
+            <a:pPr algn="just"/>
+            <a:endParaRPr lang="en-US" dirty="0" smtClean="0"/>
+          </a:p>
+          <a:p>
+            <a:pPr algn="just"/>
+            <a:r>
+              <a:rPr lang="en-US" dirty="0" smtClean="0"/>
+              <a:t>Designed a Registration Form with the help of html5 and CSS.</a:t>
+            </a:r>
+          </a:p>
+          <a:p>
+            <a:pPr marL="0" indent="0">
+              <a:buNone/>
+            </a:pPr>
+            <a:endParaRPr lang="en-IN" dirty="0"/>
+          </a:p>
+        </p:txBody>
+      </p:sp>
+    </p:spTree>
+    <p:extLst>
+      <p:ext uri="{BB962C8B-B14F-4D97-AF65-F5344CB8AC3E}">
+        <p14:creationId xmlns:p14="http://schemas.microsoft.com/office/powerpoint/2010/main" val="2382915675"/>
+      </p:ext>
+    </p:extLst>
+  </p:cSld>
+  <p:clrMapOvr>
+    <a:masterClrMapping/>
+  </p:clrMapOvr>
+  <p:timing>
+    <p:tnLst>
+      <p:par>
+        <p:cTn id="1" dur="indefinite" restart="never" nodeType="tmRoot"/>
+      </p:par>
+    </p:tnLst>
+  </p:timing>
+</p:sld>
+</file>
+
+<file path=ppt/slides/slide11.xml><?xml version="1.0" encoding="utf-8"?>
+<p:sld xmlns:a="http://schemas.openxmlformats.org/drawingml/2006/main" xmlns:r="http://schemas.openxmlformats.org/officeDocument/2006/relationships" xmlns:p="http://schemas.openxmlformats.org/presentationml/2006/main">
+  <p:cSld>
+    <p:spTree>
+      <p:nvGrpSpPr>
+        <p:cNvPr id="1" name=""/>
+        <p:cNvGrpSpPr/>
+        <p:nvPr/>
+      </p:nvGrpSpPr>
+      <p:grpSpPr>
+        <a:xfrm>
+          <a:off x="0" y="0"/>
+          <a:ext cx="0" cy="0"/>
+          <a:chOff x="0" y="0"/>
+          <a:chExt cx="0" cy="0"/>
+        </a:xfrm>
+      </p:grpSpPr>
+      <p:sp>
+        <p:nvSpPr>
+          <p:cNvPr id="2" name="Title 1"/>
+          <p:cNvSpPr>
+            <a:spLocks noGrp="1"/>
+          </p:cNvSpPr>
+          <p:nvPr>
+            <p:ph type="title"/>
+          </p:nvPr>
+        </p:nvSpPr>
+        <p:spPr/>
+        <p:txBody>
+          <a:bodyPr/>
+          <a:lstStyle/>
+          <a:p>
+            <a:pPr algn="l"/>
+            <a:r>
+              <a:rPr lang="en-US" dirty="0" smtClean="0"/>
+              <a:t>Tasks Completed</a:t>
+            </a:r>
+            <a:endParaRPr lang="en-IN" dirty="0"/>
+          </a:p>
+        </p:txBody>
+      </p:sp>
+      <p:sp>
+        <p:nvSpPr>
+          <p:cNvPr id="3" name="Content Placeholder 2"/>
+          <p:cNvSpPr>
+            <a:spLocks noGrp="1"/>
+          </p:cNvSpPr>
+          <p:nvPr>
+            <p:ph idx="1"/>
+          </p:nvPr>
+        </p:nvSpPr>
+        <p:spPr>
+          <a:xfrm>
+            <a:off x="179512" y="1628800"/>
+            <a:ext cx="8229600" cy="4565104"/>
+          </a:xfrm>
+        </p:spPr>
+        <p:txBody>
+          <a:bodyPr>
+            <a:normAutofit/>
+          </a:bodyPr>
+          <a:lstStyle/>
+          <a:p>
+            <a:pPr algn="just"/>
+            <a:r>
+              <a:rPr lang="en-US" dirty="0" smtClean="0"/>
+              <a:t>Persisted the Student details in the MySQL database using PHP and performed validation using JavaScript. Generated unique registration for each new student.</a:t>
+            </a:r>
+          </a:p>
+          <a:p>
+            <a:pPr algn="just"/>
+            <a:endParaRPr lang="en-US" dirty="0" smtClean="0"/>
+          </a:p>
+          <a:p>
+            <a:pPr algn="just"/>
+            <a:r>
+              <a:rPr lang="en-US" dirty="0" smtClean="0"/>
+              <a:t>Designed the students list page which consists a list of all the students registered and given options to modify the details, make admission, print receipt and delete the record to eac</a:t>
+            </a:r>
+            <a:r>
+              <a:rPr lang="en-US" dirty="0"/>
+              <a:t>h</a:t>
+            </a:r>
+            <a:r>
+              <a:rPr lang="en-US" dirty="0" smtClean="0"/>
+              <a:t> student.</a:t>
+            </a:r>
+          </a:p>
+          <a:p>
+            <a:pPr algn="just"/>
+            <a:endParaRPr lang="en-US" dirty="0" smtClean="0"/>
+          </a:p>
+          <a:p>
+            <a:pPr algn="just"/>
+            <a:r>
+              <a:rPr lang="en-US" dirty="0" smtClean="0"/>
+              <a:t>Implemented functionality to allow admin to modify, make admission and delete the record of the registered student.</a:t>
+            </a:r>
+          </a:p>
+          <a:p>
+            <a:endParaRPr lang="en-US" dirty="0"/>
+          </a:p>
+          <a:p>
+            <a:pPr marL="0" indent="0">
+              <a:buNone/>
+            </a:pPr>
+            <a:endParaRPr lang="en-US" dirty="0" smtClean="0"/>
+          </a:p>
+        </p:txBody>
+      </p:sp>
+    </p:spTree>
+    <p:extLst>
+      <p:ext uri="{BB962C8B-B14F-4D97-AF65-F5344CB8AC3E}">
+        <p14:creationId xmlns:p14="http://schemas.microsoft.com/office/powerpoint/2010/main" val="2310584256"/>
+      </p:ext>
+    </p:extLst>
+  </p:cSld>
+  <p:clrMapOvr>
+    <a:masterClrMapping/>
+  </p:clrMapOvr>
+  <p:timing>
+    <p:tnLst>
+      <p:par>
+        <p:cTn id="1" dur="indefinite" restart="never" nodeType="tmRoot"/>
+      </p:par>
+    </p:tnLst>
+  </p:timing>
+</p:sld>
+</file>
+
+<file path=ppt/slides/slide12.xml><?xml version="1.0" encoding="utf-8"?>
+<p:sld xmlns:a="http://schemas.openxmlformats.org/drawingml/2006/main" xmlns:r="http://schemas.openxmlformats.org/officeDocument/2006/relationships" xmlns:p="http://schemas.openxmlformats.org/presentationml/2006/main">
+  <p:cSld>
+    <p:spTree>
+      <p:nvGrpSpPr>
+        <p:cNvPr id="1" name=""/>
+        <p:cNvGrpSpPr/>
+        <p:nvPr/>
+      </p:nvGrpSpPr>
+      <p:grpSpPr>
+        <a:xfrm>
+          <a:off x="0" y="0"/>
+          <a:ext cx="0" cy="0"/>
+          <a:chOff x="0" y="0"/>
+          <a:chExt cx="0" cy="0"/>
+        </a:xfrm>
+      </p:grpSpPr>
+      <p:sp>
+        <p:nvSpPr>
+          <p:cNvPr id="2" name="Title 1"/>
+          <p:cNvSpPr>
+            <a:spLocks noGrp="1"/>
+          </p:cNvSpPr>
+          <p:nvPr>
+            <p:ph type="title"/>
+          </p:nvPr>
+        </p:nvSpPr>
+        <p:spPr/>
+        <p:txBody>
+          <a:bodyPr/>
+          <a:lstStyle/>
+          <a:p>
+            <a:pPr algn="l"/>
+            <a:r>
+              <a:rPr lang="en-US" dirty="0" smtClean="0"/>
+              <a:t>Tasks Completed</a:t>
+            </a:r>
+            <a:endParaRPr lang="en-IN" dirty="0"/>
+          </a:p>
+        </p:txBody>
+      </p:sp>
+      <p:sp>
+        <p:nvSpPr>
+          <p:cNvPr id="3" name="Content Placeholder 2"/>
+          <p:cNvSpPr>
+            <a:spLocks noGrp="1"/>
+          </p:cNvSpPr>
+          <p:nvPr>
+            <p:ph idx="1"/>
+          </p:nvPr>
+        </p:nvSpPr>
+        <p:spPr/>
+        <p:txBody>
+          <a:bodyPr>
+            <a:normAutofit lnSpcReduction="10000"/>
+          </a:bodyPr>
+          <a:lstStyle/>
+          <a:p>
+            <a:pPr algn="just"/>
+            <a:r>
+              <a:rPr lang="en-US" dirty="0" smtClean="0"/>
+              <a:t>Designed the page to modify the student details and performed the update query in the database using PHP.</a:t>
+            </a:r>
+          </a:p>
+          <a:p>
+            <a:pPr algn="just"/>
+            <a:endParaRPr lang="en-US" dirty="0" smtClean="0"/>
+          </a:p>
+          <a:p>
+            <a:pPr algn="just"/>
+            <a:r>
+              <a:rPr lang="en-US" dirty="0" smtClean="0"/>
+              <a:t>Designed and styled a page to upload various documents required for the admission.</a:t>
+            </a:r>
+          </a:p>
+          <a:p>
+            <a:pPr algn="just"/>
+            <a:endParaRPr lang="en-US" dirty="0" smtClean="0"/>
+          </a:p>
+          <a:p>
+            <a:pPr algn="just"/>
+            <a:r>
+              <a:rPr lang="en-US" dirty="0" smtClean="0"/>
+              <a:t>Stored the uploaded documents at the server side using JavaScript and PHP.</a:t>
+            </a:r>
+          </a:p>
+          <a:p>
+            <a:pPr algn="just"/>
+            <a:endParaRPr lang="en-US" dirty="0"/>
+          </a:p>
+          <a:p>
+            <a:pPr algn="just"/>
+            <a:r>
+              <a:rPr lang="en-US" dirty="0"/>
+              <a:t>Designed and styled a page of admitted students which shows the list of all the students admitted. It has options to modify,  delete the record of the student and print the admission fee receipt.</a:t>
+            </a:r>
+          </a:p>
+          <a:p>
+            <a:endParaRPr lang="en-US" dirty="0" smtClean="0"/>
+          </a:p>
+          <a:p>
+            <a:endParaRPr lang="en-IN" dirty="0"/>
+          </a:p>
+        </p:txBody>
+      </p:sp>
+    </p:spTree>
+    <p:extLst>
+      <p:ext uri="{BB962C8B-B14F-4D97-AF65-F5344CB8AC3E}">
+        <p14:creationId xmlns:p14="http://schemas.microsoft.com/office/powerpoint/2010/main" val="347318552"/>
+      </p:ext>
+    </p:extLst>
+  </p:cSld>
+  <p:clrMapOvr>
+    <a:masterClrMapping/>
+  </p:clrMapOvr>
+  <p:timing>
+    <p:tnLst>
+      <p:par>
+        <p:cTn id="1" dur="indefinite" restart="never" nodeType="tmRoot"/>
+      </p:par>
+    </p:tnLst>
+  </p:timing>
+</p:sld>
+</file>
+
+<file path=ppt/slides/slide13.xml><?xml version="1.0" encoding="utf-8"?>
+<p:sld xmlns:a="http://schemas.openxmlformats.org/drawingml/2006/main" xmlns:r="http://schemas.openxmlformats.org/officeDocument/2006/relationships" xmlns:p="http://schemas.openxmlformats.org/presentationml/2006/main">
+  <p:cSld>
+    <p:spTree>
+      <p:nvGrpSpPr>
+        <p:cNvPr id="1" name=""/>
+        <p:cNvGrpSpPr/>
+        <p:nvPr/>
+      </p:nvGrpSpPr>
+      <p:grpSpPr>
+        <a:xfrm>
+          <a:off x="0" y="0"/>
+          <a:ext cx="0" cy="0"/>
+          <a:chOff x="0" y="0"/>
+          <a:chExt cx="0" cy="0"/>
+        </a:xfrm>
+      </p:grpSpPr>
+      <p:sp>
+        <p:nvSpPr>
+          <p:cNvPr id="2" name="Title 1"/>
+          <p:cNvSpPr>
+            <a:spLocks noGrp="1"/>
+          </p:cNvSpPr>
+          <p:nvPr>
+            <p:ph type="title"/>
+          </p:nvPr>
+        </p:nvSpPr>
+        <p:spPr/>
+        <p:txBody>
+          <a:bodyPr/>
+          <a:lstStyle/>
+          <a:p>
+            <a:r>
+              <a:rPr lang="en-US" dirty="0" smtClean="0"/>
+              <a:t>Tasks Completed</a:t>
+            </a:r>
+            <a:endParaRPr lang="en-IN" dirty="0"/>
+          </a:p>
+        </p:txBody>
+      </p:sp>
+      <p:sp>
+        <p:nvSpPr>
+          <p:cNvPr id="3" name="Content Placeholder 2"/>
+          <p:cNvSpPr>
+            <a:spLocks noGrp="1"/>
+          </p:cNvSpPr>
+          <p:nvPr>
+            <p:ph idx="1"/>
+          </p:nvPr>
+        </p:nvSpPr>
+        <p:spPr/>
+        <p:txBody>
+          <a:bodyPr/>
+          <a:lstStyle/>
+          <a:p>
+            <a:pPr algn="just"/>
+            <a:r>
+              <a:rPr lang="en-US" dirty="0" smtClean="0"/>
+              <a:t>All </a:t>
+            </a:r>
+            <a:r>
+              <a:rPr lang="en-US" dirty="0"/>
+              <a:t>the pages are given the navigation menu so that admin can navigate between different pages</a:t>
+            </a:r>
+            <a:r>
+              <a:rPr lang="en-US" dirty="0" smtClean="0"/>
+              <a:t>.</a:t>
+            </a:r>
+          </a:p>
+          <a:p>
+            <a:pPr algn="just"/>
+            <a:endParaRPr lang="en-US" dirty="0"/>
+          </a:p>
+          <a:p>
+            <a:pPr algn="just"/>
+            <a:r>
+              <a:rPr lang="en-US" dirty="0"/>
+              <a:t>Below are the screenshots of the work:</a:t>
+            </a:r>
+          </a:p>
+          <a:p>
+            <a:endParaRPr lang="en-IN" dirty="0"/>
+          </a:p>
+        </p:txBody>
+      </p:sp>
+    </p:spTree>
+    <p:extLst>
+      <p:ext uri="{BB962C8B-B14F-4D97-AF65-F5344CB8AC3E}">
+        <p14:creationId xmlns:p14="http://schemas.microsoft.com/office/powerpoint/2010/main" val="882389080"/>
+      </p:ext>
+    </p:extLst>
+  </p:cSld>
+  <p:clrMapOvr>
+    <a:masterClrMapping/>
+  </p:clrMapOvr>
+  <p:timing>
+    <p:tnLst>
+      <p:par>
+        <p:cTn id="1" dur="indefinite" restart="never" nodeType="tmRoot"/>
+      </p:par>
+    </p:tnLst>
+  </p:timing>
+</p:sld>
+</file>
+
+<file path=ppt/slides/slide14.xml><?xml version="1.0" encoding="utf-8"?>
 <p:sld xmlns:a="http://schemas.openxmlformats.org/drawingml/2006/main" xmlns:r="http://schemas.openxmlformats.org/officeDocument/2006/relationships" xmlns:p="http://schemas.openxmlformats.org/presentationml/2006/main">
   <p:cSld>
     <p:spTree>
@@ -3586,7 +4083,7 @@
 </p:sld>
 </file>
 
-<file path=ppt/slides/slide11.xml><?xml version="1.0" encoding="utf-8"?>
+<file path=ppt/slides/slide15.xml><?xml version="1.0" encoding="utf-8"?>
 <p:sld xmlns:a="http://schemas.openxmlformats.org/drawingml/2006/main" xmlns:r="http://schemas.openxmlformats.org/officeDocument/2006/relationships" xmlns:p="http://schemas.openxmlformats.org/presentationml/2006/main">
   <p:cSld>
     <p:spTree>
@@ -3682,7 +4179,7 @@
 </p:sld>
 </file>
 
-<file path=ppt/slides/slide12.xml><?xml version="1.0" encoding="utf-8"?>
+<file path=ppt/slides/slide16.xml><?xml version="1.0" encoding="utf-8"?>
 <p:sld xmlns:a="http://schemas.openxmlformats.org/drawingml/2006/main" xmlns:r="http://schemas.openxmlformats.org/officeDocument/2006/relationships" xmlns:p="http://schemas.openxmlformats.org/presentationml/2006/main">
   <p:cSld>
     <p:spTree>
@@ -3778,7 +4275,7 @@
 </p:sld>
 </file>
 
-<file path=ppt/slides/slide13.xml><?xml version="1.0" encoding="utf-8"?>
+<file path=ppt/slides/slide17.xml><?xml version="1.0" encoding="utf-8"?>
 <p:sld xmlns:a="http://schemas.openxmlformats.org/drawingml/2006/main" xmlns:r="http://schemas.openxmlformats.org/officeDocument/2006/relationships" xmlns:p="http://schemas.openxmlformats.org/presentationml/2006/main">
   <p:cSld>
     <p:spTree>
@@ -3844,7 +4341,7 @@
 </p:sld>
 </file>
 
-<file path=ppt/slides/slide14.xml><?xml version="1.0" encoding="utf-8"?>
+<file path=ppt/slides/slide18.xml><?xml version="1.0" encoding="utf-8"?>
 <p:sld xmlns:a="http://schemas.openxmlformats.org/drawingml/2006/main" xmlns:r="http://schemas.openxmlformats.org/officeDocument/2006/relationships" xmlns:p="http://schemas.openxmlformats.org/presentationml/2006/main">
   <p:cSld>
     <p:spTree>
@@ -3940,7 +4437,7 @@
 </p:sld>
 </file>
 
-<file path=ppt/slides/slide15.xml><?xml version="1.0" encoding="utf-8"?>
+<file path=ppt/slides/slide19.xml><?xml version="1.0" encoding="utf-8"?>
 <p:sld xmlns:a="http://schemas.openxmlformats.org/drawingml/2006/main" xmlns:r="http://schemas.openxmlformats.org/officeDocument/2006/relationships" xmlns:p="http://schemas.openxmlformats.org/presentationml/2006/main">
   <p:cSld>
     <p:spTree>
@@ -4036,7 +4533,172 @@
 </p:sld>
 </file>
 
-<file path=ppt/slides/slide16.xml><?xml version="1.0" encoding="utf-8"?>
+<file path=ppt/slides/slide2.xml><?xml version="1.0" encoding="utf-8"?>
+<p:sld xmlns:a="http://schemas.openxmlformats.org/drawingml/2006/main" xmlns:r="http://schemas.openxmlformats.org/officeDocument/2006/relationships" xmlns:p="http://schemas.openxmlformats.org/presentationml/2006/main">
+  <p:cSld>
+    <p:spTree>
+      <p:nvGrpSpPr>
+        <p:cNvPr id="1" name=""/>
+        <p:cNvGrpSpPr/>
+        <p:nvPr/>
+      </p:nvGrpSpPr>
+      <p:grpSpPr>
+        <a:xfrm>
+          <a:off x="0" y="0"/>
+          <a:ext cx="0" cy="0"/>
+          <a:chOff x="0" y="0"/>
+          <a:chExt cx="0" cy="0"/>
+        </a:xfrm>
+      </p:grpSpPr>
+      <p:sp>
+        <p:nvSpPr>
+          <p:cNvPr id="6" name="Title 5"/>
+          <p:cNvSpPr>
+            <a:spLocks noGrp="1"/>
+          </p:cNvSpPr>
+          <p:nvPr>
+            <p:ph type="title"/>
+          </p:nvPr>
+        </p:nvSpPr>
+        <p:spPr/>
+        <p:txBody>
+          <a:bodyPr/>
+          <a:lstStyle/>
+          <a:p>
+            <a:pPr algn="l"/>
+            <a:r>
+              <a:rPr lang="en-US" dirty="0" smtClean="0"/>
+              <a:t>Objectives</a:t>
+            </a:r>
+            <a:endParaRPr lang="en-IN" dirty="0"/>
+          </a:p>
+        </p:txBody>
+      </p:sp>
+      <p:sp>
+        <p:nvSpPr>
+          <p:cNvPr id="7" name="Content Placeholder 6"/>
+          <p:cNvSpPr>
+            <a:spLocks noGrp="1"/>
+          </p:cNvSpPr>
+          <p:nvPr>
+            <p:ph idx="1"/>
+          </p:nvPr>
+        </p:nvSpPr>
+        <p:spPr/>
+        <p:txBody>
+          <a:bodyPr>
+            <a:normAutofit fontScale="92500"/>
+          </a:bodyPr>
+          <a:lstStyle/>
+          <a:p>
+            <a:pPr algn="just"/>
+            <a:r>
+              <a:rPr lang="en-US" dirty="0" smtClean="0"/>
+              <a:t>To Design online Student Registration System for Schools/Colleges which will ease the work of administrator to maintain the record of students and speed up the admission process of the students.</a:t>
+            </a:r>
+          </a:p>
+          <a:p>
+            <a:pPr algn="just"/>
+            <a:r>
+              <a:rPr lang="en-US" dirty="0" smtClean="0"/>
+              <a:t>The project includes a sign-up form for the organization to assign the new administrator. </a:t>
+            </a:r>
+          </a:p>
+          <a:p>
+            <a:pPr algn="just"/>
+            <a:r>
+              <a:rPr lang="en-US" dirty="0" smtClean="0"/>
+              <a:t>It consists of login form where admin can login.</a:t>
+            </a:r>
+          </a:p>
+          <a:p>
+            <a:pPr algn="just"/>
+            <a:r>
+              <a:rPr lang="en-US" dirty="0" smtClean="0"/>
+              <a:t>It includes a form that allows admin to enter student details like:</a:t>
+            </a:r>
+          </a:p>
+          <a:p>
+            <a:pPr lvl="2" algn="just">
+              <a:lnSpc>
+                <a:spcPct val="150000"/>
+              </a:lnSpc>
+              <a:buFont typeface="Wingdings" pitchFamily="2" charset="2"/>
+              <a:buChar char="Ø"/>
+            </a:pPr>
+            <a:r>
+              <a:rPr lang="en-US" dirty="0"/>
+              <a:t>Registration No.(which is automatically generated to remove duplicacy)</a:t>
+            </a:r>
+          </a:p>
+          <a:p>
+            <a:pPr lvl="2" algn="just">
+              <a:lnSpc>
+                <a:spcPct val="150000"/>
+              </a:lnSpc>
+              <a:buFont typeface="Wingdings" pitchFamily="2" charset="2"/>
+              <a:buChar char="Ø"/>
+            </a:pPr>
+            <a:r>
+              <a:rPr lang="en-US" dirty="0"/>
+              <a:t>Select if Student is new/old</a:t>
+            </a:r>
+          </a:p>
+          <a:p>
+            <a:pPr lvl="2" algn="just">
+              <a:lnSpc>
+                <a:spcPct val="150000"/>
+              </a:lnSpc>
+              <a:buFont typeface="Wingdings" pitchFamily="2" charset="2"/>
+              <a:buChar char="Ø"/>
+            </a:pPr>
+            <a:r>
+              <a:rPr lang="en-US" dirty="0"/>
+              <a:t>Class</a:t>
+            </a:r>
+          </a:p>
+          <a:p>
+            <a:pPr lvl="2" algn="just">
+              <a:lnSpc>
+                <a:spcPct val="150000"/>
+              </a:lnSpc>
+              <a:buFont typeface="Wingdings" pitchFamily="2" charset="2"/>
+              <a:buChar char="Ø"/>
+            </a:pPr>
+            <a:r>
+              <a:rPr lang="en-US" dirty="0"/>
+              <a:t>Student  name</a:t>
+            </a:r>
+          </a:p>
+          <a:p>
+            <a:pPr marL="457200" lvl="1" indent="0">
+              <a:buNone/>
+            </a:pPr>
+            <a:endParaRPr lang="en-US" dirty="0" smtClean="0"/>
+          </a:p>
+        </p:txBody>
+      </p:sp>
+    </p:spTree>
+    <p:extLst>
+      <p:ext uri="{BB962C8B-B14F-4D97-AF65-F5344CB8AC3E}">
+        <p14:creationId xmlns:p14="http://schemas.microsoft.com/office/powerpoint/2010/main" val="3914913417"/>
+      </p:ext>
+    </p:extLst>
+  </p:cSld>
+  <p:clrMapOvr>
+    <a:masterClrMapping/>
+  </p:clrMapOvr>
+  <p:timing>
+    <p:tnLst>
+      <p:par>
+        <p:cTn id="1" dur="indefinite" restart="never" nodeType="tmRoot"/>
+      </p:par>
+    </p:tnLst>
+  </p:timing>
+</p:sld>
+</file>
+
+<file path=ppt/slides/slide20.xml><?xml version="1.0" encoding="utf-8"?>
 <p:sld xmlns:a="http://schemas.openxmlformats.org/drawingml/2006/main" xmlns:r="http://schemas.openxmlformats.org/officeDocument/2006/relationships" xmlns:p="http://schemas.openxmlformats.org/presentationml/2006/main">
   <p:cSld>
     <p:spTree>
@@ -4132,7 +4794,7 @@
 </p:sld>
 </file>
 
-<file path=ppt/slides/slide17.xml><?xml version="1.0" encoding="utf-8"?>
+<file path=ppt/slides/slide21.xml><?xml version="1.0" encoding="utf-8"?>
 <p:sld xmlns:a="http://schemas.openxmlformats.org/drawingml/2006/main" xmlns:r="http://schemas.openxmlformats.org/officeDocument/2006/relationships" xmlns:p="http://schemas.openxmlformats.org/presentationml/2006/main">
   <p:cSld>
     <p:spTree>
@@ -4198,7 +4860,7 @@
 </p:sld>
 </file>
 
-<file path=ppt/slides/slide18.xml><?xml version="1.0" encoding="utf-8"?>
+<file path=ppt/slides/slide22.xml><?xml version="1.0" encoding="utf-8"?>
 <p:sld xmlns:a="http://schemas.openxmlformats.org/drawingml/2006/main" xmlns:r="http://schemas.openxmlformats.org/officeDocument/2006/relationships" xmlns:p="http://schemas.openxmlformats.org/presentationml/2006/main">
   <p:cSld>
     <p:spTree>
@@ -4264,7 +4926,7 @@
 </p:sld>
 </file>
 
-<file path=ppt/slides/slide19.xml><?xml version="1.0" encoding="utf-8"?>
+<file path=ppt/slides/slide23.xml><?xml version="1.0" encoding="utf-8"?>
 <p:sld xmlns:a="http://schemas.openxmlformats.org/drawingml/2006/main" xmlns:r="http://schemas.openxmlformats.org/officeDocument/2006/relationships" xmlns:p="http://schemas.openxmlformats.org/presentationml/2006/main">
   <p:cSld>
     <p:spTree>
@@ -4360,7 +5022,7 @@
 </p:sld>
 </file>
 
-<file path=ppt/slides/slide2.xml><?xml version="1.0" encoding="utf-8"?>
+<file path=ppt/slides/slide24.xml><?xml version="1.0" encoding="utf-8"?>
 <p:sld xmlns:a="http://schemas.openxmlformats.org/drawingml/2006/main" xmlns:r="http://schemas.openxmlformats.org/officeDocument/2006/relationships" xmlns:p="http://schemas.openxmlformats.org/presentationml/2006/main">
   <p:cSld>
     <p:spTree>
@@ -4379,7 +5041,7 @@
       </p:grpSpPr>
       <p:sp>
         <p:nvSpPr>
-          <p:cNvPr id="6" name="Title 5"/>
+          <p:cNvPr id="2" name="Title 1"/>
           <p:cNvSpPr>
             <a:spLocks noGrp="1"/>
           </p:cNvSpPr>
@@ -4392,10 +5054,9 @@
           <a:bodyPr/>
           <a:lstStyle/>
           <a:p>
-            <a:pPr algn="l"/>
             <a:r>
               <a:rPr lang="en-US" dirty="0" smtClean="0"/>
-              <a:t>Objectives</a:t>
+              <a:t>Conclusions</a:t>
             </a:r>
             <a:endParaRPr lang="en-IN" dirty="0"/>
           </a:p>
@@ -4403,7 +5064,7 @@
       </p:sp>
       <p:sp>
         <p:nvSpPr>
-          <p:cNvPr id="7" name="Content Placeholder 6"/>
+          <p:cNvPr id="3" name="Content Placeholder 2"/>
           <p:cNvSpPr>
             <a:spLocks noGrp="1"/>
           </p:cNvSpPr>
@@ -4418,126 +5079,76 @@
           </a:bodyPr>
           <a:lstStyle/>
           <a:p>
-            <a:pPr algn="just"/>
-            <a:r>
-              <a:rPr lang="en-US" dirty="0" smtClean="0"/>
-              <a:t>To Design online Student Registration System for </a:t>
-            </a:r>
-            <a:r>
-              <a:rPr lang="en-US" dirty="0" smtClean="0"/>
-              <a:t>Schools/Colleges which will ease the work of administrator to maintain th</a:t>
-            </a:r>
-            <a:r>
-              <a:rPr lang="en-US" dirty="0" smtClean="0"/>
-              <a:t>e record of students and speed up the admission process of the students.</a:t>
-            </a:r>
-            <a:endParaRPr lang="en-US" dirty="0" smtClean="0"/>
-          </a:p>
-          <a:p>
-            <a:pPr algn="just"/>
-            <a:r>
-              <a:rPr lang="en-US" dirty="0" smtClean="0"/>
-              <a:t>The project</a:t>
-            </a:r>
-            <a:r>
-              <a:rPr lang="en-US" dirty="0" smtClean="0"/>
-              <a:t> </a:t>
-            </a:r>
-            <a:r>
-              <a:rPr lang="en-US" dirty="0" smtClean="0"/>
-              <a:t>includes a sign-up form for </a:t>
-            </a:r>
-            <a:r>
-              <a:rPr lang="en-US" dirty="0" smtClean="0"/>
-              <a:t>the organization to assign the new administrator. </a:t>
-            </a:r>
-            <a:endParaRPr lang="en-US" dirty="0" smtClean="0"/>
-          </a:p>
-          <a:p>
-            <a:pPr algn="just"/>
-            <a:r>
-              <a:rPr lang="en-US" dirty="0" smtClean="0"/>
-              <a:t>It consists of login </a:t>
-            </a:r>
-            <a:r>
-              <a:rPr lang="en-US" dirty="0" smtClean="0"/>
-              <a:t>form where admin can login.</a:t>
-            </a:r>
-            <a:endParaRPr lang="en-US" dirty="0" smtClean="0"/>
-          </a:p>
-          <a:p>
-            <a:pPr algn="just"/>
-            <a:r>
-              <a:rPr lang="en-US" dirty="0" smtClean="0"/>
-              <a:t>It includes a form that allows admin to enter student details like:</a:t>
-            </a:r>
-          </a:p>
-          <a:p>
-            <a:pPr lvl="2" algn="just">
-              <a:lnSpc>
-                <a:spcPct val="150000"/>
-              </a:lnSpc>
-              <a:buFont typeface="Wingdings" pitchFamily="2" charset="2"/>
-              <a:buChar char="Ø"/>
-            </a:pPr>
-            <a:r>
-              <a:rPr lang="en-US" dirty="0"/>
-              <a:t>Registration No.(which is automatically generated to remove duplicacy)</a:t>
-            </a:r>
-          </a:p>
-          <a:p>
-            <a:pPr lvl="2" algn="just">
-              <a:lnSpc>
-                <a:spcPct val="150000"/>
-              </a:lnSpc>
-              <a:buFont typeface="Wingdings" pitchFamily="2" charset="2"/>
-              <a:buChar char="Ø"/>
-            </a:pPr>
-            <a:r>
-              <a:rPr lang="en-US" dirty="0"/>
-              <a:t>Select if Student is new/old</a:t>
-            </a:r>
-            <a:endParaRPr lang="en-US" dirty="0"/>
-          </a:p>
-          <a:p>
-            <a:pPr lvl="2" algn="just">
-              <a:lnSpc>
-                <a:spcPct val="150000"/>
-              </a:lnSpc>
-              <a:buFont typeface="Wingdings" pitchFamily="2" charset="2"/>
-              <a:buChar char="Ø"/>
-            </a:pPr>
-            <a:r>
-              <a:rPr lang="en-US" dirty="0"/>
-              <a:t>Class</a:t>
-            </a:r>
-            <a:endParaRPr lang="en-US" dirty="0"/>
-          </a:p>
-          <a:p>
-            <a:pPr lvl="2" algn="just">
-              <a:lnSpc>
-                <a:spcPct val="150000"/>
-              </a:lnSpc>
-              <a:buFont typeface="Wingdings" pitchFamily="2" charset="2"/>
-              <a:buChar char="Ø"/>
-            </a:pPr>
-            <a:r>
-              <a:rPr lang="en-US" dirty="0"/>
-              <a:t>Student  name</a:t>
-            </a:r>
-          </a:p>
-          <a:p>
-            <a:pPr marL="457200" lvl="1" indent="0">
-              <a:buNone/>
-            </a:pPr>
-            <a:endParaRPr lang="en-US" dirty="0" smtClean="0"/>
+            <a:pPr fontAlgn="base"/>
+            <a:r>
+              <a:rPr lang="en-IN" dirty="0"/>
+              <a:t>Successfully used HTML5, CSS, JavaScript, AJAX, PHP, and MySQL to store the information of the student in the database. Learnt the use of different tools and technologies to resolve the real world problems</a:t>
+            </a:r>
+            <a:r>
+              <a:rPr lang="en-IN" dirty="0" smtClean="0"/>
+              <a:t>.</a:t>
+            </a:r>
+          </a:p>
+          <a:p>
+            <a:pPr fontAlgn="base"/>
+            <a:endParaRPr lang="en-IN" dirty="0"/>
+          </a:p>
+          <a:p>
+            <a:pPr lvl="0" fontAlgn="base"/>
+            <a:r>
+              <a:rPr lang="en-IN" dirty="0"/>
+              <a:t>Used HTML5 to design the content the content of the web pages</a:t>
+            </a:r>
+          </a:p>
+          <a:p>
+            <a:pPr lvl="0" fontAlgn="base"/>
+            <a:r>
+              <a:rPr lang="en-IN" dirty="0"/>
+              <a:t>Used CSS to style the pages and make the pages responsive.</a:t>
+            </a:r>
+          </a:p>
+          <a:p>
+            <a:pPr lvl="0" fontAlgn="base"/>
+            <a:r>
+              <a:rPr lang="en-IN" dirty="0"/>
+              <a:t>Used JavaScript to set the behaviour of the application. </a:t>
+            </a:r>
+          </a:p>
+          <a:p>
+            <a:pPr lvl="0" fontAlgn="base"/>
+            <a:r>
+              <a:rPr lang="en-IN" dirty="0"/>
+              <a:t>Used AJAX to exchange the data from the </a:t>
+            </a:r>
+            <a:r>
+              <a:rPr lang="en-IN" dirty="0" err="1"/>
+              <a:t>php</a:t>
+            </a:r>
+            <a:r>
+              <a:rPr lang="en-IN" dirty="0"/>
+              <a:t> and the database.</a:t>
+            </a:r>
+          </a:p>
+          <a:p>
+            <a:pPr lvl="0" fontAlgn="base"/>
+            <a:r>
+              <a:rPr lang="en-IN" dirty="0"/>
+              <a:t>Used PHP to insert data into the database and perform operations on the data</a:t>
+            </a:r>
+          </a:p>
+          <a:p>
+            <a:r>
+              <a:rPr lang="en-IN" dirty="0"/>
+              <a:t>Used MySQL to create database to store data and perform various operations on it.</a:t>
+            </a:r>
+            <a:endParaRPr lang="en-IN" dirty="0"/>
           </a:p>
         </p:txBody>
       </p:sp>
     </p:spTree>
     <p:extLst>
       <p:ext uri="{BB962C8B-B14F-4D97-AF65-F5344CB8AC3E}">
-        <p14:creationId xmlns:p14="http://schemas.microsoft.com/office/powerpoint/2010/main" val="3914913417"/>
+        <p14:creationId xmlns:p14="http://schemas.microsoft.com/office/powerpoint/2010/main" val="2470195999"/>
       </p:ext>
     </p:extLst>
   </p:cSld>
@@ -4554,7 +5165,7 @@
 </p:sld>
 </file>
 
-<file path=ppt/slides/slide20.xml><?xml version="1.0" encoding="utf-8"?>
+<file path=ppt/slides/slide25.xml><?xml version="1.0" encoding="utf-8"?>
 <p:sld xmlns:a="http://schemas.openxmlformats.org/drawingml/2006/main" xmlns:r="http://schemas.openxmlformats.org/officeDocument/2006/relationships" xmlns:p="http://schemas.openxmlformats.org/presentationml/2006/main">
   <p:cSld>
     <p:spTree>
@@ -4613,11 +5224,7 @@
             <a:pPr algn="just"/>
             <a:r>
               <a:rPr lang="en-US" sz="2400" dirty="0" smtClean="0"/>
-              <a:t>Understanding of attributes required to register a student or make an admission for him</a:t>
-            </a:r>
-            <a:r>
-              <a:rPr lang="en-US" sz="2400" dirty="0" smtClean="0"/>
-              <a:t>.</a:t>
+              <a:t>Understanding of attributes required to register a student or make an admission for him.</a:t>
             </a:r>
           </a:p>
           <a:p>
@@ -4630,15 +5237,7 @@
             <a:pPr algn="just"/>
             <a:r>
               <a:rPr lang="en-US" sz="2400" dirty="0" smtClean="0"/>
-              <a:t>Able </a:t>
-            </a:r>
-            <a:r>
-              <a:rPr lang="en-US" sz="2400" dirty="0" smtClean="0"/>
-              <a:t>to use html5 to design structure of a given web </a:t>
-            </a:r>
-            <a:r>
-              <a:rPr lang="en-US" sz="2400" dirty="0" smtClean="0"/>
-              <a:t>application</a:t>
+              <a:t>Able to use html5 to design structure of a given web application</a:t>
             </a:r>
           </a:p>
           <a:p>
@@ -4649,15 +5248,7 @@
             <a:pPr algn="just"/>
             <a:r>
               <a:rPr lang="en-US" sz="2400" dirty="0" smtClean="0"/>
-              <a:t>Using </a:t>
-            </a:r>
-            <a:r>
-              <a:rPr lang="en-US" sz="2400" dirty="0" smtClean="0"/>
-              <a:t>CSS to style the web </a:t>
-            </a:r>
-            <a:r>
-              <a:rPr lang="en-US" sz="2400" dirty="0" smtClean="0"/>
-              <a:t>application</a:t>
+              <a:t>Using CSS to style the web application</a:t>
             </a:r>
           </a:p>
           <a:p>
@@ -4668,11 +5259,7 @@
             <a:pPr algn="just"/>
             <a:r>
               <a:rPr lang="en-US" sz="2400" dirty="0" smtClean="0"/>
-              <a:t>Understanding </a:t>
-            </a:r>
-            <a:r>
-              <a:rPr lang="en-US" sz="2400" dirty="0" smtClean="0"/>
-              <a:t>how CSS helps in creating responsive web design</a:t>
+              <a:t>Understanding how CSS helps in creating responsive web design</a:t>
             </a:r>
             <a:r>
               <a:rPr lang="en-US" dirty="0" smtClean="0"/>
@@ -4704,7 +5291,7 @@
 </p:sld>
 </file>
 
-<file path=ppt/slides/slide21.xml><?xml version="1.0" encoding="utf-8"?>
+<file path=ppt/slides/slide26.xml><?xml version="1.0" encoding="utf-8"?>
 <p:sld xmlns:a="http://schemas.openxmlformats.org/drawingml/2006/main" xmlns:r="http://schemas.openxmlformats.org/officeDocument/2006/relationships" xmlns:p="http://schemas.openxmlformats.org/presentationml/2006/main">
   <p:cSld>
     <p:spTree>
@@ -4769,7 +5356,6 @@
               <a:rPr lang="en-US" sz="2400" dirty="0" smtClean="0"/>
               <a:t>Training on JavaScript.</a:t>
             </a:r>
-            <a:endParaRPr lang="en-US" sz="2400" dirty="0" smtClean="0"/>
           </a:p>
           <a:p>
             <a:pPr algn="just">
@@ -4779,13 +5365,8 @@
             </a:pPr>
             <a:r>
               <a:rPr lang="en-US" sz="2400" dirty="0" smtClean="0"/>
-              <a:t>learned how to describe functionality of the web pages through </a:t>
-            </a:r>
-            <a:r>
-              <a:rPr lang="en-US" sz="2400" dirty="0" smtClean="0"/>
-              <a:t>JavaScript.</a:t>
-            </a:r>
-            <a:endParaRPr lang="en-US" sz="2400" dirty="0" smtClean="0"/>
+              <a:t>learned how to describe functionality of the web pages through JavaScript.</a:t>
+            </a:r>
           </a:p>
           <a:p>
             <a:pPr algn="just">
@@ -4844,7 +5425,7 @@
 </p:sld>
 </file>
 
-<file path=ppt/slides/slide22.xml><?xml version="1.0" encoding="utf-8"?>
+<file path=ppt/slides/slide27.xml><?xml version="1.0" encoding="utf-8"?>
 <p:sld xmlns:a="http://schemas.openxmlformats.org/drawingml/2006/main" xmlns:r="http://schemas.openxmlformats.org/officeDocument/2006/relationships" xmlns:p="http://schemas.openxmlformats.org/presentationml/2006/main">
   <p:cSld>
     <p:spTree>
@@ -4976,7 +5557,7 @@
 </p:sld>
 </file>
 
-<file path=ppt/slides/slide23.xml><?xml version="1.0" encoding="utf-8"?>
+<file path=ppt/slides/slide28.xml><?xml version="1.0" encoding="utf-8"?>
 <p:sld xmlns:a="http://schemas.openxmlformats.org/drawingml/2006/main" xmlns:r="http://schemas.openxmlformats.org/officeDocument/2006/relationships" xmlns:p="http://schemas.openxmlformats.org/presentationml/2006/main">
   <p:cSld>
     <p:spTree>
@@ -5208,11 +5789,7 @@
             </a:pPr>
             <a:r>
               <a:rPr lang="en-US" dirty="0"/>
-              <a:t>Student’s  parent d</a:t>
-            </a:r>
-            <a:r>
-              <a:rPr lang="en-US" dirty="0"/>
-              <a:t>etails</a:t>
+              <a:t>Student’s  parent details</a:t>
             </a:r>
           </a:p>
           <a:p>
@@ -5334,15 +5911,7 @@
             </a:pPr>
             <a:r>
               <a:rPr lang="en-US" dirty="0" smtClean="0"/>
-              <a:t>On click of the submit </a:t>
-            </a:r>
-            <a:r>
-              <a:rPr lang="en-US" dirty="0" smtClean="0"/>
-              <a:t>button, </a:t>
-            </a:r>
-            <a:r>
-              <a:rPr lang="en-US" dirty="0" smtClean="0"/>
-              <a:t>the page should be validated and after successful validation the data must be saved in the database.</a:t>
+              <a:t>On click of the submit button, the page should be validated and after successful validation the data must be saved in the database.</a:t>
             </a:r>
           </a:p>
           <a:p>
@@ -5362,11 +5931,7 @@
             </a:pPr>
             <a:r>
               <a:rPr lang="en-US" dirty="0" smtClean="0"/>
-              <a:t>Each student should </a:t>
-            </a:r>
-            <a:r>
-              <a:rPr lang="en-US" dirty="0" smtClean="0"/>
-              <a:t>have options to:</a:t>
+              <a:t>Each student should have options to:</a:t>
             </a:r>
           </a:p>
           <a:p>
@@ -5414,7 +5979,6 @@
               <a:rPr lang="en-US" dirty="0" smtClean="0"/>
               <a:t>Make Admission</a:t>
             </a:r>
-            <a:endParaRPr lang="en-US" dirty="0" smtClean="0"/>
           </a:p>
           <a:p>
             <a:pPr marL="457200" lvl="1" indent="0">
@@ -5550,31 +6114,7 @@
             <a:pPr algn="just"/>
             <a:r>
               <a:rPr lang="en-US" dirty="0" smtClean="0"/>
-              <a:t>On </a:t>
-            </a:r>
-            <a:r>
-              <a:rPr lang="en-US" dirty="0" smtClean="0"/>
-              <a:t>click of </a:t>
-            </a:r>
-            <a:r>
-              <a:rPr lang="en-US" dirty="0" smtClean="0"/>
-              <a:t>Make Admission button a </a:t>
-            </a:r>
-            <a:r>
-              <a:rPr lang="en-US" dirty="0" smtClean="0"/>
-              <a:t>page must open showing the </a:t>
-            </a:r>
-            <a:r>
-              <a:rPr lang="en-US" dirty="0" smtClean="0"/>
-              <a:t>details of the student and options </a:t>
-            </a:r>
-            <a:r>
-              <a:rPr lang="en-US" dirty="0" smtClean="0"/>
-              <a:t>to upload various identification documents</a:t>
-            </a:r>
-            <a:r>
-              <a:rPr lang="en-US" dirty="0" smtClean="0"/>
-              <a:t>.</a:t>
+              <a:t>On click of Make Admission button a page must open showing the details of the student and options to upload various identification documents.</a:t>
             </a:r>
           </a:p>
           <a:p>
@@ -5585,29 +6125,8 @@
             <a:pPr algn="just"/>
             <a:r>
               <a:rPr lang="en-US" dirty="0" smtClean="0"/>
-              <a:t>Once the documents are </a:t>
-            </a:r>
-            <a:r>
-              <a:rPr lang="en-US" dirty="0" smtClean="0"/>
-              <a:t>uploaded </a:t>
-            </a:r>
-            <a:r>
-              <a:rPr lang="en-US" dirty="0" smtClean="0"/>
-              <a:t>the user should be able to save the documents to the </a:t>
-            </a:r>
-            <a:r>
-              <a:rPr lang="en-US" dirty="0" smtClean="0"/>
-              <a:t>server </a:t>
-            </a:r>
-            <a:r>
-              <a:rPr lang="en-US" dirty="0" smtClean="0"/>
-              <a:t>and directed to the page where the list of all the students admitted is displayed</a:t>
-            </a:r>
-            <a:r>
-              <a:rPr lang="en-US" dirty="0" smtClean="0"/>
-              <a:t>. Here also each student has the options to modify, delete and print receipt.</a:t>
-            </a:r>
-            <a:endParaRPr lang="en-US" dirty="0" smtClean="0"/>
+              <a:t>Once the documents are uploaded the user should be able to save the documents to the server and directed to the page where the list of all the students admitted is displayed. Here also each student has the options to modify, delete and print receipt.</a:t>
+            </a:r>
           </a:p>
         </p:txBody>
       </p:sp>
@@ -5663,10 +6182,9 @@
           <a:bodyPr/>
           <a:lstStyle/>
           <a:p>
-            <a:pPr algn="l"/>
             <a:r>
               <a:rPr lang="en-US" dirty="0" smtClean="0"/>
-              <a:t>Task Completed till date</a:t>
+              <a:t>Background</a:t>
             </a:r>
             <a:endParaRPr lang="en-IN" dirty="0"/>
           </a:p>
@@ -5685,119 +6203,127 @@
         <p:spPr/>
         <p:txBody>
           <a:bodyPr>
-            <a:normAutofit/>
+            <a:normAutofit fontScale="92500" lnSpcReduction="20000"/>
           </a:bodyPr>
           <a:lstStyle/>
           <a:p>
             <a:pPr algn="just"/>
             <a:r>
-              <a:rPr lang="en-US" dirty="0" smtClean="0"/>
-              <a:t>Gathered project requirements</a:t>
-            </a:r>
-            <a:endParaRPr lang="en-US" dirty="0"/>
-          </a:p>
-          <a:p>
-            <a:pPr lvl="2" algn="just">
-              <a:buFont typeface="Wingdings" pitchFamily="2" charset="2"/>
-              <a:buChar char="Ø"/>
-            </a:pPr>
-            <a:r>
-              <a:rPr lang="en-US" sz="2000" dirty="0"/>
-              <a:t>Details necessary for registering a student</a:t>
-            </a:r>
-          </a:p>
-          <a:p>
-            <a:pPr lvl="2" algn="just">
-              <a:buFont typeface="Wingdings" pitchFamily="2" charset="2"/>
-              <a:buChar char="Ø"/>
-            </a:pPr>
-            <a:r>
-              <a:rPr lang="en-US" sz="2000" dirty="0"/>
-              <a:t>Frameworks and technologies to be used</a:t>
-            </a:r>
-            <a:r>
-              <a:rPr lang="en-US" dirty="0" smtClean="0"/>
+              <a:rPr lang="en-IN" sz="2000" dirty="0" smtClean="0"/>
+              <a:t>The </a:t>
+            </a:r>
+            <a:r>
+              <a:rPr lang="en-IN" sz="2000" dirty="0"/>
+              <a:t>current system </a:t>
+            </a:r>
+            <a:r>
+              <a:rPr lang="en-IN" sz="2000" dirty="0" smtClean="0"/>
+              <a:t>in the schools/colleges of rural areas of India is </a:t>
+            </a:r>
+            <a:r>
+              <a:rPr lang="en-IN" sz="2000" dirty="0"/>
+              <a:t>a manually operated system where new student is registered manually in a </a:t>
+            </a:r>
+            <a:r>
+              <a:rPr lang="en-IN" sz="2000" dirty="0" smtClean="0"/>
+              <a:t>register </a:t>
+            </a:r>
+            <a:r>
+              <a:rPr lang="en-IN" sz="2000" dirty="0"/>
+              <a:t>where registration no., student name and other details are recorded. </a:t>
+            </a:r>
+            <a:r>
+              <a:rPr lang="en-IN" sz="2000" dirty="0"/>
+              <a:t>The school uses manual system in the process of administration and all its data is maintained in the files. </a:t>
+            </a:r>
+            <a:endParaRPr lang="en-IN" sz="2000" dirty="0" smtClean="0"/>
+          </a:p>
+          <a:p>
+            <a:pPr algn="just"/>
+            <a:endParaRPr lang="en-IN" sz="2000" dirty="0" smtClean="0"/>
+          </a:p>
+          <a:p>
+            <a:pPr algn="just"/>
+            <a:r>
+              <a:rPr lang="en-IN" sz="2000" dirty="0" smtClean="0"/>
+              <a:t>After </a:t>
+            </a:r>
+            <a:r>
+              <a:rPr lang="en-IN" sz="2000" dirty="0"/>
+              <a:t>the student is registered, the person in charge of admission has to count the no. of students manually. All this work is tedious and also wastage of time. </a:t>
+            </a:r>
+            <a:endParaRPr lang="en-IN" sz="2000" dirty="0" smtClean="0"/>
+          </a:p>
+          <a:p>
+            <a:pPr algn="just"/>
+            <a:endParaRPr lang="en-US" sz="2000" dirty="0"/>
+          </a:p>
+          <a:p>
+            <a:pPr algn="just"/>
+            <a:r>
+              <a:rPr lang="en-US" sz="2000" dirty="0" smtClean="0"/>
+              <a:t>Also to search any student in this type of system is very hectic and time consuming work.</a:t>
+            </a:r>
+            <a:endParaRPr lang="en-IN" sz="2000" dirty="0" smtClean="0"/>
+          </a:p>
+          <a:p>
+            <a:pPr algn="just"/>
+            <a:endParaRPr lang="en-IN" sz="2000" dirty="0" smtClean="0"/>
+          </a:p>
+          <a:p>
+            <a:pPr algn="just"/>
+            <a:r>
+              <a:rPr lang="en-IN" sz="2000" dirty="0" smtClean="0"/>
+              <a:t>In the proposed </a:t>
+            </a:r>
+            <a:r>
+              <a:rPr lang="en-IN" sz="2000" dirty="0"/>
+              <a:t>system the </a:t>
+            </a:r>
+            <a:r>
+              <a:rPr lang="en-IN" sz="2000" dirty="0" smtClean="0"/>
+              <a:t>administrator </a:t>
+            </a:r>
+            <a:r>
+              <a:rPr lang="en-IN" sz="2000" dirty="0"/>
+              <a:t>will be able to login to the </a:t>
+            </a:r>
+            <a:r>
+              <a:rPr lang="en-IN" sz="2000" dirty="0" smtClean="0"/>
+              <a:t>application </a:t>
+            </a:r>
+            <a:r>
+              <a:rPr lang="en-IN" sz="2000" dirty="0"/>
+              <a:t>and </a:t>
+            </a:r>
+            <a:r>
+              <a:rPr lang="en-IN" sz="2000" dirty="0" smtClean="0"/>
+              <a:t>can </a:t>
+            </a:r>
+            <a:r>
+              <a:rPr lang="en-IN" sz="2000" dirty="0"/>
+              <a:t>register new students and can also track information of the </a:t>
+            </a:r>
+            <a:r>
+              <a:rPr lang="en-IN" sz="2000" dirty="0" smtClean="0"/>
+              <a:t>student</a:t>
+            </a:r>
+            <a:r>
+              <a:rPr lang="en-IN" sz="2000" dirty="0"/>
               <a:t> </a:t>
             </a:r>
-          </a:p>
-          <a:p>
-            <a:pPr algn="just"/>
-            <a:endParaRPr lang="en-US" dirty="0" smtClean="0"/>
-          </a:p>
-          <a:p>
-            <a:pPr algn="just"/>
-            <a:r>
-              <a:rPr lang="en-US" dirty="0" smtClean="0"/>
-              <a:t>Designed </a:t>
-            </a:r>
-            <a:r>
-              <a:rPr lang="en-US" dirty="0" smtClean="0"/>
-              <a:t>a Sign-up and login page with the help of html5 and CSS.</a:t>
-            </a:r>
-          </a:p>
-          <a:p>
-            <a:pPr algn="just"/>
-            <a:endParaRPr lang="en-US" dirty="0" smtClean="0"/>
-          </a:p>
-          <a:p>
-            <a:pPr algn="just"/>
-            <a:r>
-              <a:rPr lang="en-US" dirty="0" smtClean="0"/>
-              <a:t>Validated </a:t>
-            </a:r>
-            <a:r>
-              <a:rPr lang="en-US" dirty="0" smtClean="0"/>
-              <a:t>the Sign-up and login form with the help of </a:t>
-            </a:r>
-            <a:r>
-              <a:rPr lang="en-US" dirty="0" smtClean="0"/>
-              <a:t>JavaScript and server side language PHP </a:t>
-            </a:r>
-            <a:r>
-              <a:rPr lang="en-US" dirty="0" smtClean="0"/>
-              <a:t>using </a:t>
-            </a:r>
-            <a:r>
-              <a:rPr lang="en-US" dirty="0"/>
-              <a:t>M</a:t>
-            </a:r>
-            <a:r>
-              <a:rPr lang="en-US" dirty="0" smtClean="0"/>
-              <a:t>ySQL database</a:t>
-            </a:r>
-            <a:r>
-              <a:rPr lang="en-US" dirty="0" smtClean="0"/>
-              <a:t>.</a:t>
-            </a:r>
-            <a:endParaRPr lang="en-US" dirty="0" smtClean="0"/>
-          </a:p>
-          <a:p>
-            <a:pPr algn="just"/>
-            <a:endParaRPr lang="en-US" dirty="0" smtClean="0"/>
-          </a:p>
-          <a:p>
-            <a:pPr algn="just"/>
-            <a:r>
-              <a:rPr lang="en-US" dirty="0" smtClean="0"/>
-              <a:t>Designed </a:t>
-            </a:r>
-            <a:r>
-              <a:rPr lang="en-US" dirty="0" smtClean="0"/>
-              <a:t>a Registration Form with the help of html5 and CSS.</a:t>
-            </a:r>
-          </a:p>
-          <a:p>
-            <a:pPr marL="0" indent="0">
-              <a:buNone/>
-            </a:pPr>
-            <a:endParaRPr lang="en-IN" dirty="0"/>
+            <a:r>
+              <a:rPr lang="en-IN" sz="2000" dirty="0" smtClean="0"/>
+              <a:t>which will sped up the admission process of the student.</a:t>
+            </a:r>
+            <a:endParaRPr lang="en-IN" sz="2000" dirty="0"/>
           </a:p>
         </p:txBody>
       </p:sp>
     </p:spTree>
     <p:extLst>
       <p:ext uri="{BB962C8B-B14F-4D97-AF65-F5344CB8AC3E}">
-        <p14:creationId xmlns:p14="http://schemas.microsoft.com/office/powerpoint/2010/main" val="2382915675"/>
+        <p14:creationId xmlns:p14="http://schemas.microsoft.com/office/powerpoint/2010/main" val="2150017"/>
       </p:ext>
     </p:extLst>
   </p:cSld>
@@ -5846,10 +6372,9 @@
           <a:bodyPr/>
           <a:lstStyle/>
           <a:p>
-            <a:pPr algn="l"/>
-            <a:r>
-              <a:rPr lang="en-US" dirty="0"/>
-              <a:t>Task Completed till date</a:t>
+            <a:r>
+              <a:rPr lang="en-US" dirty="0" smtClean="0"/>
+              <a:t>Methodology followed</a:t>
             </a:r>
             <a:endParaRPr lang="en-IN" dirty="0"/>
           </a:p>
@@ -5865,157 +6390,100 @@
             <p:ph idx="1"/>
           </p:nvPr>
         </p:nvSpPr>
-        <p:spPr>
+        <p:spPr/>
+        <p:txBody>
+          <a:bodyPr>
+            <a:normAutofit fontScale="92500" lnSpcReduction="20000"/>
+          </a:bodyPr>
+          <a:lstStyle/>
+          <a:p>
+            <a:r>
+              <a:rPr lang="en-IN" b="1" dirty="0"/>
+              <a:t>Used Waterfall Method:</a:t>
+            </a:r>
+            <a:endParaRPr lang="en-IN" dirty="0"/>
+          </a:p>
+          <a:p>
+            <a:endParaRPr lang="en-US" dirty="0" smtClean="0"/>
+          </a:p>
+          <a:p>
+            <a:endParaRPr lang="en-US" dirty="0"/>
+          </a:p>
+          <a:p>
+            <a:endParaRPr lang="en-US" dirty="0" smtClean="0"/>
+          </a:p>
+          <a:p>
+            <a:endParaRPr lang="en-US" dirty="0"/>
+          </a:p>
+          <a:p>
+            <a:endParaRPr lang="en-US" dirty="0" smtClean="0"/>
+          </a:p>
+          <a:p>
+            <a:endParaRPr lang="en-US" dirty="0"/>
+          </a:p>
+          <a:p>
+            <a:endParaRPr lang="en-US" dirty="0" smtClean="0"/>
+          </a:p>
+          <a:p>
+            <a:endParaRPr lang="en-US" dirty="0" smtClean="0"/>
+          </a:p>
+          <a:p>
+            <a:endParaRPr lang="en-US" dirty="0"/>
+          </a:p>
+          <a:p>
+            <a:endParaRPr lang="en-US" dirty="0" smtClean="0"/>
+          </a:p>
+          <a:p>
+            <a:endParaRPr lang="en-US" dirty="0"/>
+          </a:p>
+          <a:p>
+            <a:r>
+              <a:rPr lang="en-IN" dirty="0"/>
+              <a:t>The waterfall Model illustrates the software development process in a linear sequential flow. This means that any phase in the development process begins only if the previous phase is complete. In this waterfall model, the phases do not overlap.</a:t>
+            </a:r>
+          </a:p>
+          <a:p>
+            <a:endParaRPr lang="en-IN" dirty="0"/>
+          </a:p>
+        </p:txBody>
+      </p:sp>
+      <p:pic>
+        <p:nvPicPr>
+          <p:cNvPr id="4" name="Picture 3" descr="SDLC Waterfall Model"/>
+          <p:cNvPicPr/>
+          <p:nvPr/>
+        </p:nvPicPr>
+        <p:blipFill>
+          <a:blip r:embed="rId2">
+            <a:extLst>
+              <a:ext uri="{28A0092B-C50C-407E-A947-70E740481C1C}">
+                <a14:useLocalDpi xmlns:a14="http://schemas.microsoft.com/office/drawing/2010/main" val="0"/>
+              </a:ext>
+            </a:extLst>
+          </a:blip>
+          <a:srcRect/>
+          <a:stretch>
+            <a:fillRect/>
+          </a:stretch>
+        </p:blipFill>
+        <p:spPr bwMode="auto">
           <a:xfrm>
-            <a:off x="179512" y="1628800"/>
-            <a:ext cx="8229600" cy="4565104"/>
+            <a:off x="964704" y="2276872"/>
+            <a:ext cx="3247256" cy="2768397"/>
           </a:xfrm>
+          <a:prstGeom prst="rect">
+            <a:avLst/>
+          </a:prstGeom>
+          <a:noFill/>
+          <a:ln>
+            <a:noFill/>
+          </a:ln>
         </p:spPr>
-        <p:txBody>
-          <a:bodyPr>
-            <a:normAutofit/>
-          </a:bodyPr>
-          <a:lstStyle/>
-          <a:p>
-            <a:pPr algn="just"/>
-            <a:r>
-              <a:rPr lang="en-US" dirty="0" smtClean="0"/>
-              <a:t>Persisted</a:t>
-            </a:r>
-            <a:r>
-              <a:rPr lang="en-US" dirty="0" smtClean="0"/>
-              <a:t> </a:t>
-            </a:r>
-            <a:r>
-              <a:rPr lang="en-US" dirty="0" smtClean="0"/>
-              <a:t>the Student details in the </a:t>
-            </a:r>
-            <a:r>
-              <a:rPr lang="en-US" dirty="0" smtClean="0"/>
-              <a:t>MySQL database using PHP and performed validation using </a:t>
-            </a:r>
-            <a:r>
-              <a:rPr lang="en-US" dirty="0" smtClean="0"/>
-              <a:t>J</a:t>
-            </a:r>
-            <a:r>
-              <a:rPr lang="en-US" dirty="0" smtClean="0"/>
-              <a:t>avaScript. Generated unique registration for each new student.</a:t>
-            </a:r>
-          </a:p>
-          <a:p>
-            <a:pPr algn="just"/>
-            <a:endParaRPr lang="en-US" dirty="0" smtClean="0"/>
-          </a:p>
-          <a:p>
-            <a:pPr algn="just"/>
-            <a:r>
-              <a:rPr lang="en-US" dirty="0" smtClean="0"/>
-              <a:t>Designed </a:t>
-            </a:r>
-            <a:r>
-              <a:rPr lang="en-US" dirty="0" smtClean="0"/>
-              <a:t>the students list page which consists a list of all the students registered </a:t>
-            </a:r>
-            <a:r>
-              <a:rPr lang="en-US" dirty="0" smtClean="0"/>
-              <a:t>and given</a:t>
-            </a:r>
-            <a:r>
-              <a:rPr lang="en-US" dirty="0" smtClean="0"/>
-              <a:t> </a:t>
-            </a:r>
-            <a:r>
-              <a:rPr lang="en-US" dirty="0" smtClean="0"/>
-              <a:t>options to modify </a:t>
-            </a:r>
-            <a:r>
-              <a:rPr lang="en-US" dirty="0" smtClean="0"/>
-              <a:t>the details, make admission, </a:t>
-            </a:r>
-            <a:r>
-              <a:rPr lang="en-US" dirty="0" smtClean="0"/>
-              <a:t>print receipt and delete the record </a:t>
-            </a:r>
-            <a:r>
-              <a:rPr lang="en-US" dirty="0" smtClean="0"/>
-              <a:t>to eac</a:t>
-            </a:r>
-            <a:r>
-              <a:rPr lang="en-US" dirty="0"/>
-              <a:t>h</a:t>
-            </a:r>
-            <a:r>
-              <a:rPr lang="en-US" dirty="0" smtClean="0"/>
-              <a:t> </a:t>
-            </a:r>
-            <a:r>
-              <a:rPr lang="en-US" dirty="0" smtClean="0"/>
-              <a:t>student.</a:t>
-            </a:r>
-          </a:p>
-          <a:p>
-            <a:pPr algn="just"/>
-            <a:endParaRPr lang="en-US" dirty="0" smtClean="0"/>
-          </a:p>
-          <a:p>
-            <a:pPr algn="just"/>
-            <a:r>
-              <a:rPr lang="en-US" dirty="0" smtClean="0"/>
-              <a:t>Implemented </a:t>
-            </a:r>
-            <a:r>
-              <a:rPr lang="en-US" dirty="0" smtClean="0"/>
-              <a:t>functionality to allow </a:t>
-            </a:r>
-            <a:r>
-              <a:rPr lang="en-US" dirty="0" smtClean="0"/>
-              <a:t>admin</a:t>
-            </a:r>
-            <a:r>
-              <a:rPr lang="en-US" dirty="0" smtClean="0"/>
-              <a:t> </a:t>
-            </a:r>
-            <a:r>
-              <a:rPr lang="en-US" dirty="0" smtClean="0"/>
-              <a:t>to </a:t>
-            </a:r>
-            <a:r>
-              <a:rPr lang="en-US" dirty="0" smtClean="0"/>
-              <a:t>modify, make </a:t>
-            </a:r>
-            <a:r>
-              <a:rPr lang="en-US" dirty="0" smtClean="0"/>
-              <a:t>admission </a:t>
-            </a:r>
-            <a:r>
-              <a:rPr lang="en-US" dirty="0" smtClean="0"/>
-              <a:t>and</a:t>
-            </a:r>
-            <a:r>
-              <a:rPr lang="en-US" dirty="0" smtClean="0"/>
-              <a:t> delete the record of </a:t>
-            </a:r>
-            <a:r>
-              <a:rPr lang="en-US" dirty="0" smtClean="0"/>
-              <a:t>the registered student.</a:t>
-            </a:r>
-          </a:p>
-          <a:p>
-            <a:endParaRPr lang="en-US" dirty="0"/>
-          </a:p>
-          <a:p>
-            <a:pPr marL="0" indent="0">
-              <a:buNone/>
-            </a:pPr>
-            <a:endParaRPr lang="en-US" dirty="0" smtClean="0"/>
-          </a:p>
-        </p:txBody>
-      </p:sp>
+      </p:pic>
     </p:spTree>
     <p:extLst>
       <p:ext uri="{BB962C8B-B14F-4D97-AF65-F5344CB8AC3E}">
-        <p14:creationId xmlns:p14="http://schemas.microsoft.com/office/powerpoint/2010/main" val="2310584256"/>
+        <p14:creationId xmlns:p14="http://schemas.microsoft.com/office/powerpoint/2010/main" val="2411787805"/>
       </p:ext>
     </p:extLst>
   </p:cSld>
@@ -6064,10 +6532,9 @@
           <a:bodyPr/>
           <a:lstStyle/>
           <a:p>
-            <a:pPr algn="l"/>
-            <a:r>
-              <a:rPr lang="en-US" dirty="0"/>
-              <a:t>Task Completed till date</a:t>
+            <a:r>
+              <a:rPr lang="en-US" dirty="0" smtClean="0"/>
+              <a:t>The Waterfall method</a:t>
             </a:r>
             <a:endParaRPr lang="en-IN" dirty="0"/>
           </a:p>
@@ -6083,76 +6550,152 @@
             <p:ph idx="1"/>
           </p:nvPr>
         </p:nvSpPr>
-        <p:spPr/>
+        <p:spPr>
+          <a:xfrm>
+            <a:off x="457200" y="1340768"/>
+            <a:ext cx="7620000" cy="5060032"/>
+          </a:xfrm>
+        </p:spPr>
         <p:txBody>
           <a:bodyPr>
-            <a:normAutofit lnSpcReduction="10000"/>
+            <a:normAutofit fontScale="55000" lnSpcReduction="20000"/>
           </a:bodyPr>
           <a:lstStyle/>
           <a:p>
-            <a:pPr algn="just"/>
-            <a:r>
-              <a:rPr lang="en-US" dirty="0" smtClean="0"/>
-              <a:t>Designed the page to modify the student details and performed the update query in the database using PHP.</a:t>
-            </a:r>
-          </a:p>
-          <a:p>
-            <a:pPr algn="just"/>
-            <a:endParaRPr lang="en-US" dirty="0" smtClean="0"/>
-          </a:p>
-          <a:p>
-            <a:pPr algn="just"/>
-            <a:r>
-              <a:rPr lang="en-US" dirty="0" smtClean="0"/>
-              <a:t>Designed </a:t>
-            </a:r>
-            <a:r>
-              <a:rPr lang="en-US" dirty="0" smtClean="0"/>
-              <a:t>and styled a page to upload various documents required for the admission.</a:t>
-            </a:r>
-          </a:p>
-          <a:p>
-            <a:pPr algn="just"/>
-            <a:endParaRPr lang="en-US" dirty="0" smtClean="0"/>
-          </a:p>
-          <a:p>
-            <a:pPr algn="just"/>
-            <a:r>
-              <a:rPr lang="en-US" dirty="0" smtClean="0"/>
-              <a:t>Stored </a:t>
-            </a:r>
-            <a:r>
-              <a:rPr lang="en-US" dirty="0" smtClean="0"/>
-              <a:t>the uploaded documents </a:t>
-            </a:r>
-            <a:r>
-              <a:rPr lang="en-US" dirty="0" smtClean="0"/>
-              <a:t>at the server side using </a:t>
-            </a:r>
-            <a:r>
-              <a:rPr lang="en-US" dirty="0" smtClean="0"/>
-              <a:t>J</a:t>
-            </a:r>
-            <a:r>
-              <a:rPr lang="en-US" dirty="0" smtClean="0"/>
-              <a:t>avaScript and PHP.</a:t>
-            </a:r>
-          </a:p>
-          <a:p>
-            <a:pPr algn="just"/>
-            <a:endParaRPr lang="en-US" dirty="0"/>
-          </a:p>
-          <a:p>
-            <a:pPr algn="just"/>
-            <a:r>
-              <a:rPr lang="en-US" dirty="0"/>
-              <a:t>Designed and styled a page of admitted students which shows the list of all the students admitted. It has options to modify,  delete the record of the student and print the admission fee receipt.</a:t>
-            </a:r>
-          </a:p>
-          <a:p>
-            <a:endParaRPr lang="en-US" dirty="0" smtClean="0"/>
-          </a:p>
-          <a:p>
+            <a:r>
+              <a:rPr lang="en-IN" dirty="0"/>
+              <a:t>The sequential phases in Waterfall model are </a:t>
+            </a:r>
+            <a:r>
+              <a:rPr lang="en-IN" dirty="0" smtClean="0"/>
+              <a:t>−</a:t>
+            </a:r>
+          </a:p>
+          <a:p>
+            <a:endParaRPr lang="en-IN" dirty="0" smtClean="0"/>
+          </a:p>
+          <a:p>
+            <a:endParaRPr lang="en-IN" dirty="0"/>
+          </a:p>
+          <a:p>
+            <a:pPr lvl="0"/>
+            <a:r>
+              <a:rPr lang="en-IN" b="1" dirty="0"/>
+              <a:t>Requirement Gathering and analysis</a:t>
+            </a:r>
+            <a:r>
+              <a:rPr lang="en-IN" dirty="0"/>
+              <a:t> − All possible requirements of the system to be developed are captured in this phase and documented in a requirement specification document</a:t>
+            </a:r>
+            <a:r>
+              <a:rPr lang="en-IN" dirty="0" smtClean="0"/>
+              <a:t>.</a:t>
+            </a:r>
+          </a:p>
+          <a:p>
+            <a:pPr lvl="0"/>
+            <a:endParaRPr lang="en-IN" dirty="0"/>
+          </a:p>
+          <a:p>
+            <a:pPr lvl="0"/>
+            <a:r>
+              <a:rPr lang="en-IN" b="1" dirty="0"/>
+              <a:t>System Design</a:t>
+            </a:r>
+            <a:r>
+              <a:rPr lang="en-IN" dirty="0"/>
+              <a:t> − the requirement specifications from first phase are studied in this phase and the system design is prepared. This system design helps in specifying hardware and system requirements and helps in defining the overall system architecture</a:t>
+            </a:r>
+            <a:r>
+              <a:rPr lang="en-IN" dirty="0" smtClean="0"/>
+              <a:t>.</a:t>
+            </a:r>
+          </a:p>
+          <a:p>
+            <a:pPr lvl="0"/>
+            <a:endParaRPr lang="en-IN" dirty="0"/>
+          </a:p>
+          <a:p>
+            <a:pPr lvl="0"/>
+            <a:r>
+              <a:rPr lang="en-IN" b="1" dirty="0"/>
+              <a:t>Implementation</a:t>
+            </a:r>
+            <a:r>
+              <a:rPr lang="en-IN" dirty="0"/>
+              <a:t> − with inputs from the system design, the system is first developed in small programs called units, which are integrated in the next phase. Each unit is developed and tested for its functionality, which is referred to as Unit Testing</a:t>
+            </a:r>
+            <a:r>
+              <a:rPr lang="en-IN" dirty="0" smtClean="0"/>
+              <a:t>.</a:t>
+            </a:r>
+          </a:p>
+          <a:p>
+            <a:pPr lvl="0"/>
+            <a:endParaRPr lang="en-IN" dirty="0"/>
+          </a:p>
+          <a:p>
+            <a:pPr lvl="0"/>
+            <a:r>
+              <a:rPr lang="en-IN" b="1" dirty="0"/>
+              <a:t>Integration and Testing</a:t>
+            </a:r>
+            <a:r>
+              <a:rPr lang="en-IN" dirty="0"/>
+              <a:t> − All the units developed in the implementation phase are integrated into a system after testing of each unit. Post integration the entire system is tested for any faults and failures</a:t>
+            </a:r>
+            <a:r>
+              <a:rPr lang="en-IN" dirty="0" smtClean="0"/>
+              <a:t>.</a:t>
+            </a:r>
+          </a:p>
+          <a:p>
+            <a:pPr lvl="0"/>
+            <a:endParaRPr lang="en-IN" dirty="0"/>
+          </a:p>
+          <a:p>
+            <a:pPr lvl="0"/>
+            <a:r>
+              <a:rPr lang="en-IN" b="1" dirty="0"/>
+              <a:t>Deployment of system</a:t>
+            </a:r>
+            <a:r>
+              <a:rPr lang="en-IN" dirty="0"/>
+              <a:t> − Once the functional and non-functional testing is done; the product is deployed in the customer environment or released into the market</a:t>
+            </a:r>
+            <a:r>
+              <a:rPr lang="en-IN" dirty="0" smtClean="0"/>
+              <a:t>.</a:t>
+            </a:r>
+          </a:p>
+          <a:p>
+            <a:pPr lvl="0"/>
+            <a:endParaRPr lang="en-IN" dirty="0"/>
+          </a:p>
+          <a:p>
+            <a:pPr lvl="0"/>
+            <a:r>
+              <a:rPr lang="en-IN" b="1" dirty="0"/>
+              <a:t>Maintenance</a:t>
+            </a:r>
+            <a:r>
+              <a:rPr lang="en-IN" dirty="0"/>
+              <a:t> − There are some issues which come up in the client environment. To fix those issues, patches are released. Also to enhance the product some better versions are released. Maintenance is done to deliver these changes in the customer environment</a:t>
+            </a:r>
+            <a:r>
+              <a:rPr lang="en-IN" dirty="0" smtClean="0"/>
+              <a:t>.</a:t>
+            </a:r>
+          </a:p>
+          <a:p>
+            <a:pPr lvl="0"/>
+            <a:endParaRPr lang="en-IN" dirty="0"/>
+          </a:p>
+          <a:p>
+            <a:r>
+              <a:rPr lang="en-IN" dirty="0"/>
+              <a:t>All these phases are cascaded to each other in which progress is seen as flowing steadily downwards (like a waterfall) through the phases. The next phase is started only after the defined set of goals are achieved for previous phase and it is signed off, so the name "Waterfall Model". In this model, phases do not overlap.</a:t>
+            </a:r>
             <a:endParaRPr lang="en-IN" dirty="0"/>
           </a:p>
         </p:txBody>
@@ -6160,7 +6703,7 @@
     </p:spTree>
     <p:extLst>
       <p:ext uri="{BB962C8B-B14F-4D97-AF65-F5344CB8AC3E}">
-        <p14:creationId xmlns:p14="http://schemas.microsoft.com/office/powerpoint/2010/main" val="347318552"/>
+        <p14:creationId xmlns:p14="http://schemas.microsoft.com/office/powerpoint/2010/main" val="1238291648"/>
       </p:ext>
     </p:extLst>
   </p:cSld>
@@ -6210,8 +6753,8 @@
           <a:lstStyle/>
           <a:p>
             <a:r>
-              <a:rPr lang="en-US" dirty="0"/>
-              <a:t>Task Completed till date</a:t>
+              <a:rPr lang="en-US" dirty="0" smtClean="0"/>
+              <a:t>Tools and technologies used</a:t>
             </a:r>
             <a:endParaRPr lang="en-IN" dirty="0"/>
           </a:p>
@@ -6232,40 +6775,99 @@
           <a:bodyPr/>
           <a:lstStyle/>
           <a:p>
-            <a:pPr algn="just"/>
             <a:r>
               <a:rPr lang="en-US" dirty="0" smtClean="0"/>
-              <a:t>All </a:t>
-            </a:r>
-            <a:r>
-              <a:rPr lang="en-US" dirty="0"/>
-              <a:t>the pages are given the navigation menu so that admin can navigate between different pages</a:t>
-            </a:r>
-            <a:r>
-              <a:rPr lang="en-US" dirty="0" smtClean="0"/>
-              <a:t>.</a:t>
-            </a:r>
-          </a:p>
-          <a:p>
-            <a:pPr algn="just"/>
+              <a:t>The project is developed using following frameworks:</a:t>
+            </a:r>
+          </a:p>
+          <a:p>
             <a:endParaRPr lang="en-US" dirty="0"/>
           </a:p>
           <a:p>
-            <a:pPr algn="just"/>
-            <a:r>
-              <a:rPr lang="en-US" dirty="0"/>
-              <a:t>Below are the screenshots of the work:</a:t>
-            </a:r>
-          </a:p>
-          <a:p>
-            <a:endParaRPr lang="en-IN" dirty="0"/>
+            <a:pPr lvl="2" algn="just">
+              <a:lnSpc>
+                <a:spcPct val="150000"/>
+              </a:lnSpc>
+              <a:buFont typeface="Wingdings" pitchFamily="2" charset="2"/>
+              <a:buChar char="Ø"/>
+            </a:pPr>
+            <a:r>
+              <a:rPr lang="en-US" sz="2400" dirty="0"/>
+              <a:t>HTML5</a:t>
+            </a:r>
+          </a:p>
+          <a:p>
+            <a:pPr lvl="2" algn="just">
+              <a:lnSpc>
+                <a:spcPct val="150000"/>
+              </a:lnSpc>
+              <a:buFont typeface="Wingdings" pitchFamily="2" charset="2"/>
+              <a:buChar char="Ø"/>
+            </a:pPr>
+            <a:r>
+              <a:rPr lang="en-US" sz="2400" dirty="0"/>
+              <a:t>CSS</a:t>
+            </a:r>
+          </a:p>
+          <a:p>
+            <a:pPr lvl="2" algn="just">
+              <a:lnSpc>
+                <a:spcPct val="150000"/>
+              </a:lnSpc>
+              <a:buFont typeface="Wingdings" pitchFamily="2" charset="2"/>
+              <a:buChar char="Ø"/>
+            </a:pPr>
+            <a:r>
+              <a:rPr lang="en-US" sz="2400" dirty="0"/>
+              <a:t>JavaScript</a:t>
+            </a:r>
+          </a:p>
+          <a:p>
+            <a:pPr lvl="2" algn="just">
+              <a:lnSpc>
+                <a:spcPct val="150000"/>
+              </a:lnSpc>
+              <a:buFont typeface="Wingdings" pitchFamily="2" charset="2"/>
+              <a:buChar char="Ø"/>
+            </a:pPr>
+            <a:r>
+              <a:rPr lang="en-US" sz="2400" dirty="0"/>
+              <a:t>AJAX</a:t>
+            </a:r>
+          </a:p>
+          <a:p>
+            <a:pPr lvl="2" algn="just">
+              <a:lnSpc>
+                <a:spcPct val="150000"/>
+              </a:lnSpc>
+              <a:buFont typeface="Wingdings" pitchFamily="2" charset="2"/>
+              <a:buChar char="Ø"/>
+            </a:pPr>
+            <a:r>
+              <a:rPr lang="en-US" sz="2400" dirty="0"/>
+              <a:t>PHP</a:t>
+            </a:r>
+          </a:p>
+          <a:p>
+            <a:pPr lvl="2" algn="just">
+              <a:lnSpc>
+                <a:spcPct val="150000"/>
+              </a:lnSpc>
+              <a:buFont typeface="Wingdings" pitchFamily="2" charset="2"/>
+              <a:buChar char="Ø"/>
+            </a:pPr>
+            <a:r>
+              <a:rPr lang="en-US" sz="2400" dirty="0"/>
+              <a:t>MySQL</a:t>
+            </a:r>
+            <a:endParaRPr lang="en-IN" sz="2400" dirty="0"/>
           </a:p>
         </p:txBody>
       </p:sp>
     </p:spTree>
     <p:extLst>
       <p:ext uri="{BB962C8B-B14F-4D97-AF65-F5344CB8AC3E}">
-        <p14:creationId xmlns:p14="http://schemas.microsoft.com/office/powerpoint/2010/main" val="882389080"/>
+        <p14:creationId xmlns:p14="http://schemas.microsoft.com/office/powerpoint/2010/main" val="1082420005"/>
       </p:ext>
     </p:extLst>
   </p:cSld>

--- a/Internship Presentation.pptx
+++ b/Internship Presentation.pptx
@@ -328,7 +328,7 @@
           <a:p>
             <a:fld id="{373E9597-6F13-4AD2-818F-A3E3DAA2519F}" type="datetimeFigureOut">
               <a:rPr lang="en-IN" smtClean="0"/>
-              <a:t>28-05-2020</a:t>
+              <a:t>29-05-2020</a:t>
             </a:fld>
             <a:endParaRPr lang="en-IN"/>
           </a:p>
@@ -493,7 +493,7 @@
           <a:p>
             <a:fld id="{373E9597-6F13-4AD2-818F-A3E3DAA2519F}" type="datetimeFigureOut">
               <a:rPr lang="en-IN" smtClean="0"/>
-              <a:t>28-05-2020</a:t>
+              <a:t>29-05-2020</a:t>
             </a:fld>
             <a:endParaRPr lang="en-IN"/>
           </a:p>
@@ -668,7 +668,7 @@
           <a:p>
             <a:fld id="{373E9597-6F13-4AD2-818F-A3E3DAA2519F}" type="datetimeFigureOut">
               <a:rPr lang="en-IN" smtClean="0"/>
-              <a:t>28-05-2020</a:t>
+              <a:t>29-05-2020</a:t>
             </a:fld>
             <a:endParaRPr lang="en-IN"/>
           </a:p>
@@ -833,7 +833,7 @@
           <a:p>
             <a:fld id="{373E9597-6F13-4AD2-818F-A3E3DAA2519F}" type="datetimeFigureOut">
               <a:rPr lang="en-IN" smtClean="0"/>
-              <a:t>28-05-2020</a:t>
+              <a:t>29-05-2020</a:t>
             </a:fld>
             <a:endParaRPr lang="en-IN"/>
           </a:p>
@@ -1074,7 +1074,7 @@
           <a:p>
             <a:fld id="{373E9597-6F13-4AD2-818F-A3E3DAA2519F}" type="datetimeFigureOut">
               <a:rPr lang="en-IN" smtClean="0"/>
-              <a:t>28-05-2020</a:t>
+              <a:t>29-05-2020</a:t>
             </a:fld>
             <a:endParaRPr lang="en-IN"/>
           </a:p>
@@ -1357,7 +1357,7 @@
           <a:p>
             <a:fld id="{373E9597-6F13-4AD2-818F-A3E3DAA2519F}" type="datetimeFigureOut">
               <a:rPr lang="en-IN" smtClean="0"/>
-              <a:t>28-05-2020</a:t>
+              <a:t>29-05-2020</a:t>
             </a:fld>
             <a:endParaRPr lang="en-IN"/>
           </a:p>
@@ -1786,7 +1786,7 @@
           <a:p>
             <a:fld id="{373E9597-6F13-4AD2-818F-A3E3DAA2519F}" type="datetimeFigureOut">
               <a:rPr lang="en-IN" smtClean="0"/>
-              <a:t>28-05-2020</a:t>
+              <a:t>29-05-2020</a:t>
             </a:fld>
             <a:endParaRPr lang="en-IN"/>
           </a:p>
@@ -1899,7 +1899,7 @@
           <a:p>
             <a:fld id="{373E9597-6F13-4AD2-818F-A3E3DAA2519F}" type="datetimeFigureOut">
               <a:rPr lang="en-IN" smtClean="0"/>
-              <a:t>28-05-2020</a:t>
+              <a:t>29-05-2020</a:t>
             </a:fld>
             <a:endParaRPr lang="en-IN"/>
           </a:p>
@@ -1989,7 +1989,7 @@
           <a:p>
             <a:fld id="{373E9597-6F13-4AD2-818F-A3E3DAA2519F}" type="datetimeFigureOut">
               <a:rPr lang="en-IN" smtClean="0"/>
-              <a:t>28-05-2020</a:t>
+              <a:t>29-05-2020</a:t>
             </a:fld>
             <a:endParaRPr lang="en-IN"/>
           </a:p>
@@ -2178,7 +2178,7 @@
           <a:p>
             <a:fld id="{373E9597-6F13-4AD2-818F-A3E3DAA2519F}" type="datetimeFigureOut">
               <a:rPr lang="en-IN" smtClean="0"/>
-              <a:t>28-05-2020</a:t>
+              <a:t>29-05-2020</a:t>
             </a:fld>
             <a:endParaRPr lang="en-IN"/>
           </a:p>
@@ -2496,7 +2496,7 @@
           <a:p>
             <a:fld id="{373E9597-6F13-4AD2-818F-A3E3DAA2519F}" type="datetimeFigureOut">
               <a:rPr lang="en-IN" smtClean="0"/>
-              <a:t>28-05-2020</a:t>
+              <a:t>29-05-2020</a:t>
             </a:fld>
             <a:endParaRPr lang="en-IN"/>
           </a:p>
@@ -2875,7 +2875,7 @@
           <a:p>
             <a:fld id="{373E9597-6F13-4AD2-818F-A3E3DAA2519F}" type="datetimeFigureOut">
               <a:rPr lang="en-IN" smtClean="0"/>
-              <a:t>28-05-2020</a:t>
+              <a:t>29-05-2020</a:t>
             </a:fld>
             <a:endParaRPr lang="en-IN"/>
           </a:p>
@@ -3296,8 +3296,37 @@
                   <a:schemeClr val="tx1"/>
                 </a:solidFill>
               </a:rPr>
-              <a:t>    	:  T.Y. B-Tech, CSE, trimester - IX </a:t>
-            </a:r>
+              <a:t>    	</a:t>
+            </a:r>
+            <a:r>
+              <a:rPr lang="en-US" dirty="0" smtClean="0">
+                <a:solidFill>
+                  <a:schemeClr val="tx1"/>
+                </a:solidFill>
+              </a:rPr>
+              <a:t>:  T.Y</a:t>
+            </a:r>
+            <a:r>
+              <a:rPr lang="en-US" dirty="0" smtClean="0">
+                <a:solidFill>
+                  <a:schemeClr val="tx1"/>
+                </a:solidFill>
+              </a:rPr>
+              <a:t>. B-Tech, CSE, trimester - </a:t>
+            </a:r>
+            <a:r>
+              <a:rPr lang="en-US" dirty="0" smtClean="0">
+                <a:solidFill>
+                  <a:schemeClr val="tx1"/>
+                </a:solidFill>
+              </a:rPr>
+              <a:t>IX</a:t>
+            </a:r>
+            <a:endParaRPr lang="en-US" dirty="0" smtClean="0">
+              <a:solidFill>
+                <a:schemeClr val="tx1"/>
+              </a:solidFill>
+            </a:endParaRPr>
           </a:p>
           <a:p>
             <a:pPr algn="just"/>
@@ -3668,16 +3697,21 @@
             <a:pPr algn="just"/>
             <a:r>
               <a:rPr lang="en-US" dirty="0" smtClean="0"/>
-              <a:t>Designed the students list page which consists a list of all the students registered and given options to modify the details, make admission, print receipt and delete the record to eac</a:t>
-            </a:r>
-            <a:r>
-              <a:rPr lang="en-US" dirty="0"/>
-              <a:t>h</a:t>
+              <a:t>Designed the students list page which consists a list of all the students registered and given options to </a:t>
             </a:r>
             <a:r>
               <a:rPr lang="en-US" dirty="0" smtClean="0"/>
-              <a:t> student.</a:t>
-            </a:r>
+              <a:t>each student to modify </a:t>
+            </a:r>
+            <a:r>
+              <a:rPr lang="en-US" dirty="0" smtClean="0"/>
+              <a:t>the details, make admission, print receipt and delete the </a:t>
+            </a:r>
+            <a:r>
+              <a:rPr lang="en-US" dirty="0" smtClean="0"/>
+              <a:t>record.</a:t>
+            </a:r>
+            <a:endParaRPr lang="en-US" dirty="0" smtClean="0"/>
           </a:p>
           <a:p>
             <a:pPr algn="just"/>
@@ -3914,6 +3948,7 @@
               <a:rPr lang="en-US" dirty="0" smtClean="0"/>
               <a:t>.</a:t>
             </a:r>
+            <a:endParaRPr lang="en-US" dirty="0" smtClean="0"/>
           </a:p>
           <a:p>
             <a:pPr algn="just"/>
@@ -3980,7 +4015,7 @@
         </p:nvSpPr>
         <p:spPr>
           <a:xfrm>
-            <a:off x="225236" y="6151743"/>
+            <a:off x="480263" y="5949280"/>
             <a:ext cx="5486400" cy="566738"/>
           </a:xfrm>
         </p:spPr>
@@ -3992,10 +4027,20 @@
           <a:p>
             <a:pPr algn="l"/>
             <a:r>
-              <a:rPr lang="en-US" dirty="0" smtClean="0"/>
+              <a:rPr lang="en-US" sz="1800" dirty="0" smtClean="0">
+                <a:solidFill>
+                  <a:schemeClr val="tx1"/>
+                </a:solidFill>
+                <a:latin typeface="+mn-lt"/>
+              </a:rPr>
               <a:t>Sign-Up Page</a:t>
             </a:r>
-            <a:endParaRPr lang="en-IN" dirty="0"/>
+            <a:endParaRPr lang="en-IN" sz="1800" dirty="0">
+              <a:solidFill>
+                <a:schemeClr val="tx1"/>
+              </a:solidFill>
+              <a:latin typeface="+mn-lt"/>
+            </a:endParaRPr>
           </a:p>
         </p:txBody>
       </p:sp>
@@ -4022,8 +4067,8 @@
         </p:blipFill>
         <p:spPr bwMode="auto">
           <a:xfrm>
-            <a:off x="251520" y="545201"/>
-            <a:ext cx="7920881" cy="5587007"/>
+            <a:off x="456421" y="836712"/>
+            <a:ext cx="7657913" cy="5295496"/>
           </a:xfrm>
           <a:prstGeom prst="rect">
             <a:avLst/>
@@ -4608,7 +4653,15 @@
             <a:pPr algn="just"/>
             <a:r>
               <a:rPr lang="en-US" dirty="0" smtClean="0"/>
-              <a:t>It consists of login form where admin can login.</a:t>
+              <a:t>It consists of login form where </a:t>
+            </a:r>
+            <a:r>
+              <a:rPr lang="en-US" dirty="0"/>
+              <a:t>administrator can </a:t>
+            </a:r>
+            <a:r>
+              <a:rPr lang="en-US" dirty="0" smtClean="0"/>
+              <a:t>login.</a:t>
             </a:r>
           </a:p>
           <a:p>
@@ -5075,7 +5128,7 @@
         <p:spPr/>
         <p:txBody>
           <a:bodyPr>
-            <a:normAutofit fontScale="92500"/>
+            <a:normAutofit lnSpcReduction="10000"/>
           </a:bodyPr>
           <a:lstStyle/>
           <a:p>
@@ -5118,28 +5171,47 @@
             <a:pPr lvl="0" fontAlgn="base"/>
             <a:r>
               <a:rPr lang="en-IN" dirty="0"/>
-              <a:t>Used AJAX to exchange the data from the </a:t>
-            </a:r>
-            <a:r>
-              <a:rPr lang="en-IN" dirty="0" err="1"/>
-              <a:t>php</a:t>
-            </a:r>
+              <a:t>Used AJAX to exchange the data </a:t>
+            </a:r>
+            <a:r>
+              <a:rPr lang="en-IN" dirty="0" smtClean="0"/>
+              <a:t>between the front-end and the back-end</a:t>
+            </a:r>
+            <a:endParaRPr lang="en-IN" dirty="0"/>
+          </a:p>
+          <a:p>
+            <a:pPr lvl="0" fontAlgn="base"/>
             <a:r>
               <a:rPr lang="en-IN" dirty="0"/>
-              <a:t> and the database.</a:t>
-            </a:r>
-          </a:p>
-          <a:p>
-            <a:pPr lvl="0" fontAlgn="base"/>
+              <a:t>Used PHP </a:t>
+            </a:r>
+            <a:r>
+              <a:rPr lang="en-IN" dirty="0" smtClean="0"/>
+              <a:t>and MySQL to </a:t>
+            </a:r>
             <a:r>
               <a:rPr lang="en-IN" dirty="0"/>
-              <a:t>Used PHP to insert data into the database and perform operations on the data</a:t>
-            </a:r>
-          </a:p>
-          <a:p>
+              <a:t>insert </a:t>
+            </a:r>
+            <a:r>
+              <a:rPr lang="en-IN" dirty="0" smtClean="0"/>
+              <a:t>and update data </a:t>
+            </a:r>
             <a:r>
               <a:rPr lang="en-IN" dirty="0"/>
-              <a:t>Used MySQL to create database to store data and perform various operations on it.</a:t>
+              <a:t>into the database and perform </a:t>
+            </a:r>
+            <a:r>
+              <a:rPr lang="en-IN" dirty="0" smtClean="0"/>
+              <a:t>various operations </a:t>
+            </a:r>
+            <a:r>
+              <a:rPr lang="en-IN" dirty="0"/>
+              <a:t>on the </a:t>
+            </a:r>
+            <a:r>
+              <a:rPr lang="en-IN" dirty="0" smtClean="0"/>
+              <a:t>data.</a:t>
             </a:r>
             <a:endParaRPr lang="en-IN" dirty="0"/>
           </a:p>
@@ -5200,7 +5272,11 @@
             <a:pPr algn="l"/>
             <a:r>
               <a:rPr lang="en-US" dirty="0" smtClean="0"/>
-              <a:t>Key Learning's till date</a:t>
+              <a:t>Key </a:t>
+            </a:r>
+            <a:r>
+              <a:rPr lang="en-US" dirty="0" smtClean="0"/>
+              <a:t>Learning‘s</a:t>
             </a:r>
             <a:endParaRPr lang="en-IN" dirty="0"/>
           </a:p>
@@ -5224,8 +5300,13 @@
             <a:pPr algn="just"/>
             <a:r>
               <a:rPr lang="en-US" sz="2400" dirty="0" smtClean="0"/>
-              <a:t>Understanding of attributes required to register a student or make an admission for him.</a:t>
-            </a:r>
+              <a:t>Got an idea of </a:t>
+            </a:r>
+            <a:r>
+              <a:rPr lang="en-US" sz="2400" dirty="0" smtClean="0"/>
+              <a:t>how technologies can be used to resolve real world problems.</a:t>
+            </a:r>
+            <a:endParaRPr lang="en-US" sz="2400" dirty="0" smtClean="0"/>
           </a:p>
           <a:p>
             <a:pPr marL="114300" indent="0" algn="just">
@@ -5507,7 +5588,15 @@
             </a:pPr>
             <a:r>
               <a:rPr lang="en-US" sz="2400" dirty="0" smtClean="0"/>
-              <a:t>Learned to make data persistent in MySQL database PHP.</a:t>
+              <a:t>Learned to make data persistent in MySQL database </a:t>
+            </a:r>
+            <a:r>
+              <a:rPr lang="en-US" sz="2400" dirty="0" smtClean="0"/>
+              <a:t>using PHP</a:t>
+            </a:r>
+            <a:r>
+              <a:rPr lang="en-US" sz="2400" dirty="0" smtClean="0"/>
+              <a:t>.</a:t>
             </a:r>
           </a:p>
           <a:p>
@@ -6092,7 +6181,15 @@
             <a:pPr algn="just"/>
             <a:r>
               <a:rPr lang="en-US" dirty="0" smtClean="0"/>
-              <a:t>On click of modify option a page should open to where admin can make changes to the details of the student. </a:t>
+              <a:t>On click of modify option a page should </a:t>
+            </a:r>
+            <a:r>
+              <a:rPr lang="en-US" dirty="0" smtClean="0"/>
+              <a:t>open </a:t>
+            </a:r>
+            <a:r>
+              <a:rPr lang="en-US" dirty="0" smtClean="0"/>
+              <a:t>where admin can make changes to the details of the student. </a:t>
             </a:r>
           </a:p>
           <a:p>
@@ -6114,7 +6211,19 @@
             <a:pPr algn="just"/>
             <a:r>
               <a:rPr lang="en-US" dirty="0" smtClean="0"/>
-              <a:t>On click of Make Admission button a page must open showing the details of the student and options to upload various identification documents.</a:t>
+              <a:t>On click of Make Admission </a:t>
+            </a:r>
+            <a:r>
+              <a:rPr lang="en-US" dirty="0" smtClean="0"/>
+              <a:t>option</a:t>
+            </a:r>
+            <a:r>
+              <a:rPr lang="en-US" dirty="0" smtClean="0"/>
+              <a:t> </a:t>
+            </a:r>
+            <a:r>
+              <a:rPr lang="en-US" dirty="0" smtClean="0"/>
+              <a:t>a page must open showing the details of the student and options to upload various identification documents.</a:t>
             </a:r>
           </a:p>
           <a:p>
@@ -6203,7 +6312,7 @@
         <p:spPr/>
         <p:txBody>
           <a:bodyPr>
-            <a:normAutofit fontScale="92500" lnSpcReduction="20000"/>
+            <a:normAutofit fontScale="92500" lnSpcReduction="10000"/>
           </a:bodyPr>
           <a:lstStyle/>
           <a:p>
@@ -6222,19 +6331,23 @@
             </a:r>
             <a:r>
               <a:rPr lang="en-IN" sz="2000" dirty="0"/>
-              <a:t>a manually operated system where new student is registered manually in a </a:t>
+              <a:t>a manually operated system where new student is registered manually </a:t>
+            </a:r>
+            <a:r>
+              <a:rPr lang="en-IN" sz="2000" dirty="0" smtClean="0"/>
+              <a:t>in a </a:t>
             </a:r>
             <a:r>
               <a:rPr lang="en-IN" sz="2000" dirty="0" smtClean="0"/>
               <a:t>register </a:t>
             </a:r>
             <a:r>
+              <a:rPr lang="en-IN" sz="2000" dirty="0" smtClean="0"/>
+              <a:t>and details are recorded in it. As a result all the data </a:t>
+            </a:r>
+            <a:r>
               <a:rPr lang="en-IN" sz="2000" dirty="0"/>
-              <a:t>where registration no., student name and other details are recorded. </a:t>
-            </a:r>
-            <a:r>
-              <a:rPr lang="en-IN" sz="2000" dirty="0"/>
-              <a:t>The school uses manual system in the process of administration and all its data is maintained in the files. </a:t>
+              <a:t>is maintained in the files. </a:t>
             </a:r>
             <a:endParaRPr lang="en-IN" sz="2000" dirty="0" smtClean="0"/>
           </a:p>
@@ -6314,7 +6427,15 @@
             </a:r>
             <a:r>
               <a:rPr lang="en-IN" sz="2000" dirty="0" smtClean="0"/>
-              <a:t>which will sped up the admission process of the student.</a:t>
+              <a:t>which will </a:t>
+            </a:r>
+            <a:r>
+              <a:rPr lang="en-IN" sz="2000" dirty="0" smtClean="0"/>
+              <a:t>speed </a:t>
+            </a:r>
+            <a:r>
+              <a:rPr lang="en-IN" sz="2000" dirty="0" smtClean="0"/>
+              <a:t>up the admission process of the student.</a:t>
             </a:r>
             <a:endParaRPr lang="en-IN" sz="2000" dirty="0"/>
           </a:p>
@@ -6558,145 +6679,153 @@
         </p:spPr>
         <p:txBody>
           <a:bodyPr>
-            <a:normAutofit fontScale="55000" lnSpcReduction="20000"/>
+            <a:normAutofit fontScale="25000" lnSpcReduction="20000"/>
           </a:bodyPr>
           <a:lstStyle/>
           <a:p>
             <a:r>
-              <a:rPr lang="en-IN" dirty="0"/>
+              <a:rPr lang="en-IN" sz="5200" dirty="0"/>
               <a:t>The sequential phases in Waterfall model are </a:t>
             </a:r>
             <a:r>
-              <a:rPr lang="en-IN" dirty="0" smtClean="0"/>
+              <a:rPr lang="en-IN" sz="5200" dirty="0" smtClean="0"/>
               <a:t>−</a:t>
             </a:r>
           </a:p>
           <a:p>
-            <a:endParaRPr lang="en-IN" dirty="0" smtClean="0"/>
-          </a:p>
-          <a:p>
-            <a:endParaRPr lang="en-IN" dirty="0"/>
+            <a:pPr marL="114300" indent="0">
+              <a:buNone/>
+            </a:pPr>
+            <a:endParaRPr lang="en-IN" sz="5200" dirty="0"/>
           </a:p>
           <a:p>
             <a:pPr lvl="0"/>
             <a:r>
-              <a:rPr lang="en-IN" b="1" dirty="0"/>
+              <a:rPr lang="en-IN" sz="5200" b="1" dirty="0"/>
               <a:t>Requirement Gathering and analysis</a:t>
             </a:r>
             <a:r>
-              <a:rPr lang="en-IN" dirty="0"/>
+              <a:rPr lang="en-IN" sz="5200" dirty="0"/>
               <a:t> − All possible requirements of the system to be developed are captured in this phase and documented in a requirement specification document</a:t>
             </a:r>
             <a:r>
-              <a:rPr lang="en-IN" dirty="0" smtClean="0"/>
+              <a:rPr lang="en-IN" sz="5200" dirty="0" smtClean="0"/>
               <a:t>.</a:t>
             </a:r>
           </a:p>
           <a:p>
             <a:pPr lvl="0"/>
-            <a:endParaRPr lang="en-IN" dirty="0"/>
+            <a:endParaRPr lang="en-IN" sz="5200" dirty="0"/>
           </a:p>
           <a:p>
             <a:pPr lvl="0"/>
             <a:r>
-              <a:rPr lang="en-IN" b="1" dirty="0"/>
+              <a:rPr lang="en-IN" sz="5200" b="1" dirty="0"/>
               <a:t>System Design</a:t>
             </a:r>
             <a:r>
-              <a:rPr lang="en-IN" dirty="0"/>
-              <a:t> − the requirement specifications from first phase are studied in this phase and the system design is prepared. This system design helps in specifying hardware and system requirements and helps in defining the overall system architecture</a:t>
-            </a:r>
-            <a:r>
-              <a:rPr lang="en-IN" dirty="0" smtClean="0"/>
+              <a:rPr lang="en-IN" sz="5200" dirty="0"/>
+              <a:t> − the requirement specifications from first phase are studied in this phase and the system design is prepared. </a:t>
+            </a:r>
+            <a:r>
+              <a:rPr lang="en-IN" sz="5200" dirty="0" smtClean="0"/>
+              <a:t>The system </a:t>
+            </a:r>
+            <a:r>
+              <a:rPr lang="en-IN" sz="5200" dirty="0"/>
+              <a:t>design helps in specifying hardware and system requirements and helps in defining the overall system architecture</a:t>
+            </a:r>
+            <a:r>
+              <a:rPr lang="en-IN" sz="5200" dirty="0" smtClean="0"/>
               <a:t>.</a:t>
             </a:r>
           </a:p>
           <a:p>
             <a:pPr lvl="0"/>
-            <a:endParaRPr lang="en-IN" dirty="0"/>
+            <a:endParaRPr lang="en-IN" sz="5200" dirty="0"/>
           </a:p>
           <a:p>
             <a:pPr lvl="0"/>
             <a:r>
-              <a:rPr lang="en-IN" b="1" dirty="0"/>
+              <a:rPr lang="en-IN" sz="5200" b="1" dirty="0"/>
               <a:t>Implementation</a:t>
             </a:r>
             <a:r>
-              <a:rPr lang="en-IN" dirty="0"/>
+              <a:rPr lang="en-IN" sz="5200" dirty="0"/>
               <a:t> − with inputs from the system design, the system is first developed in small programs called units, which are integrated in the next phase. Each unit is developed and tested for its functionality, which is referred to as Unit Testing</a:t>
             </a:r>
             <a:r>
-              <a:rPr lang="en-IN" dirty="0" smtClean="0"/>
+              <a:rPr lang="en-IN" sz="5200" dirty="0" smtClean="0"/>
               <a:t>.</a:t>
             </a:r>
           </a:p>
           <a:p>
             <a:pPr lvl="0"/>
-            <a:endParaRPr lang="en-IN" dirty="0"/>
+            <a:endParaRPr lang="en-IN" sz="5200" dirty="0"/>
           </a:p>
           <a:p>
             <a:pPr lvl="0"/>
             <a:r>
-              <a:rPr lang="en-IN" b="1" dirty="0"/>
+              <a:rPr lang="en-IN" sz="5200" b="1" dirty="0"/>
               <a:t>Integration and Testing</a:t>
             </a:r>
             <a:r>
-              <a:rPr lang="en-IN" dirty="0"/>
+              <a:rPr lang="en-IN" sz="5200" dirty="0"/>
               <a:t> − All the units developed in the implementation phase are integrated into a system after testing of each unit. Post integration the entire system is tested for any faults and failures</a:t>
             </a:r>
             <a:r>
-              <a:rPr lang="en-IN" dirty="0" smtClean="0"/>
+              <a:rPr lang="en-IN" sz="5200" dirty="0" smtClean="0"/>
               <a:t>.</a:t>
             </a:r>
           </a:p>
           <a:p>
             <a:pPr lvl="0"/>
-            <a:endParaRPr lang="en-IN" dirty="0"/>
+            <a:endParaRPr lang="en-IN" sz="5200" dirty="0"/>
           </a:p>
           <a:p>
             <a:pPr lvl="0"/>
             <a:r>
-              <a:rPr lang="en-IN" b="1" dirty="0"/>
+              <a:rPr lang="en-IN" sz="5200" b="1" dirty="0"/>
               <a:t>Deployment of system</a:t>
             </a:r>
             <a:r>
-              <a:rPr lang="en-IN" dirty="0"/>
+              <a:rPr lang="en-IN" sz="5200" dirty="0"/>
               <a:t> − Once the functional and non-functional testing is done; the product is deployed in the customer environment or released into the market</a:t>
             </a:r>
             <a:r>
-              <a:rPr lang="en-IN" dirty="0" smtClean="0"/>
+              <a:rPr lang="en-IN" sz="5200" dirty="0" smtClean="0"/>
               <a:t>.</a:t>
             </a:r>
           </a:p>
           <a:p>
             <a:pPr lvl="0"/>
-            <a:endParaRPr lang="en-IN" dirty="0"/>
+            <a:endParaRPr lang="en-IN" sz="5200" dirty="0"/>
           </a:p>
           <a:p>
             <a:pPr lvl="0"/>
             <a:r>
-              <a:rPr lang="en-IN" b="1" dirty="0"/>
+              <a:rPr lang="en-IN" sz="5200" b="1" dirty="0"/>
               <a:t>Maintenance</a:t>
             </a:r>
             <a:r>
-              <a:rPr lang="en-IN" dirty="0"/>
+              <a:rPr lang="en-IN" sz="5200" dirty="0"/>
               <a:t> − There are some issues which come up in the client environment. To fix those issues, patches are released. Also to enhance the product some better versions are released. Maintenance is done to deliver these changes in the customer environment</a:t>
             </a:r>
             <a:r>
-              <a:rPr lang="en-IN" dirty="0" smtClean="0"/>
+              <a:rPr lang="en-IN" sz="5200" dirty="0" smtClean="0"/>
               <a:t>.</a:t>
             </a:r>
           </a:p>
           <a:p>
             <a:pPr lvl="0"/>
-            <a:endParaRPr lang="en-IN" dirty="0"/>
-          </a:p>
-          <a:p>
-            <a:r>
-              <a:rPr lang="en-IN" dirty="0"/>
-              <a:t>All these phases are cascaded to each other in which progress is seen as flowing steadily downwards (like a waterfall) through the phases. The next phase is started only after the defined set of goals are achieved for previous phase and it is signed off, so the name "Waterfall Model". In this model, phases do not overlap.</a:t>
-            </a:r>
-            <a:endParaRPr lang="en-IN" dirty="0"/>
+            <a:endParaRPr lang="en-IN" sz="5200" dirty="0"/>
+          </a:p>
+          <a:p>
+            <a:r>
+              <a:rPr lang="en-IN" sz="5200" dirty="0"/>
+              <a:t>All these phases are cascaded to each other in which progress is seen as flowing steadily downwards (like a waterfall) through the phases. </a:t>
+            </a:r>
+            <a:endParaRPr lang="en-IN" sz="2500" dirty="0"/>
           </a:p>
         </p:txBody>
       </p:sp>
